--- a/Parking6.pptx
+++ b/Parking6.pptx
@@ -5,19 +5,20 @@
     <p:sldMasterId id="2147483726" r:id="rId4"/>
   </p:sldMasterIdLst>
   <p:notesMasterIdLst>
-    <p:notesMasterId r:id="rId15"/>
+    <p:notesMasterId r:id="rId16"/>
   </p:notesMasterIdLst>
   <p:sldIdLst>
     <p:sldId id="267" r:id="rId5"/>
     <p:sldId id="269" r:id="rId6"/>
     <p:sldId id="270" r:id="rId7"/>
     <p:sldId id="266" r:id="rId8"/>
-    <p:sldId id="272" r:id="rId9"/>
-    <p:sldId id="273" r:id="rId10"/>
-    <p:sldId id="275" r:id="rId11"/>
-    <p:sldId id="274" r:id="rId12"/>
+    <p:sldId id="275" r:id="rId9"/>
+    <p:sldId id="274" r:id="rId10"/>
+    <p:sldId id="276" r:id="rId11"/>
+    <p:sldId id="277" r:id="rId12"/>
     <p:sldId id="268" r:id="rId13"/>
     <p:sldId id="271" r:id="rId14"/>
+    <p:sldId id="278" r:id="rId15"/>
   </p:sldIdLst>
   <p:sldSz cx="12192000" cy="6858000"/>
   <p:notesSz cx="6858000" cy="9144000"/>
@@ -574,7 +575,7 @@
           <a:p>
             <a:fld id="{0B6D0EEB-63EA-46C9-BD2F-9CD95A3707FF}" type="slidenum">
               <a:rPr lang="pt-BR" smtClean="0"/>
-              <a:t>8</a:t>
+              <a:t>6</a:t>
             </a:fld>
             <a:endParaRPr lang="pt-BR"/>
           </a:p>
@@ -584,6 +585,174 @@
     <p:extLst>
       <p:ext uri="{BB962C8B-B14F-4D97-AF65-F5344CB8AC3E}">
         <p14:creationId xmlns:p14="http://schemas.microsoft.com/office/powerpoint/2010/main" val="4275068099"/>
+      </p:ext>
+    </p:extLst>
+  </p:cSld>
+  <p:clrMapOvr>
+    <a:masterClrMapping/>
+  </p:clrMapOvr>
+</p:notes>
+</file>
+
+<file path=ppt/notesSlides/notesSlide2.xml><?xml version="1.0" encoding="utf-8"?>
+<p:notes xmlns:a="http://schemas.openxmlformats.org/drawingml/2006/main" xmlns:r="http://schemas.openxmlformats.org/officeDocument/2006/relationships" xmlns:p="http://schemas.openxmlformats.org/presentationml/2006/main">
+  <p:cSld>
+    <p:spTree>
+      <p:nvGrpSpPr>
+        <p:cNvPr id="1" name=""/>
+        <p:cNvGrpSpPr/>
+        <p:nvPr/>
+      </p:nvGrpSpPr>
+      <p:grpSpPr>
+        <a:xfrm>
+          <a:off x="0" y="0"/>
+          <a:ext cx="0" cy="0"/>
+          <a:chOff x="0" y="0"/>
+          <a:chExt cx="0" cy="0"/>
+        </a:xfrm>
+      </p:grpSpPr>
+      <p:sp>
+        <p:nvSpPr>
+          <p:cNvPr id="2" name="Espaço Reservado para Imagem de Slide 1"/>
+          <p:cNvSpPr>
+            <a:spLocks noGrp="1" noRot="1" noChangeAspect="1"/>
+          </p:cNvSpPr>
+          <p:nvPr>
+            <p:ph type="sldImg"/>
+          </p:nvPr>
+        </p:nvSpPr>
+        <p:spPr/>
+      </p:sp>
+      <p:sp>
+        <p:nvSpPr>
+          <p:cNvPr id="3" name="Espaço Reservado para Anotações 2"/>
+          <p:cNvSpPr>
+            <a:spLocks noGrp="1"/>
+          </p:cNvSpPr>
+          <p:nvPr>
+            <p:ph type="body" idx="1"/>
+          </p:nvPr>
+        </p:nvSpPr>
+        <p:spPr/>
+        <p:txBody>
+          <a:bodyPr/>
+          <a:lstStyle/>
+          <a:p>
+            <a:endParaRPr lang="pt-BR" dirty="0"/>
+          </a:p>
+        </p:txBody>
+      </p:sp>
+      <p:sp>
+        <p:nvSpPr>
+          <p:cNvPr id="4" name="Espaço Reservado para Número de Slide 3"/>
+          <p:cNvSpPr>
+            <a:spLocks noGrp="1"/>
+          </p:cNvSpPr>
+          <p:nvPr>
+            <p:ph type="sldNum" sz="quarter" idx="5"/>
+          </p:nvPr>
+        </p:nvSpPr>
+        <p:spPr/>
+        <p:txBody>
+          <a:bodyPr/>
+          <a:lstStyle/>
+          <a:p>
+            <a:fld id="{0B6D0EEB-63EA-46C9-BD2F-9CD95A3707FF}" type="slidenum">
+              <a:rPr lang="pt-BR" smtClean="0"/>
+              <a:t>7</a:t>
+            </a:fld>
+            <a:endParaRPr lang="pt-BR"/>
+          </a:p>
+        </p:txBody>
+      </p:sp>
+    </p:spTree>
+    <p:extLst>
+      <p:ext uri="{BB962C8B-B14F-4D97-AF65-F5344CB8AC3E}">
+        <p14:creationId xmlns:p14="http://schemas.microsoft.com/office/powerpoint/2010/main" val="2423626936"/>
+      </p:ext>
+    </p:extLst>
+  </p:cSld>
+  <p:clrMapOvr>
+    <a:masterClrMapping/>
+  </p:clrMapOvr>
+</p:notes>
+</file>
+
+<file path=ppt/notesSlides/notesSlide3.xml><?xml version="1.0" encoding="utf-8"?>
+<p:notes xmlns:a="http://schemas.openxmlformats.org/drawingml/2006/main" xmlns:r="http://schemas.openxmlformats.org/officeDocument/2006/relationships" xmlns:p="http://schemas.openxmlformats.org/presentationml/2006/main">
+  <p:cSld>
+    <p:spTree>
+      <p:nvGrpSpPr>
+        <p:cNvPr id="1" name=""/>
+        <p:cNvGrpSpPr/>
+        <p:nvPr/>
+      </p:nvGrpSpPr>
+      <p:grpSpPr>
+        <a:xfrm>
+          <a:off x="0" y="0"/>
+          <a:ext cx="0" cy="0"/>
+          <a:chOff x="0" y="0"/>
+          <a:chExt cx="0" cy="0"/>
+        </a:xfrm>
+      </p:grpSpPr>
+      <p:sp>
+        <p:nvSpPr>
+          <p:cNvPr id="2" name="Espaço Reservado para Imagem de Slide 1"/>
+          <p:cNvSpPr>
+            <a:spLocks noGrp="1" noRot="1" noChangeAspect="1"/>
+          </p:cNvSpPr>
+          <p:nvPr>
+            <p:ph type="sldImg"/>
+          </p:nvPr>
+        </p:nvSpPr>
+        <p:spPr/>
+      </p:sp>
+      <p:sp>
+        <p:nvSpPr>
+          <p:cNvPr id="3" name="Espaço Reservado para Anotações 2"/>
+          <p:cNvSpPr>
+            <a:spLocks noGrp="1"/>
+          </p:cNvSpPr>
+          <p:nvPr>
+            <p:ph type="body" idx="1"/>
+          </p:nvPr>
+        </p:nvSpPr>
+        <p:spPr/>
+        <p:txBody>
+          <a:bodyPr/>
+          <a:lstStyle/>
+          <a:p>
+            <a:endParaRPr lang="pt-BR" dirty="0"/>
+          </a:p>
+        </p:txBody>
+      </p:sp>
+      <p:sp>
+        <p:nvSpPr>
+          <p:cNvPr id="4" name="Espaço Reservado para Número de Slide 3"/>
+          <p:cNvSpPr>
+            <a:spLocks noGrp="1"/>
+          </p:cNvSpPr>
+          <p:nvPr>
+            <p:ph type="sldNum" sz="quarter" idx="5"/>
+          </p:nvPr>
+        </p:nvSpPr>
+        <p:spPr/>
+        <p:txBody>
+          <a:bodyPr/>
+          <a:lstStyle/>
+          <a:p>
+            <a:fld id="{0B6D0EEB-63EA-46C9-BD2F-9CD95A3707FF}" type="slidenum">
+              <a:rPr lang="pt-BR" smtClean="0"/>
+              <a:t>8</a:t>
+            </a:fld>
+            <a:endParaRPr lang="pt-BR"/>
+          </a:p>
+        </p:txBody>
+      </p:sp>
+    </p:spTree>
+    <p:extLst>
+      <p:ext uri="{BB962C8B-B14F-4D97-AF65-F5344CB8AC3E}">
+        <p14:creationId xmlns:p14="http://schemas.microsoft.com/office/powerpoint/2010/main" val="974166222"/>
       </p:ext>
     </p:extLst>
   </p:cSld>
@@ -6577,14 +6746,371 @@
   <p:clrMapOvr>
     <a:masterClrMapping/>
   </p:clrMapOvr>
-  <mc:AlternateContent xmlns:mc="http://schemas.openxmlformats.org/markup-compatibility/2006" xmlns:p14="http://schemas.microsoft.com/office/powerpoint/2010/main">
-    <mc:Choice Requires="p14">
-      <p:transition spd="med" p14:dur="700">
+  <mc:AlternateContent xmlns:mc="http://schemas.openxmlformats.org/markup-compatibility/2006">
+    <mc:Choice xmlns:p14="http://schemas.microsoft.com/office/powerpoint/2010/main" Requires="p14">
+      <p:transition spd="med" p14:dur="700" advTm="2000">
         <p:fade/>
       </p:transition>
     </mc:Choice>
-    <mc:Fallback xmlns="">
-      <p:transition spd="med">
+    <mc:Fallback>
+      <p:transition spd="med" advTm="2000">
+        <p:fade/>
+      </p:transition>
+    </mc:Fallback>
+  </mc:AlternateContent>
+  <p:timing>
+    <p:tnLst>
+      <p:par>
+        <p:cTn id="1" dur="indefinite" restart="never" nodeType="tmRoot">
+          <p:childTnLst>
+            <p:seq concurrent="1" nextAc="seek">
+              <p:cTn id="2" dur="indefinite" nodeType="mainSeq">
+                <p:childTnLst>
+                  <p:par>
+                    <p:cTn id="3" fill="hold">
+                      <p:stCondLst>
+                        <p:cond delay="indefinite"/>
+                        <p:cond evt="onBegin" delay="0">
+                          <p:tn val="2"/>
+                        </p:cond>
+                      </p:stCondLst>
+                      <p:childTnLst>
+                        <p:par>
+                          <p:cTn id="4" fill="hold">
+                            <p:stCondLst>
+                              <p:cond delay="0"/>
+                            </p:stCondLst>
+                            <p:childTnLst>
+                              <p:par>
+                                <p:cTn id="5" presetID="10" presetClass="entr" presetSubtype="0" fill="hold" grpId="0" nodeType="afterEffect">
+                                  <p:stCondLst>
+                                    <p:cond delay="250"/>
+                                  </p:stCondLst>
+                                  <p:childTnLst>
+                                    <p:set>
+                                      <p:cBhvr>
+                                        <p:cTn id="6" dur="1" fill="hold">
+                                          <p:stCondLst>
+                                            <p:cond delay="0"/>
+                                          </p:stCondLst>
+                                        </p:cTn>
+                                        <p:tgtEl>
+                                          <p:spTgt spid="10"/>
+                                        </p:tgtEl>
+                                        <p:attrNameLst>
+                                          <p:attrName>style.visibility</p:attrName>
+                                        </p:attrNameLst>
+                                      </p:cBhvr>
+                                      <p:to>
+                                        <p:strVal val="visible"/>
+                                      </p:to>
+                                    </p:set>
+                                    <p:animEffect transition="in" filter="fade">
+                                      <p:cBhvr>
+                                        <p:cTn id="7" dur="1000"/>
+                                        <p:tgtEl>
+                                          <p:spTgt spid="10"/>
+                                        </p:tgtEl>
+                                      </p:cBhvr>
+                                    </p:animEffect>
+                                  </p:childTnLst>
+                                </p:cTn>
+                              </p:par>
+                            </p:childTnLst>
+                          </p:cTn>
+                        </p:par>
+                      </p:childTnLst>
+                    </p:cTn>
+                  </p:par>
+                </p:childTnLst>
+              </p:cTn>
+              <p:prevCondLst>
+                <p:cond evt="onPrev" delay="0">
+                  <p:tgtEl>
+                    <p:sldTgt/>
+                  </p:tgtEl>
+                </p:cond>
+              </p:prevCondLst>
+              <p:nextCondLst>
+                <p:cond evt="onNext" delay="0">
+                  <p:tgtEl>
+                    <p:sldTgt/>
+                  </p:tgtEl>
+                </p:cond>
+              </p:nextCondLst>
+            </p:seq>
+          </p:childTnLst>
+        </p:cTn>
+      </p:par>
+    </p:tnLst>
+    <p:bldLst>
+      <p:bldP spid="10" grpId="0"/>
+    </p:bldLst>
+  </p:timing>
+</p:sld>
+</file>
+
+<file path=ppt/slides/slide11.xml><?xml version="1.0" encoding="utf-8"?>
+<p:sld xmlns:a="http://schemas.openxmlformats.org/drawingml/2006/main" xmlns:r="http://schemas.openxmlformats.org/officeDocument/2006/relationships" xmlns:p="http://schemas.openxmlformats.org/presentationml/2006/main">
+  <p:cSld>
+    <p:spTree>
+      <p:nvGrpSpPr>
+        <p:cNvPr id="1" name=""/>
+        <p:cNvGrpSpPr/>
+        <p:nvPr/>
+      </p:nvGrpSpPr>
+      <p:grpSpPr>
+        <a:xfrm>
+          <a:off x="0" y="0"/>
+          <a:ext cx="0" cy="0"/>
+          <a:chOff x="0" y="0"/>
+          <a:chExt cx="0" cy="0"/>
+        </a:xfrm>
+      </p:grpSpPr>
+      <p:pic>
+        <p:nvPicPr>
+          <p:cNvPr id="2" name="Imagem 1"/>
+          <p:cNvPicPr>
+            <a:picLocks noChangeAspect="1"/>
+          </p:cNvPicPr>
+          <p:nvPr/>
+        </p:nvPicPr>
+        <p:blipFill>
+          <a:blip r:embed="rId2">
+            <a:extLst>
+              <a:ext uri="{28A0092B-C50C-407E-A947-70E740481C1C}">
+                <a14:useLocalDpi xmlns:a14="http://schemas.microsoft.com/office/drawing/2010/main" val="0"/>
+              </a:ext>
+            </a:extLst>
+          </a:blip>
+          <a:stretch>
+            <a:fillRect/>
+          </a:stretch>
+        </p:blipFill>
+        <p:spPr>
+          <a:xfrm>
+            <a:off x="0" y="-1"/>
+            <a:ext cx="12209930" cy="6858001"/>
+          </a:xfrm>
+          <a:prstGeom prst="rect">
+            <a:avLst/>
+          </a:prstGeom>
+        </p:spPr>
+      </p:pic>
+      <p:sp>
+        <p:nvSpPr>
+          <p:cNvPr id="8" name="Retângulo 7">
+            <a:extLst>
+              <a:ext uri="{FF2B5EF4-FFF2-40B4-BE49-F238E27FC236}">
+                <a16:creationId xmlns:a16="http://schemas.microsoft.com/office/drawing/2014/main" id="{9D5FCB53-619F-4073-A221-97F44453968A}"/>
+              </a:ext>
+            </a:extLst>
+          </p:cNvPr>
+          <p:cNvSpPr/>
+          <p:nvPr/>
+        </p:nvSpPr>
+        <p:spPr>
+          <a:xfrm>
+            <a:off x="133350" y="133350"/>
+            <a:ext cx="11830050" cy="6477000"/>
+          </a:xfrm>
+          <a:prstGeom prst="rect">
+            <a:avLst/>
+          </a:prstGeom>
+          <a:solidFill>
+            <a:schemeClr val="bg1">
+              <a:alpha val="60000"/>
+            </a:schemeClr>
+          </a:solidFill>
+          <a:ln>
+            <a:solidFill>
+              <a:schemeClr val="tx1"/>
+            </a:solidFill>
+          </a:ln>
+        </p:spPr>
+        <p:style>
+          <a:lnRef idx="2">
+            <a:schemeClr val="accent1">
+              <a:shade val="50000"/>
+            </a:schemeClr>
+          </a:lnRef>
+          <a:fillRef idx="1">
+            <a:schemeClr val="accent1"/>
+          </a:fillRef>
+          <a:effectRef idx="0">
+            <a:schemeClr val="accent1"/>
+          </a:effectRef>
+          <a:fontRef idx="minor">
+            <a:schemeClr val="lt1"/>
+          </a:fontRef>
+        </p:style>
+        <p:txBody>
+          <a:bodyPr rtlCol="0" anchor="ctr"/>
+          <a:lstStyle/>
+          <a:p>
+            <a:pPr algn="ctr"/>
+            <a:endParaRPr lang="pt-BR"/>
+          </a:p>
+        </p:txBody>
+      </p:sp>
+      <p:sp>
+        <p:nvSpPr>
+          <p:cNvPr id="10" name="Título 1">
+            <a:extLst>
+              <a:ext uri="{FF2B5EF4-FFF2-40B4-BE49-F238E27FC236}">
+                <a16:creationId xmlns:a16="http://schemas.microsoft.com/office/drawing/2014/main" id="{BF7EDDE7-4512-4396-9C1D-417632CE6F0D}"/>
+              </a:ext>
+            </a:extLst>
+          </p:cNvPr>
+          <p:cNvSpPr>
+            <a:spLocks noGrp="1"/>
+          </p:cNvSpPr>
+          <p:nvPr>
+            <p:ph type="title"/>
+          </p:nvPr>
+        </p:nvSpPr>
+        <p:spPr>
+          <a:xfrm>
+            <a:off x="1207698" y="2976113"/>
+            <a:ext cx="9772648" cy="801061"/>
+          </a:xfrm>
+        </p:spPr>
+        <p:txBody>
+          <a:bodyPr>
+            <a:noAutofit/>
+          </a:bodyPr>
+          <a:lstStyle/>
+          <a:p>
+            <a:pPr algn="ctr"/>
+            <a:r>
+              <a:rPr lang="pt-BR" sz="4800" b="1" err="1"/>
+              <a:t>estacio</a:t>
+            </a:r>
+            <a:r>
+              <a:rPr lang="pt-BR" sz="4800" b="1" err="1">
+                <a:solidFill>
+                  <a:srgbClr val="FF0000"/>
+                </a:solidFill>
+              </a:rPr>
+              <a:t>car</a:t>
+            </a:r>
+            <a:endParaRPr lang="en-US" err="1">
+              <a:solidFill>
+                <a:srgbClr val="FF0000"/>
+              </a:solidFill>
+            </a:endParaRPr>
+          </a:p>
+        </p:txBody>
+      </p:sp>
+      <p:sp>
+        <p:nvSpPr>
+          <p:cNvPr id="4" name="TextBox 3">
+            <a:extLst>
+              <a:ext uri="{FF2B5EF4-FFF2-40B4-BE49-F238E27FC236}">
+                <a16:creationId xmlns:a16="http://schemas.microsoft.com/office/drawing/2014/main" id="{F92AD871-7E42-407B-B41E-D0DD89F8299F}"/>
+              </a:ext>
+            </a:extLst>
+          </p:cNvPr>
+          <p:cNvSpPr txBox="1"/>
+          <p:nvPr/>
+        </p:nvSpPr>
+        <p:spPr>
+          <a:xfrm>
+            <a:off x="4668981" y="526472"/>
+            <a:ext cx="3186545" cy="584775"/>
+          </a:xfrm>
+          <a:prstGeom prst="rect">
+            <a:avLst/>
+          </a:prstGeom>
+          <a:noFill/>
+        </p:spPr>
+        <p:txBody>
+          <a:bodyPr rot="0" spcFirstLastPara="0" vertOverflow="overflow" horzOverflow="overflow" vert="horz" wrap="square" lIns="91440" tIns="45720" rIns="91440" bIns="45720" numCol="1" spcCol="0" rtlCol="0" fromWordArt="0" anchor="t" anchorCtr="0" forceAA="0" compatLnSpc="1">
+            <a:prstTxWarp prst="textNoShape">
+              <a:avLst/>
+            </a:prstTxWarp>
+            <a:spAutoFit/>
+          </a:bodyPr>
+          <a:lstStyle/>
+          <a:p>
+            <a:pPr algn="ctr"/>
+            <a:r>
+              <a:rPr lang="en-US" sz="3200" b="1"/>
+              <a:t>PARKING</a:t>
+            </a:r>
+            <a:r>
+              <a:rPr lang="en-US" sz="3200" b="1">
+                <a:solidFill>
+                  <a:srgbClr val="C00000"/>
+                </a:solidFill>
+              </a:rPr>
+              <a:t>6</a:t>
+            </a:r>
+            <a:endParaRPr lang="en-US"/>
+          </a:p>
+        </p:txBody>
+      </p:sp>
+      <p:sp>
+        <p:nvSpPr>
+          <p:cNvPr id="3" name="Retângulo 2"/>
+          <p:cNvSpPr/>
+          <p:nvPr/>
+        </p:nvSpPr>
+        <p:spPr>
+          <a:xfrm>
+            <a:off x="-138953" y="0"/>
+            <a:ext cx="12330953" cy="6858001"/>
+          </a:xfrm>
+          <a:prstGeom prst="rect">
+            <a:avLst/>
+          </a:prstGeom>
+          <a:solidFill>
+            <a:schemeClr val="bg1"/>
+          </a:solidFill>
+        </p:spPr>
+        <p:style>
+          <a:lnRef idx="2">
+            <a:schemeClr val="accent1">
+              <a:shade val="50000"/>
+            </a:schemeClr>
+          </a:lnRef>
+          <a:fillRef idx="1">
+            <a:schemeClr val="accent1"/>
+          </a:fillRef>
+          <a:effectRef idx="0">
+            <a:schemeClr val="accent1"/>
+          </a:effectRef>
+          <a:fontRef idx="minor">
+            <a:schemeClr val="lt1"/>
+          </a:fontRef>
+        </p:style>
+        <p:txBody>
+          <a:bodyPr rtlCol="0" anchor="ctr"/>
+          <a:lstStyle/>
+          <a:p>
+            <a:pPr algn="ctr"/>
+            <a:endParaRPr lang="pt-BR"/>
+          </a:p>
+        </p:txBody>
+      </p:sp>
+    </p:spTree>
+    <p:extLst>
+      <p:ext uri="{BB962C8B-B14F-4D97-AF65-F5344CB8AC3E}">
+        <p14:creationId xmlns:p14="http://schemas.microsoft.com/office/powerpoint/2010/main" val="1135160099"/>
+      </p:ext>
+    </p:extLst>
+  </p:cSld>
+  <p:clrMapOvr>
+    <a:masterClrMapping/>
+  </p:clrMapOvr>
+  <mc:AlternateContent xmlns:mc="http://schemas.openxmlformats.org/markup-compatibility/2006">
+    <mc:Choice xmlns:p14="http://schemas.microsoft.com/office/powerpoint/2010/main" Requires="p14">
+      <p:transition spd="med" p14:dur="700" advTm="3000">
+        <p:fade/>
+      </p:transition>
+    </mc:Choice>
+    <mc:Fallback>
+      <p:transition spd="med" advTm="3000">
         <p:fade/>
       </p:transition>
     </mc:Fallback>
@@ -7844,7 +8370,7 @@
           <a:blip r:embed="rId3">
             <a:extLst>
               <a:ext uri="{96DAC541-7B7A-43D3-8B79-37D633B846F1}">
-                <asvg:svgBlip xmlns:asvg="http://schemas.microsoft.com/office/drawing/2016/SVG/main" r:embed="rId4"/>
+                <asvg:svgBlip xmlns:asvg="http://schemas.microsoft.com/office/drawing/2016/SVG/main" xmlns="" r:embed="rId4"/>
               </a:ext>
             </a:extLst>
           </a:blip>
@@ -7880,7 +8406,7 @@
           <a:blip r:embed="rId5">
             <a:extLst>
               <a:ext uri="{96DAC541-7B7A-43D3-8B79-37D633B846F1}">
-                <asvg:svgBlip xmlns:asvg="http://schemas.microsoft.com/office/drawing/2016/SVG/main" r:embed="rId6"/>
+                <asvg:svgBlip xmlns:asvg="http://schemas.microsoft.com/office/drawing/2016/SVG/main" xmlns="" r:embed="rId6"/>
               </a:ext>
             </a:extLst>
           </a:blip>
@@ -8629,122 +9155,6 @@
       </p:pic>
       <p:sp>
         <p:nvSpPr>
-          <p:cNvPr id="15" name="Título 1">
-            <a:extLst>
-              <a:ext uri="{FF2B5EF4-FFF2-40B4-BE49-F238E27FC236}">
-                <a16:creationId xmlns:a16="http://schemas.microsoft.com/office/drawing/2014/main" id="{7C7DC797-B991-44BE-9890-42C159B5959D}"/>
-              </a:ext>
-            </a:extLst>
-          </p:cNvPr>
-          <p:cNvSpPr txBox="1">
-            <a:spLocks/>
-          </p:cNvSpPr>
-          <p:nvPr/>
-        </p:nvSpPr>
-        <p:spPr>
-          <a:xfrm>
-            <a:off x="561110" y="640411"/>
-            <a:ext cx="6019800" cy="559904"/>
-          </a:xfrm>
-          <a:prstGeom prst="rect">
-            <a:avLst/>
-          </a:prstGeom>
-          <a:effectLst/>
-        </p:spPr>
-        <p:txBody>
-          <a:bodyPr vert="horz" lIns="91440" tIns="45720" rIns="91440" bIns="45720" rtlCol="0" anchor="b">
-            <a:noAutofit/>
-          </a:bodyPr>
-          <a:lstStyle>
-            <a:lvl1pPr algn="l" defTabSz="457200" rtl="0" eaLnBrk="1" latinLnBrk="0" hangingPunct="1">
-              <a:spcBef>
-                <a:spcPct val="0"/>
-              </a:spcBef>
-              <a:buNone/>
-              <a:defRPr sz="2800" b="0" kern="1200" cap="all">
-                <a:ln w="3175" cmpd="sng">
-                  <a:noFill/>
-                </a:ln>
-                <a:solidFill>
-                  <a:schemeClr val="tx1"/>
-                </a:solidFill>
-                <a:effectLst/>
-                <a:latin typeface="+mj-lt"/>
-                <a:ea typeface="+mj-ea"/>
-                <a:cs typeface="+mj-cs"/>
-              </a:defRPr>
-            </a:lvl1pPr>
-            <a:lvl2pPr eaLnBrk="1" hangingPunct="1">
-              <a:defRPr>
-                <a:solidFill>
-                  <a:schemeClr val="tx2"/>
-                </a:solidFill>
-              </a:defRPr>
-            </a:lvl2pPr>
-            <a:lvl3pPr eaLnBrk="1" hangingPunct="1">
-              <a:defRPr>
-                <a:solidFill>
-                  <a:schemeClr val="tx2"/>
-                </a:solidFill>
-              </a:defRPr>
-            </a:lvl3pPr>
-            <a:lvl4pPr eaLnBrk="1" hangingPunct="1">
-              <a:defRPr>
-                <a:solidFill>
-                  <a:schemeClr val="tx2"/>
-                </a:solidFill>
-              </a:defRPr>
-            </a:lvl4pPr>
-            <a:lvl5pPr eaLnBrk="1" hangingPunct="1">
-              <a:defRPr>
-                <a:solidFill>
-                  <a:schemeClr val="tx2"/>
-                </a:solidFill>
-              </a:defRPr>
-            </a:lvl5pPr>
-            <a:lvl6pPr eaLnBrk="1" hangingPunct="1">
-              <a:defRPr>
-                <a:solidFill>
-                  <a:schemeClr val="tx2"/>
-                </a:solidFill>
-              </a:defRPr>
-            </a:lvl6pPr>
-            <a:lvl7pPr eaLnBrk="1" hangingPunct="1">
-              <a:defRPr>
-                <a:solidFill>
-                  <a:schemeClr val="tx2"/>
-                </a:solidFill>
-              </a:defRPr>
-            </a:lvl7pPr>
-            <a:lvl8pPr eaLnBrk="1" hangingPunct="1">
-              <a:defRPr>
-                <a:solidFill>
-                  <a:schemeClr val="tx2"/>
-                </a:solidFill>
-              </a:defRPr>
-            </a:lvl8pPr>
-            <a:lvl9pPr eaLnBrk="1" hangingPunct="1">
-              <a:defRPr>
-                <a:solidFill>
-                  <a:schemeClr val="tx2"/>
-                </a:solidFill>
-              </a:defRPr>
-            </a:lvl9pPr>
-          </a:lstStyle>
-          <a:p>
-            <a:r>
-              <a:rPr lang="pt-BR" sz="3600" dirty="0">
-                <a:ea typeface="+mj-lt"/>
-                <a:cs typeface="+mj-lt"/>
-              </a:rPr>
-              <a:t>Aumento de veículos</a:t>
-            </a:r>
-            <a:endParaRPr lang="en-US" sz="3600" dirty="0"/>
-          </a:p>
-        </p:txBody>
-      </p:sp>
-      <p:sp>
-        <p:nvSpPr>
           <p:cNvPr id="17" name="Espaço Reservado para Texto 3">
             <a:extLst>
               <a:ext uri="{FF2B5EF4-FFF2-40B4-BE49-F238E27FC236}">
@@ -9020,8 +9430,8 @@
         </p:nvGrpSpPr>
         <p:grpSpPr>
           <a:xfrm>
-            <a:off x="7149360" y="2064595"/>
-            <a:ext cx="4282012" cy="2818535"/>
+            <a:off x="426443" y="2430166"/>
+            <a:ext cx="3930144" cy="2149048"/>
             <a:chOff x="7191563" y="2144481"/>
             <a:chExt cx="4282012" cy="2818535"/>
           </a:xfrm>
@@ -9151,7 +9561,7 @@
             <p:nvPr/>
           </p:nvPicPr>
           <p:blipFill>
-            <a:blip r:embed="rId6">
+            <a:blip r:embed="rId6" cstate="hqprint">
               <a:biLevel thresh="25000"/>
               <a:extLst>
                 <a:ext uri="{28A0092B-C50C-407E-A947-70E740481C1C}">
@@ -9199,7 +9609,7 @@
             <p:nvPr/>
           </p:nvPicPr>
           <p:blipFill>
-            <a:blip r:embed="rId6">
+            <a:blip r:embed="rId6" cstate="hqprint">
               <a:biLevel thresh="25000"/>
               <a:extLst>
                 <a:ext uri="{28A0092B-C50C-407E-A947-70E740481C1C}">
@@ -9246,13 +9656,15 @@
           </p:nvSpPr>
           <p:spPr>
             <a:xfrm>
-              <a:off x="10120239" y="3888807"/>
-              <a:ext cx="1246657" cy="646331"/>
+              <a:off x="10169127" y="3913281"/>
+              <a:ext cx="1120198" cy="686217"/>
             </a:xfrm>
             <a:prstGeom prst="rect">
               <a:avLst/>
             </a:prstGeom>
-            <a:noFill/>
+            <a:solidFill>
+              <a:schemeClr val="bg1"/>
+            </a:solidFill>
           </p:spPr>
           <p:txBody>
             <a:bodyPr wrap="square" lIns="91440" tIns="45720" rIns="91440" bIns="45720">
@@ -9262,11 +9674,8 @@
             <a:p>
               <a:pPr algn="ctr"/>
               <a:r>
-                <a:rPr lang="pt-BR" sz="3600" b="1" dirty="0">
+                <a:rPr lang="pt-BR" sz="2800" b="1" dirty="0">
                   <a:ln w="0"/>
-                  <a:solidFill>
-                    <a:schemeClr val="accent1"/>
-                  </a:solidFill>
                   <a:effectLst>
                     <a:outerShdw blurRad="38100" dist="25400" dir="5400000" algn="ctr" rotWithShape="0">
                       <a:srgbClr val="6E747A">
@@ -9277,11 +9686,8 @@
                 </a:rPr>
                 <a:t>1,2%</a:t>
               </a:r>
-              <a:endParaRPr lang="pt-BR" sz="5400" b="1" dirty="0">
+              <a:endParaRPr lang="pt-BR" sz="4400" b="1" dirty="0">
                 <a:ln w="0"/>
-                <a:solidFill>
-                  <a:schemeClr val="accent1"/>
-                </a:solidFill>
                 <a:effectLst>
                   <a:outerShdw blurRad="38100" dist="25400" dir="5400000" algn="ctr" rotWithShape="0">
                     <a:srgbClr val="6E747A">
@@ -9294,120 +9700,392 @@
           </p:txBody>
         </p:sp>
       </p:grpSp>
+      <p:grpSp>
+        <p:nvGrpSpPr>
+          <p:cNvPr id="10" name="Agrupar 9"/>
+          <p:cNvGrpSpPr/>
+          <p:nvPr/>
+        </p:nvGrpSpPr>
+        <p:grpSpPr>
+          <a:xfrm>
+            <a:off x="5202795" y="2298235"/>
+            <a:ext cx="2557609" cy="2653078"/>
+            <a:chOff x="8867339" y="1354571"/>
+            <a:chExt cx="2557609" cy="2653078"/>
+          </a:xfrm>
+        </p:grpSpPr>
+        <p:sp>
+          <p:nvSpPr>
+            <p:cNvPr id="27" name="CaixaDeTexto 26">
+              <a:extLst>
+                <a:ext uri="{FF2B5EF4-FFF2-40B4-BE49-F238E27FC236}">
+                  <a16:creationId xmlns:a16="http://schemas.microsoft.com/office/drawing/2014/main" id="{6B936C29-7D4A-4CB7-AE28-87C9484E4EDC}"/>
+                </a:ext>
+              </a:extLst>
+            </p:cNvPr>
+            <p:cNvSpPr txBox="1"/>
+            <p:nvPr/>
+          </p:nvSpPr>
+          <p:spPr>
+            <a:xfrm>
+              <a:off x="10245454" y="3299763"/>
+              <a:ext cx="904296" cy="707886"/>
+            </a:xfrm>
+            <a:prstGeom prst="rect">
+              <a:avLst/>
+            </a:prstGeom>
+            <a:solidFill>
+              <a:schemeClr val="bg1"/>
+            </a:solidFill>
+          </p:spPr>
+          <p:txBody>
+            <a:bodyPr wrap="square" rtlCol="0">
+              <a:spAutoFit/>
+            </a:bodyPr>
+            <a:lstStyle/>
+            <a:p>
+              <a:r>
+                <a:rPr lang="pt-BR" sz="2000" b="1" dirty="0"/>
+                <a:t>São Paulo</a:t>
+              </a:r>
+            </a:p>
+          </p:txBody>
+        </p:sp>
+        <p:sp>
+          <p:nvSpPr>
+            <p:cNvPr id="23" name="Elipse 22">
+              <a:extLst>
+                <a:ext uri="{FF2B5EF4-FFF2-40B4-BE49-F238E27FC236}">
+                  <a16:creationId xmlns:a16="http://schemas.microsoft.com/office/drawing/2014/main" id="{88F53D2F-8877-4040-9A39-5626829226BE}"/>
+                </a:ext>
+              </a:extLst>
+            </p:cNvPr>
+            <p:cNvSpPr/>
+            <p:nvPr/>
+          </p:nvSpPr>
+          <p:spPr>
+            <a:xfrm>
+              <a:off x="8867339" y="1742692"/>
+              <a:ext cx="151383" cy="151383"/>
+            </a:xfrm>
+            <a:prstGeom prst="ellipse">
+              <a:avLst/>
+            </a:prstGeom>
+            <a:solidFill>
+              <a:schemeClr val="tx1"/>
+            </a:solidFill>
+            <a:ln>
+              <a:solidFill>
+                <a:schemeClr val="accent6"/>
+              </a:solidFill>
+            </a:ln>
+          </p:spPr>
+          <p:style>
+            <a:lnRef idx="2">
+              <a:schemeClr val="accent1">
+                <a:shade val="50000"/>
+              </a:schemeClr>
+            </a:lnRef>
+            <a:fillRef idx="1">
+              <a:schemeClr val="accent1"/>
+            </a:fillRef>
+            <a:effectRef idx="0">
+              <a:schemeClr val="accent1"/>
+            </a:effectRef>
+            <a:fontRef idx="minor">
+              <a:schemeClr val="lt1"/>
+            </a:fontRef>
+          </p:style>
+          <p:txBody>
+            <a:bodyPr rtlCol="0" anchor="ctr"/>
+            <a:lstStyle/>
+            <a:p>
+              <a:pPr algn="ctr"/>
+              <a:endParaRPr lang="pt-BR"/>
+            </a:p>
+          </p:txBody>
+        </p:sp>
+        <p:sp>
+          <p:nvSpPr>
+            <p:cNvPr id="24" name="Elipse 23">
+              <a:extLst>
+                <a:ext uri="{FF2B5EF4-FFF2-40B4-BE49-F238E27FC236}">
+                  <a16:creationId xmlns:a16="http://schemas.microsoft.com/office/drawing/2014/main" id="{6E2EE585-94FC-4B5A-9960-DF31311A56D2}"/>
+                </a:ext>
+              </a:extLst>
+            </p:cNvPr>
+            <p:cNvSpPr/>
+            <p:nvPr/>
+          </p:nvSpPr>
+          <p:spPr>
+            <a:xfrm>
+              <a:off x="11273565" y="3616097"/>
+              <a:ext cx="151383" cy="151383"/>
+            </a:xfrm>
+            <a:prstGeom prst="ellipse">
+              <a:avLst/>
+            </a:prstGeom>
+            <a:solidFill>
+              <a:schemeClr val="tx1"/>
+            </a:solidFill>
+            <a:ln>
+              <a:solidFill>
+                <a:schemeClr val="accent6"/>
+              </a:solidFill>
+            </a:ln>
+          </p:spPr>
+          <p:style>
+            <a:lnRef idx="2">
+              <a:schemeClr val="accent1">
+                <a:shade val="50000"/>
+              </a:schemeClr>
+            </a:lnRef>
+            <a:fillRef idx="1">
+              <a:schemeClr val="accent1"/>
+            </a:fillRef>
+            <a:effectRef idx="0">
+              <a:schemeClr val="accent1"/>
+            </a:effectRef>
+            <a:fontRef idx="minor">
+              <a:schemeClr val="lt1"/>
+            </a:fontRef>
+          </p:style>
+          <p:txBody>
+            <a:bodyPr rtlCol="0" anchor="ctr"/>
+            <a:lstStyle/>
+            <a:p>
+              <a:pPr algn="ctr"/>
+              <a:endParaRPr lang="pt-BR"/>
+            </a:p>
+          </p:txBody>
+        </p:sp>
+        <p:sp>
+          <p:nvSpPr>
+            <p:cNvPr id="25" name="CaixaDeTexto 24">
+              <a:extLst>
+                <a:ext uri="{FF2B5EF4-FFF2-40B4-BE49-F238E27FC236}">
+                  <a16:creationId xmlns:a16="http://schemas.microsoft.com/office/drawing/2014/main" id="{BC2013FA-DDF7-4254-BB04-F38DDF5BACDF}"/>
+                </a:ext>
+              </a:extLst>
+            </p:cNvPr>
+            <p:cNvSpPr txBox="1"/>
+            <p:nvPr/>
+          </p:nvSpPr>
+          <p:spPr>
+            <a:xfrm>
+              <a:off x="8943030" y="1354571"/>
+              <a:ext cx="1385977" cy="400110"/>
+            </a:xfrm>
+            <a:prstGeom prst="rect">
+              <a:avLst/>
+            </a:prstGeom>
+            <a:solidFill>
+              <a:schemeClr val="bg1"/>
+            </a:solidFill>
+          </p:spPr>
+          <p:txBody>
+            <a:bodyPr wrap="square" rtlCol="0">
+              <a:spAutoFit/>
+            </a:bodyPr>
+            <a:lstStyle/>
+            <a:p>
+              <a:r>
+                <a:rPr lang="pt-BR" sz="2000" b="1" dirty="0" err="1"/>
+                <a:t>Butucatu</a:t>
+              </a:r>
+              <a:endParaRPr lang="pt-BR" sz="2000" b="1" dirty="0"/>
+            </a:p>
+          </p:txBody>
+        </p:sp>
+        <p:cxnSp>
+          <p:nvCxnSpPr>
+            <p:cNvPr id="26" name="Conector reto 25">
+              <a:extLst>
+                <a:ext uri="{FF2B5EF4-FFF2-40B4-BE49-F238E27FC236}">
+                  <a16:creationId xmlns:a16="http://schemas.microsoft.com/office/drawing/2014/main" id="{A911AA11-E7B8-4204-9D7F-044EC3506623}"/>
+                </a:ext>
+              </a:extLst>
+            </p:cNvPr>
+            <p:cNvCxnSpPr>
+              <a:cxnSpLocks/>
+            </p:cNvCxnSpPr>
+            <p:nvPr/>
+          </p:nvCxnSpPr>
+          <p:spPr>
+            <a:xfrm>
+              <a:off x="8943030" y="1818383"/>
+              <a:ext cx="2406226" cy="1873405"/>
+            </a:xfrm>
+            <a:prstGeom prst="line">
+              <a:avLst/>
+            </a:prstGeom>
+            <a:ln w="28575">
+              <a:solidFill>
+                <a:schemeClr val="tx1">
+                  <a:alpha val="60000"/>
+                </a:schemeClr>
+              </a:solidFill>
+            </a:ln>
+          </p:spPr>
+          <p:style>
+            <a:lnRef idx="1">
+              <a:schemeClr val="accent1"/>
+            </a:lnRef>
+            <a:fillRef idx="0">
+              <a:schemeClr val="accent1"/>
+            </a:fillRef>
+            <a:effectRef idx="0">
+              <a:schemeClr val="accent1"/>
+            </a:effectRef>
+            <a:fontRef idx="minor">
+              <a:schemeClr val="tx1"/>
+            </a:fontRef>
+          </p:style>
+        </p:cxnSp>
+        <p:sp>
+          <p:nvSpPr>
+            <p:cNvPr id="28" name="CaixaDeTexto 27">
+              <a:extLst>
+                <a:ext uri="{FF2B5EF4-FFF2-40B4-BE49-F238E27FC236}">
+                  <a16:creationId xmlns:a16="http://schemas.microsoft.com/office/drawing/2014/main" id="{CA98F7B0-0A5D-417D-B4EE-D2713A1C1FB9}"/>
+                </a:ext>
+              </a:extLst>
+            </p:cNvPr>
+            <p:cNvSpPr txBox="1"/>
+            <p:nvPr/>
+          </p:nvSpPr>
+          <p:spPr>
+            <a:xfrm>
+              <a:off x="10329006" y="2570342"/>
+              <a:ext cx="1020249" cy="400110"/>
+            </a:xfrm>
+            <a:prstGeom prst="rect">
+              <a:avLst/>
+            </a:prstGeom>
+            <a:noFill/>
+          </p:spPr>
+          <p:txBody>
+            <a:bodyPr wrap="square" rtlCol="0">
+              <a:spAutoFit/>
+            </a:bodyPr>
+            <a:lstStyle/>
+            <a:p>
+              <a:r>
+                <a:rPr lang="pt-BR" sz="2000" b="1" dirty="0"/>
+                <a:t>280km</a:t>
+              </a:r>
+              <a:endParaRPr lang="pt-BR" b="1" dirty="0"/>
+            </a:p>
+          </p:txBody>
+        </p:sp>
+      </p:grpSp>
       <p:sp>
         <p:nvSpPr>
-          <p:cNvPr id="9" name="CaixaDeTexto 8">
-            <a:extLst>
-              <a:ext uri="{FF2B5EF4-FFF2-40B4-BE49-F238E27FC236}">
-                <a16:creationId xmlns:a16="http://schemas.microsoft.com/office/drawing/2014/main" id="{4E1C8EE6-B5F6-4DAF-8C99-666359E379A9}"/>
-              </a:ext>
-            </a:extLst>
-          </p:cNvPr>
-          <p:cNvSpPr txBox="1"/>
+          <p:cNvPr id="13" name="Retângulo 12"/>
+          <p:cNvSpPr/>
           <p:nvPr/>
         </p:nvSpPr>
         <p:spPr>
           <a:xfrm>
-            <a:off x="561110" y="1783235"/>
-            <a:ext cx="6325013" cy="4154984"/>
+            <a:off x="8492887" y="4532258"/>
+            <a:ext cx="3445174" cy="400110"/>
           </a:xfrm>
           <a:prstGeom prst="rect">
             <a:avLst/>
           </a:prstGeom>
-          <a:noFill/>
+          <a:solidFill>
+            <a:schemeClr val="bg1"/>
+          </a:solidFill>
         </p:spPr>
         <p:txBody>
-          <a:bodyPr wrap="square" rtlCol="0">
+          <a:bodyPr wrap="none">
             <a:spAutoFit/>
           </a:bodyPr>
           <a:lstStyle/>
           <a:p>
-            <a:pPr marL="457200" indent="-457200">
-              <a:buFont typeface="Arial" panose="020B0604020202020204" pitchFamily="34" charset="0"/>
-              <a:buChar char="•"/>
-            </a:pPr>
             <a:r>
-              <a:rPr lang="pt-BR" sz="2400" dirty="0"/>
-              <a:t>Crescimento da frota;</a:t>
+              <a:rPr lang="pt-BR" sz="2000" b="1" dirty="0"/>
+              <a:t>Registradas 32.313 </a:t>
             </a:r>
-          </a:p>
-          <a:p>
-            <a:pPr marL="457200" indent="-457200">
-              <a:buFont typeface="Arial" panose="020B0604020202020204" pitchFamily="34" charset="0"/>
-              <a:buChar char="•"/>
-            </a:pPr>
-            <a:endParaRPr lang="pt-BR" sz="2400" dirty="0"/>
-          </a:p>
-          <a:p>
-            <a:pPr marL="457200" indent="-457200">
-              <a:buFont typeface="Arial" panose="020B0604020202020204" pitchFamily="34" charset="0"/>
-              <a:buChar char="•"/>
-            </a:pPr>
             <a:r>
-              <a:rPr lang="pt-BR" sz="2400" dirty="0"/>
-              <a:t>1,2 bilhões de carros;</a:t>
+              <a:rPr lang="pt-BR" sz="2000" b="1" dirty="0" smtClean="0"/>
+              <a:t>multas</a:t>
             </a:r>
-          </a:p>
-          <a:p>
-            <a:pPr marL="457200" indent="-457200">
-              <a:buFont typeface="Arial" panose="020B0604020202020204" pitchFamily="34" charset="0"/>
-              <a:buChar char="•"/>
-            </a:pPr>
-            <a:endParaRPr lang="pt-BR" sz="2400" dirty="0"/>
-          </a:p>
-          <a:p>
-            <a:pPr marL="457200" indent="-457200">
-              <a:buFont typeface="Arial" panose="020B0604020202020204" pitchFamily="34" charset="0"/>
-              <a:buChar char="•"/>
-            </a:pPr>
-            <a:r>
-              <a:rPr lang="pt-BR" sz="2400" dirty="0"/>
-              <a:t>IBGE;</a:t>
-            </a:r>
-          </a:p>
-          <a:p>
-            <a:pPr marL="457200" indent="-457200">
-              <a:buFont typeface="Arial" panose="020B0604020202020204" pitchFamily="34" charset="0"/>
-              <a:buChar char="•"/>
-            </a:pPr>
-            <a:endParaRPr lang="pt-BR" sz="2400" dirty="0"/>
-          </a:p>
-          <a:p>
-            <a:pPr marL="457200" indent="-457200">
-              <a:buFont typeface="Arial" panose="020B0604020202020204" pitchFamily="34" charset="0"/>
-              <a:buChar char="•"/>
-            </a:pPr>
-            <a:r>
-              <a:rPr lang="pt-BR" sz="2400" dirty="0"/>
-              <a:t>54.506.661 pertenciam ao Brasil;</a:t>
-            </a:r>
-          </a:p>
-          <a:p>
-            <a:pPr marL="457200" indent="-457200">
-              <a:buFont typeface="Arial" panose="020B0604020202020204" pitchFamily="34" charset="0"/>
-              <a:buChar char="•"/>
-            </a:pPr>
-            <a:endParaRPr lang="pt-BR" sz="2400" dirty="0"/>
-          </a:p>
-          <a:p>
-            <a:pPr marL="457200" indent="-457200">
-              <a:buFont typeface="Arial" panose="020B0604020202020204" pitchFamily="34" charset="0"/>
-              <a:buChar char="•"/>
-            </a:pPr>
-            <a:r>
-              <a:rPr lang="pt-BR" sz="2400" dirty="0"/>
-              <a:t>Em 2017, houve o aumento de 1,2% no Brasil. </a:t>
-            </a:r>
-          </a:p>
-          <a:p>
-            <a:pPr marL="457200" indent="-457200">
-              <a:buFont typeface="Arial" panose="020B0604020202020204" pitchFamily="34" charset="0"/>
-              <a:buChar char="•"/>
-            </a:pPr>
-            <a:endParaRPr lang="pt-BR" sz="2400" dirty="0"/>
+            <a:endParaRPr lang="pt-BR" sz="2000" b="1" dirty="0"/>
           </a:p>
         </p:txBody>
       </p:sp>
+      <p:pic>
+        <p:nvPicPr>
+          <p:cNvPr id="14" name="Imagem 13"/>
+          <p:cNvPicPr>
+            <a:picLocks noChangeAspect="1"/>
+          </p:cNvPicPr>
+          <p:nvPr/>
+        </p:nvPicPr>
+        <p:blipFill>
+          <a:blip r:embed="rId7">
+            <a:extLst>
+              <a:ext uri="{28A0092B-C50C-407E-A947-70E740481C1C}">
+                <a14:useLocalDpi xmlns:a14="http://schemas.microsoft.com/office/drawing/2010/main" val="0"/>
+              </a:ext>
+            </a:extLst>
+          </a:blip>
+          <a:stretch>
+            <a:fillRect/>
+          </a:stretch>
+        </p:blipFill>
+        <p:spPr>
+          <a:xfrm>
+            <a:off x="9268910" y="1148162"/>
+            <a:ext cx="2747415" cy="3384096"/>
+          </a:xfrm>
+          <a:prstGeom prst="rect">
+            <a:avLst/>
+          </a:prstGeom>
+        </p:spPr>
+      </p:pic>
+      <p:pic>
+        <p:nvPicPr>
+          <p:cNvPr id="33" name="Imagem 32">
+            <a:extLst>
+              <a:ext uri="{FF2B5EF4-FFF2-40B4-BE49-F238E27FC236}">
+                <a16:creationId xmlns:a16="http://schemas.microsoft.com/office/drawing/2014/main" id="{6CBE14C9-0FE4-4642-8981-373C3054F0FC}"/>
+              </a:ext>
+            </a:extLst>
+          </p:cNvPr>
+          <p:cNvPicPr/>
+          <p:nvPr/>
+        </p:nvPicPr>
+        <p:blipFill>
+          <a:blip r:embed="rId8"/>
+          <a:stretch>
+            <a:fillRect/>
+          </a:stretch>
+        </p:blipFill>
+        <p:spPr>
+          <a:xfrm>
+            <a:off x="1768785" y="396286"/>
+            <a:ext cx="8654430" cy="6065429"/>
+          </a:xfrm>
+          <a:prstGeom prst="rect">
+            <a:avLst/>
+          </a:prstGeom>
+          <a:ln w="12700" cap="sq">
+            <a:solidFill>
+              <a:srgbClr val="000000"/>
+            </a:solidFill>
+            <a:miter lim="800000"/>
+          </a:ln>
+          <a:effectLst>
+            <a:outerShdw blurRad="57150" dist="50800" dir="2700000" algn="tl" rotWithShape="0">
+              <a:srgbClr val="000000">
+                <a:alpha val="40000"/>
+              </a:srgbClr>
+            </a:outerShdw>
+          </a:effectLst>
+        </p:spPr>
+      </p:pic>
     </p:spTree>
     <p:extLst>
       <p:ext uri="{BB962C8B-B14F-4D97-AF65-F5344CB8AC3E}">
@@ -9501,72 +10179,29 @@
                                   </p:childTnLst>
                                 </p:cTn>
                               </p:par>
-                              <p:par>
-                                <p:cTn id="8" presetID="10" presetClass="entr" presetSubtype="0" fill="hold" nodeType="withEffect">
-                                  <p:stCondLst>
-                                    <p:cond delay="0"/>
-                                  </p:stCondLst>
-                                  <p:childTnLst>
-                                    <p:set>
-                                      <p:cBhvr>
-                                        <p:cTn id="9" dur="1" fill="hold">
-                                          <p:stCondLst>
-                                            <p:cond delay="0"/>
-                                          </p:stCondLst>
-                                        </p:cTn>
-                                        <p:tgtEl>
-                                          <p:spTgt spid="15">
-                                            <p:txEl>
-                                              <p:pRg st="0" end="0"/>
-                                            </p:txEl>
-                                          </p:spTgt>
-                                        </p:tgtEl>
-                                        <p:attrNameLst>
-                                          <p:attrName>style.visibility</p:attrName>
-                                        </p:attrNameLst>
-                                      </p:cBhvr>
-                                      <p:to>
-                                        <p:strVal val="visible"/>
-                                      </p:to>
-                                    </p:set>
-                                    <p:animEffect transition="in" filter="fade">
-                                      <p:cBhvr>
-                                        <p:cTn id="10" dur="500"/>
-                                        <p:tgtEl>
-                                          <p:spTgt spid="15">
-                                            <p:txEl>
-                                              <p:pRg st="0" end="0"/>
-                                            </p:txEl>
-                                          </p:spTgt>
-                                        </p:tgtEl>
-                                      </p:cBhvr>
-                                    </p:animEffect>
-                                  </p:childTnLst>
-                                </p:cTn>
-                              </p:par>
                             </p:childTnLst>
                           </p:cTn>
                         </p:par>
                         <p:par>
-                          <p:cTn id="11" fill="hold">
+                          <p:cTn id="8" fill="hold">
                             <p:stCondLst>
                               <p:cond delay="500"/>
                             </p:stCondLst>
                             <p:childTnLst>
                               <p:par>
-                                <p:cTn id="12" presetID="10" presetClass="entr" presetSubtype="0" fill="hold" nodeType="afterEffect" nodePh="1">
+                                <p:cTn id="9" presetID="10" presetClass="entr" presetSubtype="0" fill="hold" nodeType="afterEffect" nodePh="1">
                                   <p:stCondLst>
                                     <p:cond delay="0"/>
                                   </p:stCondLst>
                                   <p:endCondLst>
                                     <p:cond evt="begin" delay="0">
-                                      <p:tn val="12"/>
+                                      <p:tn val="9"/>
                                     </p:cond>
                                   </p:endCondLst>
                                   <p:childTnLst>
                                     <p:set>
                                       <p:cBhvr>
-                                        <p:cTn id="13" dur="1" fill="hold">
+                                        <p:cTn id="10" dur="1" fill="hold">
                                           <p:stCondLst>
                                             <p:cond delay="0"/>
                                           </p:stCondLst>
@@ -9588,7 +10223,7 @@
                                     </p:set>
                                     <p:animEffect transition="in" filter="fade">
                                       <p:cBhvr>
-                                        <p:cTn id="14" dur="500"/>
+                                        <p:cTn id="11" dur="500"/>
                                         <p:tgtEl>
                                           <p:spTgt spid="17">
                                             <p:txEl>
@@ -9601,239 +10236,24 @@
                                   </p:childTnLst>
                                 </p:cTn>
                               </p:par>
+                            </p:childTnLst>
+                          </p:cTn>
+                        </p:par>
+                        <p:par>
+                          <p:cTn id="12" fill="hold">
+                            <p:stCondLst>
+                              <p:cond delay="1000"/>
+                            </p:stCondLst>
+                            <p:childTnLst>
                               <p:par>
-                                <p:cTn id="15" presetID="10" presetClass="entr" presetSubtype="0" fill="hold" nodeType="withEffect">
+                                <p:cTn id="13" presetID="10" presetClass="entr" presetSubtype="0" fill="hold" nodeType="afterEffect">
                                   <p:stCondLst>
                                     <p:cond delay="0"/>
                                   </p:stCondLst>
                                   <p:childTnLst>
                                     <p:set>
                                       <p:cBhvr>
-                                        <p:cTn id="16" dur="1" fill="hold">
-                                          <p:stCondLst>
-                                            <p:cond delay="0"/>
-                                          </p:stCondLst>
-                                        </p:cTn>
-                                        <p:tgtEl>
-                                          <p:spTgt spid="9">
-                                            <p:txEl>
-                                              <p:pRg st="0" end="0"/>
-                                            </p:txEl>
-                                          </p:spTgt>
-                                        </p:tgtEl>
-                                        <p:attrNameLst>
-                                          <p:attrName>style.visibility</p:attrName>
-                                        </p:attrNameLst>
-                                      </p:cBhvr>
-                                      <p:to>
-                                        <p:strVal val="visible"/>
-                                      </p:to>
-                                    </p:set>
-                                    <p:animEffect transition="in" filter="fade">
-                                      <p:cBhvr>
-                                        <p:cTn id="17" dur="500"/>
-                                        <p:tgtEl>
-                                          <p:spTgt spid="9">
-                                            <p:txEl>
-                                              <p:pRg st="0" end="0"/>
-                                            </p:txEl>
-                                          </p:spTgt>
-                                        </p:tgtEl>
-                                      </p:cBhvr>
-                                    </p:animEffect>
-                                  </p:childTnLst>
-                                </p:cTn>
-                              </p:par>
-                              <p:par>
-                                <p:cTn id="18" presetID="10" presetClass="entr" presetSubtype="0" fill="hold" nodeType="withEffect">
-                                  <p:stCondLst>
-                                    <p:cond delay="0"/>
-                                  </p:stCondLst>
-                                  <p:childTnLst>
-                                    <p:set>
-                                      <p:cBhvr>
-                                        <p:cTn id="19" dur="1" fill="hold">
-                                          <p:stCondLst>
-                                            <p:cond delay="0"/>
-                                          </p:stCondLst>
-                                        </p:cTn>
-                                        <p:tgtEl>
-                                          <p:spTgt spid="9">
-                                            <p:txEl>
-                                              <p:pRg st="2" end="2"/>
-                                            </p:txEl>
-                                          </p:spTgt>
-                                        </p:tgtEl>
-                                        <p:attrNameLst>
-                                          <p:attrName>style.visibility</p:attrName>
-                                        </p:attrNameLst>
-                                      </p:cBhvr>
-                                      <p:to>
-                                        <p:strVal val="visible"/>
-                                      </p:to>
-                                    </p:set>
-                                    <p:animEffect transition="in" filter="fade">
-                                      <p:cBhvr>
-                                        <p:cTn id="20" dur="500"/>
-                                        <p:tgtEl>
-                                          <p:spTgt spid="9">
-                                            <p:txEl>
-                                              <p:pRg st="2" end="2"/>
-                                            </p:txEl>
-                                          </p:spTgt>
-                                        </p:tgtEl>
-                                      </p:cBhvr>
-                                    </p:animEffect>
-                                  </p:childTnLst>
-                                </p:cTn>
-                              </p:par>
-                              <p:par>
-                                <p:cTn id="21" presetID="10" presetClass="entr" presetSubtype="0" fill="hold" nodeType="withEffect">
-                                  <p:stCondLst>
-                                    <p:cond delay="0"/>
-                                  </p:stCondLst>
-                                  <p:childTnLst>
-                                    <p:set>
-                                      <p:cBhvr>
-                                        <p:cTn id="22" dur="1" fill="hold">
-                                          <p:stCondLst>
-                                            <p:cond delay="0"/>
-                                          </p:stCondLst>
-                                        </p:cTn>
-                                        <p:tgtEl>
-                                          <p:spTgt spid="9">
-                                            <p:txEl>
-                                              <p:pRg st="4" end="4"/>
-                                            </p:txEl>
-                                          </p:spTgt>
-                                        </p:tgtEl>
-                                        <p:attrNameLst>
-                                          <p:attrName>style.visibility</p:attrName>
-                                        </p:attrNameLst>
-                                      </p:cBhvr>
-                                      <p:to>
-                                        <p:strVal val="visible"/>
-                                      </p:to>
-                                    </p:set>
-                                    <p:animEffect transition="in" filter="fade">
-                                      <p:cBhvr>
-                                        <p:cTn id="23" dur="500"/>
-                                        <p:tgtEl>
-                                          <p:spTgt spid="9">
-                                            <p:txEl>
-                                              <p:pRg st="4" end="4"/>
-                                            </p:txEl>
-                                          </p:spTgt>
-                                        </p:tgtEl>
-                                      </p:cBhvr>
-                                    </p:animEffect>
-                                  </p:childTnLst>
-                                </p:cTn>
-                              </p:par>
-                              <p:par>
-                                <p:cTn id="24" presetID="10" presetClass="entr" presetSubtype="0" fill="hold" nodeType="withEffect">
-                                  <p:stCondLst>
-                                    <p:cond delay="0"/>
-                                  </p:stCondLst>
-                                  <p:childTnLst>
-                                    <p:set>
-                                      <p:cBhvr>
-                                        <p:cTn id="25" dur="1" fill="hold">
-                                          <p:stCondLst>
-                                            <p:cond delay="0"/>
-                                          </p:stCondLst>
-                                        </p:cTn>
-                                        <p:tgtEl>
-                                          <p:spTgt spid="9">
-                                            <p:txEl>
-                                              <p:pRg st="6" end="6"/>
-                                            </p:txEl>
-                                          </p:spTgt>
-                                        </p:tgtEl>
-                                        <p:attrNameLst>
-                                          <p:attrName>style.visibility</p:attrName>
-                                        </p:attrNameLst>
-                                      </p:cBhvr>
-                                      <p:to>
-                                        <p:strVal val="visible"/>
-                                      </p:to>
-                                    </p:set>
-                                    <p:animEffect transition="in" filter="fade">
-                                      <p:cBhvr>
-                                        <p:cTn id="26" dur="500"/>
-                                        <p:tgtEl>
-                                          <p:spTgt spid="9">
-                                            <p:txEl>
-                                              <p:pRg st="6" end="6"/>
-                                            </p:txEl>
-                                          </p:spTgt>
-                                        </p:tgtEl>
-                                      </p:cBhvr>
-                                    </p:animEffect>
-                                  </p:childTnLst>
-                                </p:cTn>
-                              </p:par>
-                              <p:par>
-                                <p:cTn id="27" presetID="10" presetClass="entr" presetSubtype="0" fill="hold" nodeType="withEffect">
-                                  <p:stCondLst>
-                                    <p:cond delay="0"/>
-                                  </p:stCondLst>
-                                  <p:childTnLst>
-                                    <p:set>
-                                      <p:cBhvr>
-                                        <p:cTn id="28" dur="1" fill="hold">
-                                          <p:stCondLst>
-                                            <p:cond delay="0"/>
-                                          </p:stCondLst>
-                                        </p:cTn>
-                                        <p:tgtEl>
-                                          <p:spTgt spid="9">
-                                            <p:txEl>
-                                              <p:pRg st="8" end="8"/>
-                                            </p:txEl>
-                                          </p:spTgt>
-                                        </p:tgtEl>
-                                        <p:attrNameLst>
-                                          <p:attrName>style.visibility</p:attrName>
-                                        </p:attrNameLst>
-                                      </p:cBhvr>
-                                      <p:to>
-                                        <p:strVal val="visible"/>
-                                      </p:to>
-                                    </p:set>
-                                    <p:animEffect transition="in" filter="fade">
-                                      <p:cBhvr>
-                                        <p:cTn id="29" dur="500"/>
-                                        <p:tgtEl>
-                                          <p:spTgt spid="9">
-                                            <p:txEl>
-                                              <p:pRg st="8" end="8"/>
-                                            </p:txEl>
-                                          </p:spTgt>
-                                        </p:tgtEl>
-                                      </p:cBhvr>
-                                    </p:animEffect>
-                                  </p:childTnLst>
-                                </p:cTn>
-                              </p:par>
-                            </p:childTnLst>
-                          </p:cTn>
-                        </p:par>
-                        <p:par>
-                          <p:cTn id="30" fill="hold">
-                            <p:stCondLst>
-                              <p:cond delay="1000"/>
-                            </p:stCondLst>
-                            <p:childTnLst>
-                              <p:par>
-                                <p:cTn id="31" presetID="10" presetClass="entr" presetSubtype="0" fill="hold" nodeType="afterEffect">
-                                  <p:stCondLst>
-                                    <p:cond delay="0"/>
-                                  </p:stCondLst>
-                                  <p:childTnLst>
-                                    <p:set>
-                                      <p:cBhvr>
-                                        <p:cTn id="32" dur="1" fill="hold">
+                                        <p:cTn id="14" dur="1" fill="hold">
                                           <p:stCondLst>
                                             <p:cond delay="0"/>
                                           </p:stCondLst>
@@ -9851,12 +10271,250 @@
                                     </p:set>
                                     <p:animEffect transition="in" filter="fade">
                                       <p:cBhvr>
-                                        <p:cTn id="33" dur="500"/>
+                                        <p:cTn id="15" dur="500"/>
                                         <p:tgtEl>
                                           <p:spTgt spid="6"/>
                                         </p:tgtEl>
                                       </p:cBhvr>
                                     </p:animEffect>
+                                  </p:childTnLst>
+                                </p:cTn>
+                              </p:par>
+                            </p:childTnLst>
+                          </p:cTn>
+                        </p:par>
+                        <p:par>
+                          <p:cTn id="16" fill="hold">
+                            <p:stCondLst>
+                              <p:cond delay="1500"/>
+                            </p:stCondLst>
+                            <p:childTnLst>
+                              <p:par>
+                                <p:cTn id="17" presetID="10" presetClass="entr" presetSubtype="0" fill="hold" nodeType="afterEffect">
+                                  <p:stCondLst>
+                                    <p:cond delay="0"/>
+                                  </p:stCondLst>
+                                  <p:childTnLst>
+                                    <p:set>
+                                      <p:cBhvr>
+                                        <p:cTn id="18" dur="1" fill="hold">
+                                          <p:stCondLst>
+                                            <p:cond delay="0"/>
+                                          </p:stCondLst>
+                                        </p:cTn>
+                                        <p:tgtEl>
+                                          <p:spTgt spid="10"/>
+                                        </p:tgtEl>
+                                        <p:attrNameLst>
+                                          <p:attrName>style.visibility</p:attrName>
+                                        </p:attrNameLst>
+                                      </p:cBhvr>
+                                      <p:to>
+                                        <p:strVal val="visible"/>
+                                      </p:to>
+                                    </p:set>
+                                    <p:animEffect transition="in" filter="fade">
+                                      <p:cBhvr>
+                                        <p:cTn id="19" dur="500"/>
+                                        <p:tgtEl>
+                                          <p:spTgt spid="10"/>
+                                        </p:tgtEl>
+                                      </p:cBhvr>
+                                    </p:animEffect>
+                                  </p:childTnLst>
+                                </p:cTn>
+                              </p:par>
+                            </p:childTnLst>
+                          </p:cTn>
+                        </p:par>
+                        <p:par>
+                          <p:cTn id="20" fill="hold">
+                            <p:stCondLst>
+                              <p:cond delay="2000"/>
+                            </p:stCondLst>
+                            <p:childTnLst>
+                              <p:par>
+                                <p:cTn id="21" presetID="10" presetClass="entr" presetSubtype="0" fill="hold" nodeType="afterEffect">
+                                  <p:stCondLst>
+                                    <p:cond delay="0"/>
+                                  </p:stCondLst>
+                                  <p:childTnLst>
+                                    <p:set>
+                                      <p:cBhvr>
+                                        <p:cTn id="22" dur="1" fill="hold">
+                                          <p:stCondLst>
+                                            <p:cond delay="0"/>
+                                          </p:stCondLst>
+                                        </p:cTn>
+                                        <p:tgtEl>
+                                          <p:spTgt spid="14"/>
+                                        </p:tgtEl>
+                                        <p:attrNameLst>
+                                          <p:attrName>style.visibility</p:attrName>
+                                        </p:attrNameLst>
+                                      </p:cBhvr>
+                                      <p:to>
+                                        <p:strVal val="visible"/>
+                                      </p:to>
+                                    </p:set>
+                                    <p:animEffect transition="in" filter="fade">
+                                      <p:cBhvr>
+                                        <p:cTn id="23" dur="500"/>
+                                        <p:tgtEl>
+                                          <p:spTgt spid="14"/>
+                                        </p:tgtEl>
+                                      </p:cBhvr>
+                                    </p:animEffect>
+                                  </p:childTnLst>
+                                </p:cTn>
+                              </p:par>
+                            </p:childTnLst>
+                          </p:cTn>
+                        </p:par>
+                        <p:par>
+                          <p:cTn id="24" fill="hold">
+                            <p:stCondLst>
+                              <p:cond delay="2500"/>
+                            </p:stCondLst>
+                            <p:childTnLst>
+                              <p:par>
+                                <p:cTn id="25" presetID="10" presetClass="entr" presetSubtype="0" fill="hold" grpId="0" nodeType="afterEffect">
+                                  <p:stCondLst>
+                                    <p:cond delay="0"/>
+                                  </p:stCondLst>
+                                  <p:childTnLst>
+                                    <p:set>
+                                      <p:cBhvr>
+                                        <p:cTn id="26" dur="1" fill="hold">
+                                          <p:stCondLst>
+                                            <p:cond delay="0"/>
+                                          </p:stCondLst>
+                                        </p:cTn>
+                                        <p:tgtEl>
+                                          <p:spTgt spid="13"/>
+                                        </p:tgtEl>
+                                        <p:attrNameLst>
+                                          <p:attrName>style.visibility</p:attrName>
+                                        </p:attrNameLst>
+                                      </p:cBhvr>
+                                      <p:to>
+                                        <p:strVal val="visible"/>
+                                      </p:to>
+                                    </p:set>
+                                    <p:animEffect transition="in" filter="fade">
+                                      <p:cBhvr>
+                                        <p:cTn id="27" dur="500"/>
+                                        <p:tgtEl>
+                                          <p:spTgt spid="13"/>
+                                        </p:tgtEl>
+                                      </p:cBhvr>
+                                    </p:animEffect>
+                                  </p:childTnLst>
+                                </p:cTn>
+                              </p:par>
+                            </p:childTnLst>
+                          </p:cTn>
+                        </p:par>
+                      </p:childTnLst>
+                    </p:cTn>
+                  </p:par>
+                  <p:par>
+                    <p:cTn id="28" fill="hold">
+                      <p:stCondLst>
+                        <p:cond delay="indefinite"/>
+                      </p:stCondLst>
+                      <p:childTnLst>
+                        <p:par>
+                          <p:cTn id="29" fill="hold">
+                            <p:stCondLst>
+                              <p:cond delay="0"/>
+                            </p:stCondLst>
+                            <p:childTnLst>
+                              <p:par>
+                                <p:cTn id="30" presetID="10" presetClass="entr" presetSubtype="0" fill="hold" nodeType="clickEffect">
+                                  <p:stCondLst>
+                                    <p:cond delay="0"/>
+                                  </p:stCondLst>
+                                  <p:childTnLst>
+                                    <p:set>
+                                      <p:cBhvr>
+                                        <p:cTn id="31" dur="1" fill="hold">
+                                          <p:stCondLst>
+                                            <p:cond delay="0"/>
+                                          </p:stCondLst>
+                                        </p:cTn>
+                                        <p:tgtEl>
+                                          <p:spTgt spid="33"/>
+                                        </p:tgtEl>
+                                        <p:attrNameLst>
+                                          <p:attrName>style.visibility</p:attrName>
+                                        </p:attrNameLst>
+                                      </p:cBhvr>
+                                      <p:to>
+                                        <p:strVal val="visible"/>
+                                      </p:to>
+                                    </p:set>
+                                    <p:animEffect transition="in" filter="fade">
+                                      <p:cBhvr>
+                                        <p:cTn id="32" dur="500"/>
+                                        <p:tgtEl>
+                                          <p:spTgt spid="33"/>
+                                        </p:tgtEl>
+                                      </p:cBhvr>
+                                    </p:animEffect>
+                                  </p:childTnLst>
+                                </p:cTn>
+                              </p:par>
+                            </p:childTnLst>
+                          </p:cTn>
+                        </p:par>
+                      </p:childTnLst>
+                    </p:cTn>
+                  </p:par>
+                  <p:par>
+                    <p:cTn id="33" fill="hold">
+                      <p:stCondLst>
+                        <p:cond delay="indefinite"/>
+                      </p:stCondLst>
+                      <p:childTnLst>
+                        <p:par>
+                          <p:cTn id="34" fill="hold">
+                            <p:stCondLst>
+                              <p:cond delay="0"/>
+                            </p:stCondLst>
+                            <p:childTnLst>
+                              <p:par>
+                                <p:cTn id="35" presetID="10" presetClass="exit" presetSubtype="0" fill="hold" nodeType="clickEffect">
+                                  <p:stCondLst>
+                                    <p:cond delay="0"/>
+                                  </p:stCondLst>
+                                  <p:childTnLst>
+                                    <p:animEffect transition="out" filter="fade">
+                                      <p:cBhvr>
+                                        <p:cTn id="36" dur="500"/>
+                                        <p:tgtEl>
+                                          <p:spTgt spid="33"/>
+                                        </p:tgtEl>
+                                      </p:cBhvr>
+                                    </p:animEffect>
+                                    <p:set>
+                                      <p:cBhvr>
+                                        <p:cTn id="37" dur="1" fill="hold">
+                                          <p:stCondLst>
+                                            <p:cond delay="499"/>
+                                          </p:stCondLst>
+                                        </p:cTn>
+                                        <p:tgtEl>
+                                          <p:spTgt spid="33"/>
+                                        </p:tgtEl>
+                                        <p:attrNameLst>
+                                          <p:attrName>style.visibility</p:attrName>
+                                        </p:attrNameLst>
+                                      </p:cBhvr>
+                                      <p:to>
+                                        <p:strVal val="hidden"/>
+                                      </p:to>
+                                    </p:set>
                                   </p:childTnLst>
                                 </p:cTn>
                               </p:par>
@@ -9887,6 +10545,9 @@
         </p:cTn>
       </p:par>
     </p:tnLst>
+    <p:bldLst>
+      <p:bldP spid="13" grpId="0" animBg="1"/>
+    </p:bldLst>
   </p:timing>
 </p:sld>
 </file>
@@ -10150,3154 +10811,6 @@
           </a:p>
         </p:txBody>
       </p:sp>
-      <p:pic>
-        <p:nvPicPr>
-          <p:cNvPr id="11" name="Picture 12" descr="A car parked inside a building&#10;&#10;Description generated with high confidence">
-            <a:extLst>
-              <a:ext uri="{FF2B5EF4-FFF2-40B4-BE49-F238E27FC236}">
-                <a16:creationId xmlns:a16="http://schemas.microsoft.com/office/drawing/2014/main" id="{4219B952-76B4-4E97-999F-8708D7AB8B8C}"/>
-              </a:ext>
-            </a:extLst>
-          </p:cNvPr>
-          <p:cNvPicPr>
-            <a:picLocks noChangeAspect="1"/>
-          </p:cNvPicPr>
-          <p:nvPr/>
-        </p:nvPicPr>
-        <p:blipFill rotWithShape="1">
-          <a:blip r:embed="rId3"/>
-          <a:srcRect l="26064" r="26064"/>
-          <a:stretch/>
-        </p:blipFill>
-        <p:spPr>
-          <a:xfrm>
-            <a:off x="12473167" y="36376"/>
-            <a:ext cx="3100865" cy="4391283"/>
-          </a:xfrm>
-          <a:prstGeom prst="snip2DiagRect">
-            <a:avLst>
-              <a:gd name="adj1" fmla="val 10815"/>
-              <a:gd name="adj2" fmla="val 0"/>
-            </a:avLst>
-          </a:prstGeom>
-          <a:ln w="15875">
-            <a:solidFill>
-              <a:schemeClr val="tx1">
-                <a:alpha val="40000"/>
-              </a:schemeClr>
-            </a:solidFill>
-          </a:ln>
-          <a:effectLst>
-            <a:innerShdw blurRad="57150" dist="38100" dir="14460000">
-              <a:srgbClr val="000000">
-                <a:alpha val="70000"/>
-              </a:srgbClr>
-            </a:innerShdw>
-          </a:effectLst>
-        </p:spPr>
-      </p:pic>
-      <p:sp>
-        <p:nvSpPr>
-          <p:cNvPr id="15" name="Título 1">
-            <a:extLst>
-              <a:ext uri="{FF2B5EF4-FFF2-40B4-BE49-F238E27FC236}">
-                <a16:creationId xmlns:a16="http://schemas.microsoft.com/office/drawing/2014/main" id="{7C7DC797-B991-44BE-9890-42C159B5959D}"/>
-              </a:ext>
-            </a:extLst>
-          </p:cNvPr>
-          <p:cNvSpPr txBox="1">
-            <a:spLocks/>
-          </p:cNvSpPr>
-          <p:nvPr/>
-        </p:nvSpPr>
-        <p:spPr>
-          <a:xfrm>
-            <a:off x="561110" y="640411"/>
-            <a:ext cx="6019800" cy="559904"/>
-          </a:xfrm>
-          <a:prstGeom prst="rect">
-            <a:avLst/>
-          </a:prstGeom>
-          <a:effectLst/>
-        </p:spPr>
-        <p:txBody>
-          <a:bodyPr vert="horz" lIns="91440" tIns="45720" rIns="91440" bIns="45720" rtlCol="0" anchor="b">
-            <a:noAutofit/>
-          </a:bodyPr>
-          <a:lstStyle>
-            <a:lvl1pPr algn="l" defTabSz="457200" rtl="0" eaLnBrk="1" latinLnBrk="0" hangingPunct="1">
-              <a:spcBef>
-                <a:spcPct val="0"/>
-              </a:spcBef>
-              <a:buNone/>
-              <a:defRPr sz="2800" b="0" kern="1200" cap="all">
-                <a:ln w="3175" cmpd="sng">
-                  <a:noFill/>
-                </a:ln>
-                <a:solidFill>
-                  <a:schemeClr val="tx1"/>
-                </a:solidFill>
-                <a:effectLst/>
-                <a:latin typeface="+mj-lt"/>
-                <a:ea typeface="+mj-ea"/>
-                <a:cs typeface="+mj-cs"/>
-              </a:defRPr>
-            </a:lvl1pPr>
-            <a:lvl2pPr eaLnBrk="1" hangingPunct="1">
-              <a:defRPr>
-                <a:solidFill>
-                  <a:schemeClr val="tx2"/>
-                </a:solidFill>
-              </a:defRPr>
-            </a:lvl2pPr>
-            <a:lvl3pPr eaLnBrk="1" hangingPunct="1">
-              <a:defRPr>
-                <a:solidFill>
-                  <a:schemeClr val="tx2"/>
-                </a:solidFill>
-              </a:defRPr>
-            </a:lvl3pPr>
-            <a:lvl4pPr eaLnBrk="1" hangingPunct="1">
-              <a:defRPr>
-                <a:solidFill>
-                  <a:schemeClr val="tx2"/>
-                </a:solidFill>
-              </a:defRPr>
-            </a:lvl4pPr>
-            <a:lvl5pPr eaLnBrk="1" hangingPunct="1">
-              <a:defRPr>
-                <a:solidFill>
-                  <a:schemeClr val="tx2"/>
-                </a:solidFill>
-              </a:defRPr>
-            </a:lvl5pPr>
-            <a:lvl6pPr eaLnBrk="1" hangingPunct="1">
-              <a:defRPr>
-                <a:solidFill>
-                  <a:schemeClr val="tx2"/>
-                </a:solidFill>
-              </a:defRPr>
-            </a:lvl6pPr>
-            <a:lvl7pPr eaLnBrk="1" hangingPunct="1">
-              <a:defRPr>
-                <a:solidFill>
-                  <a:schemeClr val="tx2"/>
-                </a:solidFill>
-              </a:defRPr>
-            </a:lvl7pPr>
-            <a:lvl8pPr eaLnBrk="1" hangingPunct="1">
-              <a:defRPr>
-                <a:solidFill>
-                  <a:schemeClr val="tx2"/>
-                </a:solidFill>
-              </a:defRPr>
-            </a:lvl8pPr>
-            <a:lvl9pPr eaLnBrk="1" hangingPunct="1">
-              <a:defRPr>
-                <a:solidFill>
-                  <a:schemeClr val="tx2"/>
-                </a:solidFill>
-              </a:defRPr>
-            </a:lvl9pPr>
-          </a:lstStyle>
-          <a:p>
-            <a:r>
-              <a:rPr lang="pt-BR" sz="3600" dirty="0">
-                <a:ea typeface="+mj-lt"/>
-                <a:cs typeface="+mj-lt"/>
-              </a:rPr>
-              <a:t>Aumento de veículos</a:t>
-            </a:r>
-            <a:endParaRPr lang="en-US" sz="3600" dirty="0"/>
-          </a:p>
-        </p:txBody>
-      </p:sp>
-      <p:sp>
-        <p:nvSpPr>
-          <p:cNvPr id="17" name="Espaço Reservado para Texto 3">
-            <a:extLst>
-              <a:ext uri="{FF2B5EF4-FFF2-40B4-BE49-F238E27FC236}">
-                <a16:creationId xmlns:a16="http://schemas.microsoft.com/office/drawing/2014/main" id="{28751E7D-1541-47D6-8C4F-6564D1BD2E46}"/>
-              </a:ext>
-            </a:extLst>
-          </p:cNvPr>
-          <p:cNvSpPr txBox="1">
-            <a:spLocks/>
-          </p:cNvSpPr>
-          <p:nvPr/>
-        </p:nvSpPr>
-        <p:spPr>
-          <a:xfrm>
-            <a:off x="4582679" y="1847258"/>
-            <a:ext cx="6021388" cy="1945192"/>
-          </a:xfrm>
-          <a:prstGeom prst="rect">
-            <a:avLst/>
-          </a:prstGeom>
-        </p:spPr>
-        <p:txBody>
-          <a:bodyPr vert="horz" lIns="91440" tIns="45720" rIns="91440" bIns="45720" rtlCol="0" anchor="t">
-            <a:normAutofit/>
-          </a:bodyPr>
-          <a:lstStyle>
-            <a:lvl1pPr marL="0" indent="0" algn="l" defTabSz="457200" rtl="0" eaLnBrk="1" latinLnBrk="0" hangingPunct="1">
-              <a:spcBef>
-                <a:spcPct val="20000"/>
-              </a:spcBef>
-              <a:spcAft>
-                <a:spcPts val="600"/>
-              </a:spcAft>
-              <a:buClr>
-                <a:schemeClr val="tx1"/>
-              </a:buClr>
-              <a:buSzPct val="80000"/>
-              <a:buFont typeface="Wingdings 3" panose="05040102010807070707" pitchFamily="18" charset="2"/>
-              <a:buNone/>
-              <a:defRPr sz="1800" kern="1200" cap="none">
-                <a:solidFill>
-                  <a:schemeClr val="bg2">
-                    <a:lumMod val="75000"/>
-                  </a:schemeClr>
-                </a:solidFill>
-                <a:effectLst/>
-                <a:latin typeface="+mn-lt"/>
-                <a:ea typeface="+mn-ea"/>
-                <a:cs typeface="+mn-cs"/>
-              </a:defRPr>
-            </a:lvl1pPr>
-            <a:lvl2pPr marL="457200" indent="0" algn="l" defTabSz="457200" rtl="0" eaLnBrk="1" latinLnBrk="0" hangingPunct="1">
-              <a:spcBef>
-                <a:spcPct val="20000"/>
-              </a:spcBef>
-              <a:spcAft>
-                <a:spcPts val="600"/>
-              </a:spcAft>
-              <a:buClr>
-                <a:schemeClr val="tx1"/>
-              </a:buClr>
-              <a:buSzPct val="80000"/>
-              <a:buFont typeface="Wingdings 3" panose="05040102010807070707" pitchFamily="18" charset="2"/>
-              <a:buNone/>
-              <a:defRPr sz="1200" kern="1200" cap="none">
-                <a:solidFill>
-                  <a:schemeClr val="bg2">
-                    <a:lumMod val="75000"/>
-                  </a:schemeClr>
-                </a:solidFill>
-                <a:effectLst/>
-                <a:latin typeface="+mn-lt"/>
-                <a:ea typeface="+mn-ea"/>
-                <a:cs typeface="+mn-cs"/>
-              </a:defRPr>
-            </a:lvl2pPr>
-            <a:lvl3pPr marL="914400" indent="0" algn="l" defTabSz="457200" rtl="0" eaLnBrk="1" latinLnBrk="0" hangingPunct="1">
-              <a:spcBef>
-                <a:spcPct val="20000"/>
-              </a:spcBef>
-              <a:spcAft>
-                <a:spcPts val="600"/>
-              </a:spcAft>
-              <a:buClr>
-                <a:schemeClr val="tx1"/>
-              </a:buClr>
-              <a:buSzPct val="80000"/>
-              <a:buFont typeface="Wingdings 3" panose="05040102010807070707" pitchFamily="18" charset="2"/>
-              <a:buNone/>
-              <a:defRPr sz="1000" kern="1200" cap="none">
-                <a:solidFill>
-                  <a:schemeClr val="bg2">
-                    <a:lumMod val="75000"/>
-                  </a:schemeClr>
-                </a:solidFill>
-                <a:effectLst/>
-                <a:latin typeface="+mn-lt"/>
-                <a:ea typeface="+mn-ea"/>
-                <a:cs typeface="+mn-cs"/>
-              </a:defRPr>
-            </a:lvl3pPr>
-            <a:lvl4pPr marL="1371600" indent="0" algn="l" defTabSz="457200" rtl="0" eaLnBrk="1" latinLnBrk="0" hangingPunct="1">
-              <a:spcBef>
-                <a:spcPct val="20000"/>
-              </a:spcBef>
-              <a:spcAft>
-                <a:spcPts val="600"/>
-              </a:spcAft>
-              <a:buClr>
-                <a:schemeClr val="tx1"/>
-              </a:buClr>
-              <a:buSzPct val="80000"/>
-              <a:buFont typeface="Wingdings 3" panose="05040102010807070707" pitchFamily="18" charset="2"/>
-              <a:buNone/>
-              <a:defRPr sz="900" kern="1200" cap="none">
-                <a:solidFill>
-                  <a:schemeClr val="bg2">
-                    <a:lumMod val="75000"/>
-                  </a:schemeClr>
-                </a:solidFill>
-                <a:effectLst/>
-                <a:latin typeface="+mn-lt"/>
-                <a:ea typeface="+mn-ea"/>
-                <a:cs typeface="+mn-cs"/>
-              </a:defRPr>
-            </a:lvl4pPr>
-            <a:lvl5pPr marL="1828800" indent="0" algn="l" defTabSz="457200" rtl="0" eaLnBrk="1" latinLnBrk="0" hangingPunct="1">
-              <a:spcBef>
-                <a:spcPct val="20000"/>
-              </a:spcBef>
-              <a:spcAft>
-                <a:spcPts val="600"/>
-              </a:spcAft>
-              <a:buClr>
-                <a:schemeClr val="tx1"/>
-              </a:buClr>
-              <a:buSzPct val="80000"/>
-              <a:buFont typeface="Wingdings 3" panose="05040102010807070707" pitchFamily="18" charset="2"/>
-              <a:buNone/>
-              <a:defRPr sz="900" kern="1200" cap="none">
-                <a:solidFill>
-                  <a:schemeClr val="bg2">
-                    <a:lumMod val="75000"/>
-                  </a:schemeClr>
-                </a:solidFill>
-                <a:effectLst/>
-                <a:latin typeface="+mn-lt"/>
-                <a:ea typeface="+mn-ea"/>
-                <a:cs typeface="+mn-cs"/>
-              </a:defRPr>
-            </a:lvl5pPr>
-            <a:lvl6pPr marL="2286000" indent="0" algn="l" defTabSz="457200" rtl="0" eaLnBrk="1" latinLnBrk="0" hangingPunct="1">
-              <a:spcBef>
-                <a:spcPct val="20000"/>
-              </a:spcBef>
-              <a:spcAft>
-                <a:spcPts val="600"/>
-              </a:spcAft>
-              <a:buClr>
-                <a:schemeClr val="tx1"/>
-              </a:buClr>
-              <a:buSzPct val="80000"/>
-              <a:buFont typeface="Wingdings 3" panose="05040102010807070707" pitchFamily="18" charset="2"/>
-              <a:buNone/>
-              <a:defRPr sz="900" kern="1200" cap="none">
-                <a:solidFill>
-                  <a:schemeClr val="bg2">
-                    <a:lumMod val="75000"/>
-                  </a:schemeClr>
-                </a:solidFill>
-                <a:effectLst/>
-                <a:latin typeface="+mn-lt"/>
-                <a:ea typeface="+mn-ea"/>
-                <a:cs typeface="+mn-cs"/>
-              </a:defRPr>
-            </a:lvl6pPr>
-            <a:lvl7pPr marL="2743200" indent="0" algn="l" defTabSz="457200" rtl="0" eaLnBrk="1" latinLnBrk="0" hangingPunct="1">
-              <a:spcBef>
-                <a:spcPct val="20000"/>
-              </a:spcBef>
-              <a:spcAft>
-                <a:spcPts val="600"/>
-              </a:spcAft>
-              <a:buClr>
-                <a:schemeClr val="tx1"/>
-              </a:buClr>
-              <a:buSzPct val="80000"/>
-              <a:buFont typeface="Wingdings 3" panose="05040102010807070707" pitchFamily="18" charset="2"/>
-              <a:buNone/>
-              <a:defRPr sz="900" kern="1200" cap="none">
-                <a:solidFill>
-                  <a:schemeClr val="bg2">
-                    <a:lumMod val="75000"/>
-                  </a:schemeClr>
-                </a:solidFill>
-                <a:effectLst/>
-                <a:latin typeface="+mn-lt"/>
-                <a:ea typeface="+mn-ea"/>
-                <a:cs typeface="+mn-cs"/>
-              </a:defRPr>
-            </a:lvl7pPr>
-            <a:lvl8pPr marL="3200400" indent="0" algn="l" defTabSz="457200" rtl="0" eaLnBrk="1" latinLnBrk="0" hangingPunct="1">
-              <a:spcBef>
-                <a:spcPct val="20000"/>
-              </a:spcBef>
-              <a:spcAft>
-                <a:spcPts val="600"/>
-              </a:spcAft>
-              <a:buClr>
-                <a:schemeClr val="tx1"/>
-              </a:buClr>
-              <a:buSzPct val="80000"/>
-              <a:buFont typeface="Wingdings 3" panose="05040102010807070707" pitchFamily="18" charset="2"/>
-              <a:buNone/>
-              <a:defRPr sz="900" kern="1200" cap="none">
-                <a:solidFill>
-                  <a:schemeClr val="bg2">
-                    <a:lumMod val="75000"/>
-                  </a:schemeClr>
-                </a:solidFill>
-                <a:effectLst/>
-                <a:latin typeface="+mn-lt"/>
-                <a:ea typeface="+mn-ea"/>
-                <a:cs typeface="+mn-cs"/>
-              </a:defRPr>
-            </a:lvl8pPr>
-            <a:lvl9pPr marL="3657600" indent="0" algn="l" defTabSz="457200" rtl="0" eaLnBrk="1" latinLnBrk="0" hangingPunct="1">
-              <a:spcBef>
-                <a:spcPct val="20000"/>
-              </a:spcBef>
-              <a:spcAft>
-                <a:spcPts val="600"/>
-              </a:spcAft>
-              <a:buClr>
-                <a:schemeClr val="tx1"/>
-              </a:buClr>
-              <a:buSzPct val="80000"/>
-              <a:buFont typeface="Wingdings 3" panose="05040102010807070707" pitchFamily="18" charset="2"/>
-              <a:buNone/>
-              <a:defRPr sz="900" kern="1200" cap="none">
-                <a:solidFill>
-                  <a:schemeClr val="bg2">
-                    <a:lumMod val="75000"/>
-                  </a:schemeClr>
-                </a:solidFill>
-                <a:effectLst/>
-                <a:latin typeface="+mn-lt"/>
-                <a:ea typeface="+mn-ea"/>
-                <a:cs typeface="+mn-cs"/>
-              </a:defRPr>
-            </a:lvl9pPr>
-          </a:lstStyle>
-          <a:p>
-            <a:endParaRPr lang="en-US" sz="2000">
-              <a:solidFill>
-                <a:schemeClr val="tx1"/>
-              </a:solidFill>
-            </a:endParaRPr>
-          </a:p>
-        </p:txBody>
-      </p:sp>
-      <p:sp>
-        <p:nvSpPr>
-          <p:cNvPr id="9" name="CaixaDeTexto 8">
-            <a:extLst>
-              <a:ext uri="{FF2B5EF4-FFF2-40B4-BE49-F238E27FC236}">
-                <a16:creationId xmlns:a16="http://schemas.microsoft.com/office/drawing/2014/main" id="{4E1C8EE6-B5F6-4DAF-8C99-666359E379A9}"/>
-              </a:ext>
-            </a:extLst>
-          </p:cNvPr>
-          <p:cNvSpPr txBox="1"/>
-          <p:nvPr/>
-        </p:nvSpPr>
-        <p:spPr>
-          <a:xfrm>
-            <a:off x="561110" y="1783235"/>
-            <a:ext cx="6325013" cy="3785652"/>
-          </a:xfrm>
-          <a:prstGeom prst="rect">
-            <a:avLst/>
-          </a:prstGeom>
-          <a:noFill/>
-        </p:spPr>
-        <p:txBody>
-          <a:bodyPr wrap="square" rtlCol="0">
-            <a:spAutoFit/>
-          </a:bodyPr>
-          <a:lstStyle/>
-          <a:p>
-            <a:pPr marL="457200" indent="-457200">
-              <a:buFont typeface="Arial" panose="020B0604020202020204" pitchFamily="34" charset="0"/>
-              <a:buChar char="•"/>
-            </a:pPr>
-            <a:r>
-              <a:rPr lang="pt-BR" sz="2400" dirty="0"/>
-              <a:t>Denatran; </a:t>
-            </a:r>
-          </a:p>
-          <a:p>
-            <a:pPr marL="457200" indent="-457200">
-              <a:buFont typeface="Arial" panose="020B0604020202020204" pitchFamily="34" charset="0"/>
-              <a:buChar char="•"/>
-            </a:pPr>
-            <a:endParaRPr lang="pt-BR" sz="2400" dirty="0"/>
-          </a:p>
-          <a:p>
-            <a:pPr marL="457200" indent="-457200">
-              <a:buFont typeface="Arial" panose="020B0604020202020204" pitchFamily="34" charset="0"/>
-              <a:buChar char="•"/>
-            </a:pPr>
-            <a:r>
-              <a:rPr lang="pt-BR" sz="2400" dirty="0"/>
-              <a:t>2018 cresceu para 100 milhões;</a:t>
-            </a:r>
-          </a:p>
-          <a:p>
-            <a:pPr marL="457200" indent="-457200">
-              <a:buFont typeface="Arial" panose="020B0604020202020204" pitchFamily="34" charset="0"/>
-              <a:buChar char="•"/>
-            </a:pPr>
-            <a:endParaRPr lang="pt-BR" sz="2400" dirty="0"/>
-          </a:p>
-          <a:p>
-            <a:pPr marL="457200" indent="-457200">
-              <a:buFont typeface="Arial" panose="020B0604020202020204" pitchFamily="34" charset="0"/>
-              <a:buChar char="•"/>
-            </a:pPr>
-            <a:r>
-              <a:rPr lang="pt-BR" sz="2400" dirty="0"/>
-              <a:t>Até 2050, a marca de 130 milhões; </a:t>
-            </a:r>
-          </a:p>
-          <a:p>
-            <a:pPr marL="457200" indent="-457200">
-              <a:buFont typeface="Arial" panose="020B0604020202020204" pitchFamily="34" charset="0"/>
-              <a:buChar char="•"/>
-            </a:pPr>
-            <a:endParaRPr lang="pt-BR" sz="2400" dirty="0"/>
-          </a:p>
-          <a:p>
-            <a:pPr marL="457200" indent="-457200">
-              <a:buFont typeface="Arial" panose="020B0604020202020204" pitchFamily="34" charset="0"/>
-              <a:buChar char="•"/>
-            </a:pPr>
-            <a:r>
-              <a:rPr lang="pt-BR" sz="2400" dirty="0"/>
-              <a:t>Congestionamentos que ultrapassam 280km .</a:t>
-            </a:r>
-          </a:p>
-          <a:p>
-            <a:pPr marL="457200" indent="-457200">
-              <a:buFont typeface="Arial" panose="020B0604020202020204" pitchFamily="34" charset="0"/>
-              <a:buChar char="•"/>
-            </a:pPr>
-            <a:endParaRPr lang="pt-BR" sz="2400" dirty="0"/>
-          </a:p>
-          <a:p>
-            <a:pPr marL="457200" indent="-457200">
-              <a:buFont typeface="Arial" panose="020B0604020202020204" pitchFamily="34" charset="0"/>
-              <a:buChar char="•"/>
-            </a:pPr>
-            <a:endParaRPr lang="pt-BR" sz="2400" dirty="0"/>
-          </a:p>
-        </p:txBody>
-      </p:sp>
-      <p:sp>
-        <p:nvSpPr>
-          <p:cNvPr id="14" name="Elipse 13">
-            <a:extLst>
-              <a:ext uri="{FF2B5EF4-FFF2-40B4-BE49-F238E27FC236}">
-                <a16:creationId xmlns:a16="http://schemas.microsoft.com/office/drawing/2014/main" id="{88F53D2F-8877-4040-9A39-5626829226BE}"/>
-              </a:ext>
-            </a:extLst>
-          </p:cNvPr>
-          <p:cNvSpPr/>
-          <p:nvPr/>
-        </p:nvSpPr>
-        <p:spPr>
-          <a:xfrm>
-            <a:off x="8593711" y="2232017"/>
-            <a:ext cx="151383" cy="151383"/>
-          </a:xfrm>
-          <a:prstGeom prst="ellipse">
-            <a:avLst/>
-          </a:prstGeom>
-          <a:solidFill>
-            <a:schemeClr val="tx1"/>
-          </a:solidFill>
-          <a:ln>
-            <a:solidFill>
-              <a:schemeClr val="accent6"/>
-            </a:solidFill>
-          </a:ln>
-        </p:spPr>
-        <p:style>
-          <a:lnRef idx="2">
-            <a:schemeClr val="accent1">
-              <a:shade val="50000"/>
-            </a:schemeClr>
-          </a:lnRef>
-          <a:fillRef idx="1">
-            <a:schemeClr val="accent1"/>
-          </a:fillRef>
-          <a:effectRef idx="0">
-            <a:schemeClr val="accent1"/>
-          </a:effectRef>
-          <a:fontRef idx="minor">
-            <a:schemeClr val="lt1"/>
-          </a:fontRef>
-        </p:style>
-        <p:txBody>
-          <a:bodyPr rtlCol="0" anchor="ctr"/>
-          <a:lstStyle/>
-          <a:p>
-            <a:pPr algn="ctr"/>
-            <a:endParaRPr lang="pt-BR"/>
-          </a:p>
-        </p:txBody>
-      </p:sp>
-      <p:sp>
-        <p:nvSpPr>
-          <p:cNvPr id="19" name="Elipse 18">
-            <a:extLst>
-              <a:ext uri="{FF2B5EF4-FFF2-40B4-BE49-F238E27FC236}">
-                <a16:creationId xmlns:a16="http://schemas.microsoft.com/office/drawing/2014/main" id="{6E2EE585-94FC-4B5A-9960-DF31311A56D2}"/>
-              </a:ext>
-            </a:extLst>
-          </p:cNvPr>
-          <p:cNvSpPr/>
-          <p:nvPr/>
-        </p:nvSpPr>
-        <p:spPr>
-          <a:xfrm>
-            <a:off x="10999937" y="4105422"/>
-            <a:ext cx="151383" cy="151383"/>
-          </a:xfrm>
-          <a:prstGeom prst="ellipse">
-            <a:avLst/>
-          </a:prstGeom>
-          <a:solidFill>
-            <a:schemeClr val="tx1"/>
-          </a:solidFill>
-          <a:ln>
-            <a:solidFill>
-              <a:schemeClr val="accent6"/>
-            </a:solidFill>
-          </a:ln>
-        </p:spPr>
-        <p:style>
-          <a:lnRef idx="2">
-            <a:schemeClr val="accent1">
-              <a:shade val="50000"/>
-            </a:schemeClr>
-          </a:lnRef>
-          <a:fillRef idx="1">
-            <a:schemeClr val="accent1"/>
-          </a:fillRef>
-          <a:effectRef idx="0">
-            <a:schemeClr val="accent1"/>
-          </a:effectRef>
-          <a:fontRef idx="minor">
-            <a:schemeClr val="lt1"/>
-          </a:fontRef>
-        </p:style>
-        <p:txBody>
-          <a:bodyPr rtlCol="0" anchor="ctr"/>
-          <a:lstStyle/>
-          <a:p>
-            <a:pPr algn="ctr"/>
-            <a:endParaRPr lang="pt-BR"/>
-          </a:p>
-        </p:txBody>
-      </p:sp>
-      <p:sp>
-        <p:nvSpPr>
-          <p:cNvPr id="16" name="CaixaDeTexto 15">
-            <a:extLst>
-              <a:ext uri="{FF2B5EF4-FFF2-40B4-BE49-F238E27FC236}">
-                <a16:creationId xmlns:a16="http://schemas.microsoft.com/office/drawing/2014/main" id="{BC2013FA-DDF7-4254-BB04-F38DDF5BACDF}"/>
-              </a:ext>
-            </a:extLst>
-          </p:cNvPr>
-          <p:cNvSpPr txBox="1"/>
-          <p:nvPr/>
-        </p:nvSpPr>
-        <p:spPr>
-          <a:xfrm>
-            <a:off x="8669402" y="1843896"/>
-            <a:ext cx="1858973" cy="369332"/>
-          </a:xfrm>
-          <a:prstGeom prst="rect">
-            <a:avLst/>
-          </a:prstGeom>
-          <a:noFill/>
-        </p:spPr>
-        <p:txBody>
-          <a:bodyPr wrap="square" rtlCol="0">
-            <a:spAutoFit/>
-          </a:bodyPr>
-          <a:lstStyle/>
-          <a:p>
-            <a:r>
-              <a:rPr lang="pt-BR" dirty="0" err="1"/>
-              <a:t>Butucatu</a:t>
-            </a:r>
-            <a:endParaRPr lang="pt-BR" dirty="0"/>
-          </a:p>
-        </p:txBody>
-      </p:sp>
-      <p:cxnSp>
-        <p:nvCxnSpPr>
-          <p:cNvPr id="21" name="Conector reto 20">
-            <a:extLst>
-              <a:ext uri="{FF2B5EF4-FFF2-40B4-BE49-F238E27FC236}">
-                <a16:creationId xmlns:a16="http://schemas.microsoft.com/office/drawing/2014/main" id="{A911AA11-E7B8-4204-9D7F-044EC3506623}"/>
-              </a:ext>
-            </a:extLst>
-          </p:cNvPr>
-          <p:cNvCxnSpPr>
-            <a:cxnSpLocks/>
-          </p:cNvCxnSpPr>
-          <p:nvPr/>
-        </p:nvCxnSpPr>
-        <p:spPr>
-          <a:xfrm>
-            <a:off x="8669402" y="2307708"/>
-            <a:ext cx="2406226" cy="1873405"/>
-          </a:xfrm>
-          <a:prstGeom prst="line">
-            <a:avLst/>
-          </a:prstGeom>
-          <a:ln w="28575">
-            <a:solidFill>
-              <a:schemeClr val="tx1">
-                <a:alpha val="60000"/>
-              </a:schemeClr>
-            </a:solidFill>
-          </a:ln>
-        </p:spPr>
-        <p:style>
-          <a:lnRef idx="1">
-            <a:schemeClr val="accent1"/>
-          </a:lnRef>
-          <a:fillRef idx="0">
-            <a:schemeClr val="accent1"/>
-          </a:fillRef>
-          <a:effectRef idx="0">
-            <a:schemeClr val="accent1"/>
-          </a:effectRef>
-          <a:fontRef idx="minor">
-            <a:schemeClr val="tx1"/>
-          </a:fontRef>
-        </p:style>
-      </p:cxnSp>
-      <p:sp>
-        <p:nvSpPr>
-          <p:cNvPr id="18" name="CaixaDeTexto 17">
-            <a:extLst>
-              <a:ext uri="{FF2B5EF4-FFF2-40B4-BE49-F238E27FC236}">
-                <a16:creationId xmlns:a16="http://schemas.microsoft.com/office/drawing/2014/main" id="{6B936C29-7D4A-4CB7-AE28-87C9484E4EDC}"/>
-              </a:ext>
-            </a:extLst>
-          </p:cNvPr>
-          <p:cNvSpPr txBox="1"/>
-          <p:nvPr/>
-        </p:nvSpPr>
-        <p:spPr>
-          <a:xfrm>
-            <a:off x="9647075" y="3887473"/>
-            <a:ext cx="1352862" cy="369332"/>
-          </a:xfrm>
-          <a:prstGeom prst="rect">
-            <a:avLst/>
-          </a:prstGeom>
-          <a:noFill/>
-        </p:spPr>
-        <p:txBody>
-          <a:bodyPr wrap="square" rtlCol="0">
-            <a:spAutoFit/>
-          </a:bodyPr>
-          <a:lstStyle/>
-          <a:p>
-            <a:r>
-              <a:rPr lang="pt-BR" dirty="0"/>
-              <a:t>São Paulo</a:t>
-            </a:r>
-          </a:p>
-        </p:txBody>
-      </p:sp>
-      <p:sp>
-        <p:nvSpPr>
-          <p:cNvPr id="23" name="CaixaDeTexto 22">
-            <a:extLst>
-              <a:ext uri="{FF2B5EF4-FFF2-40B4-BE49-F238E27FC236}">
-                <a16:creationId xmlns:a16="http://schemas.microsoft.com/office/drawing/2014/main" id="{CA98F7B0-0A5D-417D-B4EE-D2713A1C1FB9}"/>
-              </a:ext>
-            </a:extLst>
-          </p:cNvPr>
-          <p:cNvSpPr txBox="1"/>
-          <p:nvPr/>
-        </p:nvSpPr>
-        <p:spPr>
-          <a:xfrm>
-            <a:off x="10055379" y="3059667"/>
-            <a:ext cx="956992" cy="369332"/>
-          </a:xfrm>
-          <a:prstGeom prst="rect">
-            <a:avLst/>
-          </a:prstGeom>
-          <a:noFill/>
-        </p:spPr>
-        <p:txBody>
-          <a:bodyPr wrap="square" rtlCol="0">
-            <a:spAutoFit/>
-          </a:bodyPr>
-          <a:lstStyle/>
-          <a:p>
-            <a:r>
-              <a:rPr lang="pt-BR" b="1" dirty="0"/>
-              <a:t>280km</a:t>
-            </a:r>
-          </a:p>
-        </p:txBody>
-      </p:sp>
-      <p:pic>
-        <p:nvPicPr>
-          <p:cNvPr id="26" name="Imagem 25">
-            <a:extLst>
-              <a:ext uri="{FF2B5EF4-FFF2-40B4-BE49-F238E27FC236}">
-                <a16:creationId xmlns:a16="http://schemas.microsoft.com/office/drawing/2014/main" id="{6CBE14C9-0FE4-4642-8981-373C3054F0FC}"/>
-              </a:ext>
-            </a:extLst>
-          </p:cNvPr>
-          <p:cNvPicPr/>
-          <p:nvPr/>
-        </p:nvPicPr>
-        <p:blipFill>
-          <a:blip r:embed="rId4"/>
-          <a:stretch>
-            <a:fillRect/>
-          </a:stretch>
-        </p:blipFill>
-        <p:spPr>
-          <a:xfrm>
-            <a:off x="1768785" y="339135"/>
-            <a:ext cx="8654430" cy="6065429"/>
-          </a:xfrm>
-          <a:prstGeom prst="rect">
-            <a:avLst/>
-          </a:prstGeom>
-        </p:spPr>
-      </p:pic>
-    </p:spTree>
-    <p:extLst>
-      <p:ext uri="{BB962C8B-B14F-4D97-AF65-F5344CB8AC3E}">
-        <p14:creationId xmlns:p14="http://schemas.microsoft.com/office/powerpoint/2010/main" val="1565237795"/>
-      </p:ext>
-    </p:extLst>
-  </p:cSld>
-  <p:clrMapOvr>
-    <a:masterClrMapping/>
-  </p:clrMapOvr>
-  <mc:AlternateContent xmlns:mc="http://schemas.openxmlformats.org/markup-compatibility/2006" xmlns:p14="http://schemas.microsoft.com/office/powerpoint/2010/main">
-    <mc:Choice Requires="p14">
-      <p:transition spd="med" p14:dur="700">
-        <p:fade/>
-      </p:transition>
-    </mc:Choice>
-    <mc:Fallback xmlns="">
-      <p:transition spd="med">
-        <p:fade/>
-      </p:transition>
-    </mc:Fallback>
-  </mc:AlternateContent>
-  <p:timing>
-    <p:tnLst>
-      <p:par>
-        <p:cTn id="1" dur="indefinite" restart="never" nodeType="tmRoot">
-          <p:childTnLst>
-            <p:seq concurrent="1" nextAc="seek">
-              <p:cTn id="2" dur="indefinite" nodeType="mainSeq">
-                <p:childTnLst>
-                  <p:par>
-                    <p:cTn id="3" fill="hold">
-                      <p:stCondLst>
-                        <p:cond delay="indefinite"/>
-                        <p:cond evt="onBegin" delay="0">
-                          <p:tn val="2"/>
-                        </p:cond>
-                      </p:stCondLst>
-                      <p:childTnLst>
-                        <p:par>
-                          <p:cTn id="4" fill="hold">
-                            <p:stCondLst>
-                              <p:cond delay="0"/>
-                            </p:stCondLst>
-                            <p:childTnLst>
-                              <p:par>
-                                <p:cTn id="5" presetID="10" presetClass="entr" presetSubtype="0" fill="hold" nodeType="afterEffect" nodePh="1">
-                                  <p:stCondLst>
-                                    <p:cond delay="0"/>
-                                  </p:stCondLst>
-                                  <p:endCondLst>
-                                    <p:cond evt="begin" delay="0">
-                                      <p:tn val="5"/>
-                                    </p:cond>
-                                  </p:endCondLst>
-                                  <p:childTnLst>
-                                    <p:set>
-                                      <p:cBhvr>
-                                        <p:cTn id="6" dur="1" fill="hold">
-                                          <p:stCondLst>
-                                            <p:cond delay="0"/>
-                                          </p:stCondLst>
-                                        </p:cTn>
-                                        <p:tgtEl>
-                                          <p:spTgt spid="7">
-                                            <p:txEl>
-                                              <p:pRg st="0" end="0"/>
-                                            </p:txEl>
-                                          </p:spTgt>
-                                        </p:tgtEl>
-                                        <p:attrNameLst>
-                                          <p:attrName>style.visibility</p:attrName>
-                                        </p:attrNameLst>
-                                      </p:cBhvr>
-                                      <p:to>
-                                        <p:strVal val="visible"/>
-                                      </p:to>
-                                    </p:set>
-                                    <p:animEffect transition="in" filter="fade">
-                                      <p:cBhvr>
-                                        <p:cTn id="7" dur="500"/>
-                                        <p:tgtEl>
-                                          <p:spTgt spid="7">
-                                            <p:txEl>
-                                              <p:pRg st="0" end="0"/>
-                                            </p:txEl>
-                                          </p:spTgt>
-                                        </p:tgtEl>
-                                      </p:cBhvr>
-                                    </p:animEffect>
-                                  </p:childTnLst>
-                                </p:cTn>
-                              </p:par>
-                              <p:par>
-                                <p:cTn id="8" presetID="10" presetClass="entr" presetSubtype="0" fill="hold" nodeType="withEffect">
-                                  <p:stCondLst>
-                                    <p:cond delay="0"/>
-                                  </p:stCondLst>
-                                  <p:childTnLst>
-                                    <p:set>
-                                      <p:cBhvr>
-                                        <p:cTn id="9" dur="1" fill="hold">
-                                          <p:stCondLst>
-                                            <p:cond delay="0"/>
-                                          </p:stCondLst>
-                                        </p:cTn>
-                                        <p:tgtEl>
-                                          <p:spTgt spid="15">
-                                            <p:txEl>
-                                              <p:pRg st="0" end="0"/>
-                                            </p:txEl>
-                                          </p:spTgt>
-                                        </p:tgtEl>
-                                        <p:attrNameLst>
-                                          <p:attrName>style.visibility</p:attrName>
-                                        </p:attrNameLst>
-                                      </p:cBhvr>
-                                      <p:to>
-                                        <p:strVal val="visible"/>
-                                      </p:to>
-                                    </p:set>
-                                    <p:animEffect transition="in" filter="fade">
-                                      <p:cBhvr>
-                                        <p:cTn id="10" dur="500"/>
-                                        <p:tgtEl>
-                                          <p:spTgt spid="15">
-                                            <p:txEl>
-                                              <p:pRg st="0" end="0"/>
-                                            </p:txEl>
-                                          </p:spTgt>
-                                        </p:tgtEl>
-                                      </p:cBhvr>
-                                    </p:animEffect>
-                                  </p:childTnLst>
-                                </p:cTn>
-                              </p:par>
-                            </p:childTnLst>
-                          </p:cTn>
-                        </p:par>
-                        <p:par>
-                          <p:cTn id="11" fill="hold">
-                            <p:stCondLst>
-                              <p:cond delay="500"/>
-                            </p:stCondLst>
-                            <p:childTnLst>
-                              <p:par>
-                                <p:cTn id="12" presetID="10" presetClass="entr" presetSubtype="0" fill="hold" nodeType="afterEffect" nodePh="1">
-                                  <p:stCondLst>
-                                    <p:cond delay="0"/>
-                                  </p:stCondLst>
-                                  <p:endCondLst>
-                                    <p:cond evt="begin" delay="0">
-                                      <p:tn val="12"/>
-                                    </p:cond>
-                                  </p:endCondLst>
-                                  <p:childTnLst>
-                                    <p:set>
-                                      <p:cBhvr>
-                                        <p:cTn id="13" dur="1" fill="hold">
-                                          <p:stCondLst>
-                                            <p:cond delay="0"/>
-                                          </p:stCondLst>
-                                        </p:cTn>
-                                        <p:tgtEl>
-                                          <p:spTgt spid="17">
-                                            <p:txEl>
-                                              <p:pRg st="0" end="0"/>
-                                            </p:txEl>
-                                          </p:spTgt>
-                                        </p:tgtEl>
-                                        <p:attrNameLst>
-                                          <p:attrName>style.visibility</p:attrName>
-                                        </p:attrNameLst>
-                                      </p:cBhvr>
-                                      <p:to>
-                                        <p:strVal val="visible"/>
-                                      </p:to>
-                                    </p:set>
-                                    <p:animEffect transition="in" filter="fade">
-                                      <p:cBhvr>
-                                        <p:cTn id="14" dur="500"/>
-                                        <p:tgtEl>
-                                          <p:spTgt spid="17">
-                                            <p:txEl>
-                                              <p:pRg st="0" end="0"/>
-                                            </p:txEl>
-                                          </p:spTgt>
-                                        </p:tgtEl>
-                                      </p:cBhvr>
-                                    </p:animEffect>
-                                  </p:childTnLst>
-                                </p:cTn>
-                              </p:par>
-                              <p:par>
-                                <p:cTn id="15" presetID="10" presetClass="entr" presetSubtype="0" fill="hold" nodeType="withEffect">
-                                  <p:stCondLst>
-                                    <p:cond delay="0"/>
-                                  </p:stCondLst>
-                                  <p:childTnLst>
-                                    <p:set>
-                                      <p:cBhvr>
-                                        <p:cTn id="16" dur="1" fill="hold">
-                                          <p:stCondLst>
-                                            <p:cond delay="0"/>
-                                          </p:stCondLst>
-                                        </p:cTn>
-                                        <p:tgtEl>
-                                          <p:spTgt spid="9">
-                                            <p:txEl>
-                                              <p:pRg st="0" end="0"/>
-                                            </p:txEl>
-                                          </p:spTgt>
-                                        </p:tgtEl>
-                                        <p:attrNameLst>
-                                          <p:attrName>style.visibility</p:attrName>
-                                        </p:attrNameLst>
-                                      </p:cBhvr>
-                                      <p:to>
-                                        <p:strVal val="visible"/>
-                                      </p:to>
-                                    </p:set>
-                                    <p:animEffect transition="in" filter="fade">
-                                      <p:cBhvr>
-                                        <p:cTn id="17" dur="500"/>
-                                        <p:tgtEl>
-                                          <p:spTgt spid="9">
-                                            <p:txEl>
-                                              <p:pRg st="0" end="0"/>
-                                            </p:txEl>
-                                          </p:spTgt>
-                                        </p:tgtEl>
-                                      </p:cBhvr>
-                                    </p:animEffect>
-                                  </p:childTnLst>
-                                </p:cTn>
-                              </p:par>
-                              <p:par>
-                                <p:cTn id="18" presetID="10" presetClass="entr" presetSubtype="0" fill="hold" nodeType="withEffect">
-                                  <p:stCondLst>
-                                    <p:cond delay="0"/>
-                                  </p:stCondLst>
-                                  <p:childTnLst>
-                                    <p:set>
-                                      <p:cBhvr>
-                                        <p:cTn id="19" dur="1" fill="hold">
-                                          <p:stCondLst>
-                                            <p:cond delay="0"/>
-                                          </p:stCondLst>
-                                        </p:cTn>
-                                        <p:tgtEl>
-                                          <p:spTgt spid="9">
-                                            <p:txEl>
-                                              <p:pRg st="2" end="2"/>
-                                            </p:txEl>
-                                          </p:spTgt>
-                                        </p:tgtEl>
-                                        <p:attrNameLst>
-                                          <p:attrName>style.visibility</p:attrName>
-                                        </p:attrNameLst>
-                                      </p:cBhvr>
-                                      <p:to>
-                                        <p:strVal val="visible"/>
-                                      </p:to>
-                                    </p:set>
-                                    <p:animEffect transition="in" filter="fade">
-                                      <p:cBhvr>
-                                        <p:cTn id="20" dur="500"/>
-                                        <p:tgtEl>
-                                          <p:spTgt spid="9">
-                                            <p:txEl>
-                                              <p:pRg st="2" end="2"/>
-                                            </p:txEl>
-                                          </p:spTgt>
-                                        </p:tgtEl>
-                                      </p:cBhvr>
-                                    </p:animEffect>
-                                  </p:childTnLst>
-                                </p:cTn>
-                              </p:par>
-                              <p:par>
-                                <p:cTn id="21" presetID="10" presetClass="entr" presetSubtype="0" fill="hold" nodeType="withEffect">
-                                  <p:stCondLst>
-                                    <p:cond delay="0"/>
-                                  </p:stCondLst>
-                                  <p:childTnLst>
-                                    <p:set>
-                                      <p:cBhvr>
-                                        <p:cTn id="22" dur="1" fill="hold">
-                                          <p:stCondLst>
-                                            <p:cond delay="0"/>
-                                          </p:stCondLst>
-                                        </p:cTn>
-                                        <p:tgtEl>
-                                          <p:spTgt spid="9">
-                                            <p:txEl>
-                                              <p:pRg st="4" end="4"/>
-                                            </p:txEl>
-                                          </p:spTgt>
-                                        </p:tgtEl>
-                                        <p:attrNameLst>
-                                          <p:attrName>style.visibility</p:attrName>
-                                        </p:attrNameLst>
-                                      </p:cBhvr>
-                                      <p:to>
-                                        <p:strVal val="visible"/>
-                                      </p:to>
-                                    </p:set>
-                                    <p:animEffect transition="in" filter="fade">
-                                      <p:cBhvr>
-                                        <p:cTn id="23" dur="500"/>
-                                        <p:tgtEl>
-                                          <p:spTgt spid="9">
-                                            <p:txEl>
-                                              <p:pRg st="4" end="4"/>
-                                            </p:txEl>
-                                          </p:spTgt>
-                                        </p:tgtEl>
-                                      </p:cBhvr>
-                                    </p:animEffect>
-                                  </p:childTnLst>
-                                </p:cTn>
-                              </p:par>
-                              <p:par>
-                                <p:cTn id="24" presetID="10" presetClass="entr" presetSubtype="0" fill="hold" nodeType="withEffect">
-                                  <p:stCondLst>
-                                    <p:cond delay="0"/>
-                                  </p:stCondLst>
-                                  <p:childTnLst>
-                                    <p:set>
-                                      <p:cBhvr>
-                                        <p:cTn id="25" dur="1" fill="hold">
-                                          <p:stCondLst>
-                                            <p:cond delay="0"/>
-                                          </p:stCondLst>
-                                        </p:cTn>
-                                        <p:tgtEl>
-                                          <p:spTgt spid="9">
-                                            <p:txEl>
-                                              <p:pRg st="6" end="6"/>
-                                            </p:txEl>
-                                          </p:spTgt>
-                                        </p:tgtEl>
-                                        <p:attrNameLst>
-                                          <p:attrName>style.visibility</p:attrName>
-                                        </p:attrNameLst>
-                                      </p:cBhvr>
-                                      <p:to>
-                                        <p:strVal val="visible"/>
-                                      </p:to>
-                                    </p:set>
-                                    <p:animEffect transition="in" filter="fade">
-                                      <p:cBhvr>
-                                        <p:cTn id="26" dur="500"/>
-                                        <p:tgtEl>
-                                          <p:spTgt spid="9">
-                                            <p:txEl>
-                                              <p:pRg st="6" end="6"/>
-                                            </p:txEl>
-                                          </p:spTgt>
-                                        </p:tgtEl>
-                                      </p:cBhvr>
-                                    </p:animEffect>
-                                  </p:childTnLst>
-                                </p:cTn>
-                              </p:par>
-                              <p:par>
-                                <p:cTn id="27" presetID="10" presetClass="entr" presetSubtype="0" fill="hold" grpId="0" nodeType="withEffect">
-                                  <p:stCondLst>
-                                    <p:cond delay="0"/>
-                                  </p:stCondLst>
-                                  <p:childTnLst>
-                                    <p:set>
-                                      <p:cBhvr>
-                                        <p:cTn id="28" dur="1" fill="hold">
-                                          <p:stCondLst>
-                                            <p:cond delay="0"/>
-                                          </p:stCondLst>
-                                        </p:cTn>
-                                        <p:tgtEl>
-                                          <p:spTgt spid="23"/>
-                                        </p:tgtEl>
-                                        <p:attrNameLst>
-                                          <p:attrName>style.visibility</p:attrName>
-                                        </p:attrNameLst>
-                                      </p:cBhvr>
-                                      <p:to>
-                                        <p:strVal val="visible"/>
-                                      </p:to>
-                                    </p:set>
-                                    <p:animEffect transition="in" filter="fade">
-                                      <p:cBhvr>
-                                        <p:cTn id="29" dur="500"/>
-                                        <p:tgtEl>
-                                          <p:spTgt spid="23"/>
-                                        </p:tgtEl>
-                                      </p:cBhvr>
-                                    </p:animEffect>
-                                  </p:childTnLst>
-                                </p:cTn>
-                              </p:par>
-                              <p:par>
-                                <p:cTn id="30" presetID="10" presetClass="entr" presetSubtype="0" fill="hold" grpId="0" nodeType="withEffect">
-                                  <p:stCondLst>
-                                    <p:cond delay="0"/>
-                                  </p:stCondLst>
-                                  <p:childTnLst>
-                                    <p:set>
-                                      <p:cBhvr>
-                                        <p:cTn id="31" dur="1" fill="hold">
-                                          <p:stCondLst>
-                                            <p:cond delay="0"/>
-                                          </p:stCondLst>
-                                        </p:cTn>
-                                        <p:tgtEl>
-                                          <p:spTgt spid="16"/>
-                                        </p:tgtEl>
-                                        <p:attrNameLst>
-                                          <p:attrName>style.visibility</p:attrName>
-                                        </p:attrNameLst>
-                                      </p:cBhvr>
-                                      <p:to>
-                                        <p:strVal val="visible"/>
-                                      </p:to>
-                                    </p:set>
-                                    <p:animEffect transition="in" filter="fade">
-                                      <p:cBhvr>
-                                        <p:cTn id="32" dur="500"/>
-                                        <p:tgtEl>
-                                          <p:spTgt spid="16"/>
-                                        </p:tgtEl>
-                                      </p:cBhvr>
-                                    </p:animEffect>
-                                  </p:childTnLst>
-                                </p:cTn>
-                              </p:par>
-                              <p:par>
-                                <p:cTn id="33" presetID="10" presetClass="entr" presetSubtype="0" fill="hold" grpId="0" nodeType="withEffect">
-                                  <p:stCondLst>
-                                    <p:cond delay="0"/>
-                                  </p:stCondLst>
-                                  <p:childTnLst>
-                                    <p:set>
-                                      <p:cBhvr>
-                                        <p:cTn id="34" dur="1" fill="hold">
-                                          <p:stCondLst>
-                                            <p:cond delay="0"/>
-                                          </p:stCondLst>
-                                        </p:cTn>
-                                        <p:tgtEl>
-                                          <p:spTgt spid="18"/>
-                                        </p:tgtEl>
-                                        <p:attrNameLst>
-                                          <p:attrName>style.visibility</p:attrName>
-                                        </p:attrNameLst>
-                                      </p:cBhvr>
-                                      <p:to>
-                                        <p:strVal val="visible"/>
-                                      </p:to>
-                                    </p:set>
-                                    <p:animEffect transition="in" filter="fade">
-                                      <p:cBhvr>
-                                        <p:cTn id="35" dur="500"/>
-                                        <p:tgtEl>
-                                          <p:spTgt spid="18"/>
-                                        </p:tgtEl>
-                                      </p:cBhvr>
-                                    </p:animEffect>
-                                  </p:childTnLst>
-                                </p:cTn>
-                              </p:par>
-                              <p:par>
-                                <p:cTn id="36" presetID="10" presetClass="entr" presetSubtype="0" fill="hold" nodeType="withEffect">
-                                  <p:stCondLst>
-                                    <p:cond delay="0"/>
-                                  </p:stCondLst>
-                                  <p:childTnLst>
-                                    <p:set>
-                                      <p:cBhvr>
-                                        <p:cTn id="37" dur="1" fill="hold">
-                                          <p:stCondLst>
-                                            <p:cond delay="0"/>
-                                          </p:stCondLst>
-                                        </p:cTn>
-                                        <p:tgtEl>
-                                          <p:spTgt spid="21"/>
-                                        </p:tgtEl>
-                                        <p:attrNameLst>
-                                          <p:attrName>style.visibility</p:attrName>
-                                        </p:attrNameLst>
-                                      </p:cBhvr>
-                                      <p:to>
-                                        <p:strVal val="visible"/>
-                                      </p:to>
-                                    </p:set>
-                                    <p:animEffect transition="in" filter="fade">
-                                      <p:cBhvr>
-                                        <p:cTn id="38" dur="500"/>
-                                        <p:tgtEl>
-                                          <p:spTgt spid="21"/>
-                                        </p:tgtEl>
-                                      </p:cBhvr>
-                                    </p:animEffect>
-                                  </p:childTnLst>
-                                </p:cTn>
-                              </p:par>
-                              <p:par>
-                                <p:cTn id="39" presetID="10" presetClass="entr" presetSubtype="0" fill="hold" grpId="0" nodeType="withEffect">
-                                  <p:stCondLst>
-                                    <p:cond delay="0"/>
-                                  </p:stCondLst>
-                                  <p:childTnLst>
-                                    <p:set>
-                                      <p:cBhvr>
-                                        <p:cTn id="40" dur="1" fill="hold">
-                                          <p:stCondLst>
-                                            <p:cond delay="0"/>
-                                          </p:stCondLst>
-                                        </p:cTn>
-                                        <p:tgtEl>
-                                          <p:spTgt spid="19"/>
-                                        </p:tgtEl>
-                                        <p:attrNameLst>
-                                          <p:attrName>style.visibility</p:attrName>
-                                        </p:attrNameLst>
-                                      </p:cBhvr>
-                                      <p:to>
-                                        <p:strVal val="visible"/>
-                                      </p:to>
-                                    </p:set>
-                                    <p:animEffect transition="in" filter="fade">
-                                      <p:cBhvr>
-                                        <p:cTn id="41" dur="500"/>
-                                        <p:tgtEl>
-                                          <p:spTgt spid="19"/>
-                                        </p:tgtEl>
-                                      </p:cBhvr>
-                                    </p:animEffect>
-                                  </p:childTnLst>
-                                </p:cTn>
-                              </p:par>
-                              <p:par>
-                                <p:cTn id="42" presetID="10" presetClass="entr" presetSubtype="0" fill="hold" grpId="0" nodeType="withEffect">
-                                  <p:stCondLst>
-                                    <p:cond delay="0"/>
-                                  </p:stCondLst>
-                                  <p:childTnLst>
-                                    <p:set>
-                                      <p:cBhvr>
-                                        <p:cTn id="43" dur="1" fill="hold">
-                                          <p:stCondLst>
-                                            <p:cond delay="0"/>
-                                          </p:stCondLst>
-                                        </p:cTn>
-                                        <p:tgtEl>
-                                          <p:spTgt spid="14"/>
-                                        </p:tgtEl>
-                                        <p:attrNameLst>
-                                          <p:attrName>style.visibility</p:attrName>
-                                        </p:attrNameLst>
-                                      </p:cBhvr>
-                                      <p:to>
-                                        <p:strVal val="visible"/>
-                                      </p:to>
-                                    </p:set>
-                                    <p:animEffect transition="in" filter="fade">
-                                      <p:cBhvr>
-                                        <p:cTn id="44" dur="500"/>
-                                        <p:tgtEl>
-                                          <p:spTgt spid="14"/>
-                                        </p:tgtEl>
-                                      </p:cBhvr>
-                                    </p:animEffect>
-                                  </p:childTnLst>
-                                </p:cTn>
-                              </p:par>
-                            </p:childTnLst>
-                          </p:cTn>
-                        </p:par>
-                      </p:childTnLst>
-                    </p:cTn>
-                  </p:par>
-                  <p:par>
-                    <p:cTn id="45" fill="hold">
-                      <p:stCondLst>
-                        <p:cond delay="indefinite"/>
-                      </p:stCondLst>
-                      <p:childTnLst>
-                        <p:par>
-                          <p:cTn id="46" fill="hold">
-                            <p:stCondLst>
-                              <p:cond delay="0"/>
-                            </p:stCondLst>
-                            <p:childTnLst>
-                              <p:par>
-                                <p:cTn id="47" presetID="10" presetClass="entr" presetSubtype="0" fill="hold" nodeType="clickEffect">
-                                  <p:stCondLst>
-                                    <p:cond delay="0"/>
-                                  </p:stCondLst>
-                                  <p:childTnLst>
-                                    <p:set>
-                                      <p:cBhvr>
-                                        <p:cTn id="48" dur="1" fill="hold">
-                                          <p:stCondLst>
-                                            <p:cond delay="0"/>
-                                          </p:stCondLst>
-                                        </p:cTn>
-                                        <p:tgtEl>
-                                          <p:spTgt spid="26"/>
-                                        </p:tgtEl>
-                                        <p:attrNameLst>
-                                          <p:attrName>style.visibility</p:attrName>
-                                        </p:attrNameLst>
-                                      </p:cBhvr>
-                                      <p:to>
-                                        <p:strVal val="visible"/>
-                                      </p:to>
-                                    </p:set>
-                                    <p:animEffect transition="in" filter="fade">
-                                      <p:cBhvr>
-                                        <p:cTn id="49" dur="500"/>
-                                        <p:tgtEl>
-                                          <p:spTgt spid="26"/>
-                                        </p:tgtEl>
-                                      </p:cBhvr>
-                                    </p:animEffect>
-                                  </p:childTnLst>
-                                </p:cTn>
-                              </p:par>
-                            </p:childTnLst>
-                          </p:cTn>
-                        </p:par>
-                      </p:childTnLst>
-                    </p:cTn>
-                  </p:par>
-                </p:childTnLst>
-              </p:cTn>
-              <p:prevCondLst>
-                <p:cond evt="onPrev" delay="0">
-                  <p:tgtEl>
-                    <p:sldTgt/>
-                  </p:tgtEl>
-                </p:cond>
-              </p:prevCondLst>
-              <p:nextCondLst>
-                <p:cond evt="onNext" delay="0">
-                  <p:tgtEl>
-                    <p:sldTgt/>
-                  </p:tgtEl>
-                </p:cond>
-              </p:nextCondLst>
-            </p:seq>
-          </p:childTnLst>
-        </p:cTn>
-      </p:par>
-    </p:tnLst>
-    <p:bldLst>
-      <p:bldP spid="14" grpId="0" animBg="1"/>
-      <p:bldP spid="19" grpId="0" animBg="1"/>
-      <p:bldP spid="16" grpId="0"/>
-      <p:bldP spid="18" grpId="0"/>
-      <p:bldP spid="23" grpId="0"/>
-    </p:bldLst>
-  </p:timing>
-</p:sld>
-</file>
-
-<file path=ppt/slides/slide6.xml><?xml version="1.0" encoding="utf-8"?>
-<p:sld xmlns:a="http://schemas.openxmlformats.org/drawingml/2006/main" xmlns:r="http://schemas.openxmlformats.org/officeDocument/2006/relationships" xmlns:p="http://schemas.openxmlformats.org/presentationml/2006/main">
-  <p:cSld>
-    <p:spTree>
-      <p:nvGrpSpPr>
-        <p:cNvPr id="1" name=""/>
-        <p:cNvGrpSpPr/>
-        <p:nvPr/>
-      </p:nvGrpSpPr>
-      <p:grpSpPr>
-        <a:xfrm>
-          <a:off x="0" y="0"/>
-          <a:ext cx="0" cy="0"/>
-          <a:chOff x="0" y="0"/>
-          <a:chExt cx="0" cy="0"/>
-        </a:xfrm>
-      </p:grpSpPr>
-      <p:pic>
-        <p:nvPicPr>
-          <p:cNvPr id="2" name="Imagem 1"/>
-          <p:cNvPicPr>
-            <a:picLocks noChangeAspect="1"/>
-          </p:cNvPicPr>
-          <p:nvPr/>
-        </p:nvPicPr>
-        <p:blipFill>
-          <a:blip r:embed="rId2">
-            <a:extLst>
-              <a:ext uri="{28A0092B-C50C-407E-A947-70E740481C1C}">
-                <a14:useLocalDpi xmlns:a14="http://schemas.microsoft.com/office/drawing/2010/main" val="0"/>
-              </a:ext>
-            </a:extLst>
-          </a:blip>
-          <a:stretch>
-            <a:fillRect/>
-          </a:stretch>
-        </p:blipFill>
-        <p:spPr>
-          <a:xfrm>
-            <a:off x="0" y="-1"/>
-            <a:ext cx="12209930" cy="6858001"/>
-          </a:xfrm>
-          <a:prstGeom prst="rect">
-            <a:avLst/>
-          </a:prstGeom>
-        </p:spPr>
-      </p:pic>
-      <p:sp>
-        <p:nvSpPr>
-          <p:cNvPr id="8" name="Retângulo 7">
-            <a:extLst>
-              <a:ext uri="{FF2B5EF4-FFF2-40B4-BE49-F238E27FC236}">
-                <a16:creationId xmlns:a16="http://schemas.microsoft.com/office/drawing/2014/main" id="{9D5FCB53-619F-4073-A221-97F44453968A}"/>
-              </a:ext>
-            </a:extLst>
-          </p:cNvPr>
-          <p:cNvSpPr/>
-          <p:nvPr/>
-        </p:nvSpPr>
-        <p:spPr>
-          <a:xfrm>
-            <a:off x="133350" y="133350"/>
-            <a:ext cx="11830050" cy="6477000"/>
-          </a:xfrm>
-          <a:prstGeom prst="rect">
-            <a:avLst/>
-          </a:prstGeom>
-          <a:solidFill>
-            <a:schemeClr val="bg1">
-              <a:alpha val="60000"/>
-            </a:schemeClr>
-          </a:solidFill>
-          <a:ln>
-            <a:solidFill>
-              <a:schemeClr val="tx1"/>
-            </a:solidFill>
-          </a:ln>
-        </p:spPr>
-        <p:style>
-          <a:lnRef idx="2">
-            <a:schemeClr val="accent1">
-              <a:shade val="50000"/>
-            </a:schemeClr>
-          </a:lnRef>
-          <a:fillRef idx="1">
-            <a:schemeClr val="accent1"/>
-          </a:fillRef>
-          <a:effectRef idx="0">
-            <a:schemeClr val="accent1"/>
-          </a:effectRef>
-          <a:fontRef idx="minor">
-            <a:schemeClr val="lt1"/>
-          </a:fontRef>
-        </p:style>
-        <p:txBody>
-          <a:bodyPr rtlCol="0" anchor="ctr"/>
-          <a:lstStyle/>
-          <a:p>
-            <a:pPr algn="ctr"/>
-            <a:endParaRPr lang="pt-BR"/>
-          </a:p>
-        </p:txBody>
-      </p:sp>
-      <p:sp>
-        <p:nvSpPr>
-          <p:cNvPr id="7" name="Título 1">
-            <a:extLst>
-              <a:ext uri="{FF2B5EF4-FFF2-40B4-BE49-F238E27FC236}">
-                <a16:creationId xmlns:a16="http://schemas.microsoft.com/office/drawing/2014/main" id="{2CCFA28F-5876-417E-9869-6E46E0A7C9FB}"/>
-              </a:ext>
-            </a:extLst>
-          </p:cNvPr>
-          <p:cNvSpPr txBox="1">
-            <a:spLocks/>
-          </p:cNvSpPr>
-          <p:nvPr/>
-        </p:nvSpPr>
-        <p:spPr>
-          <a:xfrm>
-            <a:off x="4319442" y="3274793"/>
-            <a:ext cx="6019800" cy="1143000"/>
-          </a:xfrm>
-          <a:prstGeom prst="rect">
-            <a:avLst/>
-          </a:prstGeom>
-          <a:effectLst/>
-        </p:spPr>
-        <p:txBody>
-          <a:bodyPr vert="horz" lIns="91440" tIns="45720" rIns="91440" bIns="45720" rtlCol="0" anchor="b">
-            <a:normAutofit/>
-          </a:bodyPr>
-          <a:lstStyle>
-            <a:lvl1pPr algn="l" defTabSz="457200" rtl="0" eaLnBrk="1" latinLnBrk="0" hangingPunct="1">
-              <a:spcBef>
-                <a:spcPct val="0"/>
-              </a:spcBef>
-              <a:buNone/>
-              <a:defRPr sz="2800" b="0" kern="1200" cap="all">
-                <a:ln w="3175" cmpd="sng">
-                  <a:noFill/>
-                </a:ln>
-                <a:solidFill>
-                  <a:schemeClr val="tx1"/>
-                </a:solidFill>
-                <a:effectLst/>
-                <a:latin typeface="+mj-lt"/>
-                <a:ea typeface="+mj-ea"/>
-                <a:cs typeface="+mj-cs"/>
-              </a:defRPr>
-            </a:lvl1pPr>
-            <a:lvl2pPr eaLnBrk="1" hangingPunct="1">
-              <a:defRPr>
-                <a:solidFill>
-                  <a:schemeClr val="tx2"/>
-                </a:solidFill>
-              </a:defRPr>
-            </a:lvl2pPr>
-            <a:lvl3pPr eaLnBrk="1" hangingPunct="1">
-              <a:defRPr>
-                <a:solidFill>
-                  <a:schemeClr val="tx2"/>
-                </a:solidFill>
-              </a:defRPr>
-            </a:lvl3pPr>
-            <a:lvl4pPr eaLnBrk="1" hangingPunct="1">
-              <a:defRPr>
-                <a:solidFill>
-                  <a:schemeClr val="tx2"/>
-                </a:solidFill>
-              </a:defRPr>
-            </a:lvl4pPr>
-            <a:lvl5pPr eaLnBrk="1" hangingPunct="1">
-              <a:defRPr>
-                <a:solidFill>
-                  <a:schemeClr val="tx2"/>
-                </a:solidFill>
-              </a:defRPr>
-            </a:lvl5pPr>
-            <a:lvl6pPr eaLnBrk="1" hangingPunct="1">
-              <a:defRPr>
-                <a:solidFill>
-                  <a:schemeClr val="tx2"/>
-                </a:solidFill>
-              </a:defRPr>
-            </a:lvl6pPr>
-            <a:lvl7pPr eaLnBrk="1" hangingPunct="1">
-              <a:defRPr>
-                <a:solidFill>
-                  <a:schemeClr val="tx2"/>
-                </a:solidFill>
-              </a:defRPr>
-            </a:lvl7pPr>
-            <a:lvl8pPr eaLnBrk="1" hangingPunct="1">
-              <a:defRPr>
-                <a:solidFill>
-                  <a:schemeClr val="tx2"/>
-                </a:solidFill>
-              </a:defRPr>
-            </a:lvl8pPr>
-            <a:lvl9pPr eaLnBrk="1" hangingPunct="1">
-              <a:defRPr>
-                <a:solidFill>
-                  <a:schemeClr val="tx2"/>
-                </a:solidFill>
-              </a:defRPr>
-            </a:lvl9pPr>
-          </a:lstStyle>
-          <a:p>
-            <a:endParaRPr lang="pt-BR"/>
-          </a:p>
-        </p:txBody>
-      </p:sp>
-      <p:sp>
-        <p:nvSpPr>
-          <p:cNvPr id="5" name="TextBox 4">
-            <a:extLst>
-              <a:ext uri="{FF2B5EF4-FFF2-40B4-BE49-F238E27FC236}">
-                <a16:creationId xmlns:a16="http://schemas.microsoft.com/office/drawing/2014/main" id="{D1A22EB6-ACB2-4685-90A5-13582D538BA2}"/>
-              </a:ext>
-            </a:extLst>
-          </p:cNvPr>
-          <p:cNvSpPr txBox="1"/>
-          <p:nvPr/>
-        </p:nvSpPr>
-        <p:spPr>
-          <a:xfrm>
-            <a:off x="5209310" y="6206837"/>
-            <a:ext cx="2743200" cy="400110"/>
-          </a:xfrm>
-          <a:prstGeom prst="rect">
-            <a:avLst/>
-          </a:prstGeom>
-          <a:noFill/>
-        </p:spPr>
-        <p:txBody>
-          <a:bodyPr rot="0" spcFirstLastPara="0" vertOverflow="overflow" horzOverflow="overflow" vert="horz" wrap="square" lIns="91440" tIns="45720" rIns="91440" bIns="45720" numCol="1" spcCol="0" rtlCol="0" fromWordArt="0" anchor="t" anchorCtr="0" forceAA="0" compatLnSpc="1">
-            <a:prstTxWarp prst="textNoShape">
-              <a:avLst/>
-            </a:prstTxWarp>
-            <a:spAutoFit/>
-          </a:bodyPr>
-          <a:lstStyle/>
-          <a:p>
-            <a:pPr algn="l"/>
-            <a:r>
-              <a:rPr lang="en-US" sz="2000" b="1"/>
-              <a:t>PARKING</a:t>
-            </a:r>
-            <a:r>
-              <a:rPr lang="en-US" sz="2000" b="1">
-                <a:solidFill>
-                  <a:srgbClr val="FF0000"/>
-                </a:solidFill>
-              </a:rPr>
-              <a:t>6</a:t>
-            </a:r>
-          </a:p>
-        </p:txBody>
-      </p:sp>
-      <p:sp>
-        <p:nvSpPr>
-          <p:cNvPr id="15" name="Título 1">
-            <a:extLst>
-              <a:ext uri="{FF2B5EF4-FFF2-40B4-BE49-F238E27FC236}">
-                <a16:creationId xmlns:a16="http://schemas.microsoft.com/office/drawing/2014/main" id="{7C7DC797-B991-44BE-9890-42C159B5959D}"/>
-              </a:ext>
-            </a:extLst>
-          </p:cNvPr>
-          <p:cNvSpPr txBox="1">
-            <a:spLocks/>
-          </p:cNvSpPr>
-          <p:nvPr/>
-        </p:nvSpPr>
-        <p:spPr>
-          <a:xfrm>
-            <a:off x="561110" y="640411"/>
-            <a:ext cx="6019800" cy="559904"/>
-          </a:xfrm>
-          <a:prstGeom prst="rect">
-            <a:avLst/>
-          </a:prstGeom>
-          <a:effectLst/>
-        </p:spPr>
-        <p:txBody>
-          <a:bodyPr vert="horz" lIns="91440" tIns="45720" rIns="91440" bIns="45720" rtlCol="0" anchor="b">
-            <a:noAutofit/>
-          </a:bodyPr>
-          <a:lstStyle>
-            <a:lvl1pPr algn="l" defTabSz="457200" rtl="0" eaLnBrk="1" latinLnBrk="0" hangingPunct="1">
-              <a:spcBef>
-                <a:spcPct val="0"/>
-              </a:spcBef>
-              <a:buNone/>
-              <a:defRPr sz="2800" b="0" kern="1200" cap="all">
-                <a:ln w="3175" cmpd="sng">
-                  <a:noFill/>
-                </a:ln>
-                <a:solidFill>
-                  <a:schemeClr val="tx1"/>
-                </a:solidFill>
-                <a:effectLst/>
-                <a:latin typeface="+mj-lt"/>
-                <a:ea typeface="+mj-ea"/>
-                <a:cs typeface="+mj-cs"/>
-              </a:defRPr>
-            </a:lvl1pPr>
-            <a:lvl2pPr eaLnBrk="1" hangingPunct="1">
-              <a:defRPr>
-                <a:solidFill>
-                  <a:schemeClr val="tx2"/>
-                </a:solidFill>
-              </a:defRPr>
-            </a:lvl2pPr>
-            <a:lvl3pPr eaLnBrk="1" hangingPunct="1">
-              <a:defRPr>
-                <a:solidFill>
-                  <a:schemeClr val="tx2"/>
-                </a:solidFill>
-              </a:defRPr>
-            </a:lvl3pPr>
-            <a:lvl4pPr eaLnBrk="1" hangingPunct="1">
-              <a:defRPr>
-                <a:solidFill>
-                  <a:schemeClr val="tx2"/>
-                </a:solidFill>
-              </a:defRPr>
-            </a:lvl4pPr>
-            <a:lvl5pPr eaLnBrk="1" hangingPunct="1">
-              <a:defRPr>
-                <a:solidFill>
-                  <a:schemeClr val="tx2"/>
-                </a:solidFill>
-              </a:defRPr>
-            </a:lvl5pPr>
-            <a:lvl6pPr eaLnBrk="1" hangingPunct="1">
-              <a:defRPr>
-                <a:solidFill>
-                  <a:schemeClr val="tx2"/>
-                </a:solidFill>
-              </a:defRPr>
-            </a:lvl6pPr>
-            <a:lvl7pPr eaLnBrk="1" hangingPunct="1">
-              <a:defRPr>
-                <a:solidFill>
-                  <a:schemeClr val="tx2"/>
-                </a:solidFill>
-              </a:defRPr>
-            </a:lvl7pPr>
-            <a:lvl8pPr eaLnBrk="1" hangingPunct="1">
-              <a:defRPr>
-                <a:solidFill>
-                  <a:schemeClr val="tx2"/>
-                </a:solidFill>
-              </a:defRPr>
-            </a:lvl8pPr>
-            <a:lvl9pPr eaLnBrk="1" hangingPunct="1">
-              <a:defRPr>
-                <a:solidFill>
-                  <a:schemeClr val="tx2"/>
-                </a:solidFill>
-              </a:defRPr>
-            </a:lvl9pPr>
-          </a:lstStyle>
-          <a:p>
-            <a:r>
-              <a:rPr lang="pt-BR" sz="3600" dirty="0" err="1">
-                <a:ea typeface="+mj-lt"/>
-                <a:cs typeface="+mj-lt"/>
-              </a:rPr>
-              <a:t>MUltas</a:t>
-            </a:r>
-            <a:endParaRPr lang="en-US" sz="3600" dirty="0"/>
-          </a:p>
-        </p:txBody>
-      </p:sp>
-      <p:sp>
-        <p:nvSpPr>
-          <p:cNvPr id="17" name="Espaço Reservado para Texto 3">
-            <a:extLst>
-              <a:ext uri="{FF2B5EF4-FFF2-40B4-BE49-F238E27FC236}">
-                <a16:creationId xmlns:a16="http://schemas.microsoft.com/office/drawing/2014/main" id="{28751E7D-1541-47D6-8C4F-6564D1BD2E46}"/>
-              </a:ext>
-            </a:extLst>
-          </p:cNvPr>
-          <p:cNvSpPr txBox="1">
-            <a:spLocks/>
-          </p:cNvSpPr>
-          <p:nvPr/>
-        </p:nvSpPr>
-        <p:spPr>
-          <a:xfrm>
-            <a:off x="4582679" y="1847258"/>
-            <a:ext cx="6021388" cy="1945192"/>
-          </a:xfrm>
-          <a:prstGeom prst="rect">
-            <a:avLst/>
-          </a:prstGeom>
-        </p:spPr>
-        <p:txBody>
-          <a:bodyPr vert="horz" lIns="91440" tIns="45720" rIns="91440" bIns="45720" rtlCol="0" anchor="t">
-            <a:normAutofit/>
-          </a:bodyPr>
-          <a:lstStyle>
-            <a:lvl1pPr marL="0" indent="0" algn="l" defTabSz="457200" rtl="0" eaLnBrk="1" latinLnBrk="0" hangingPunct="1">
-              <a:spcBef>
-                <a:spcPct val="20000"/>
-              </a:spcBef>
-              <a:spcAft>
-                <a:spcPts val="600"/>
-              </a:spcAft>
-              <a:buClr>
-                <a:schemeClr val="tx1"/>
-              </a:buClr>
-              <a:buSzPct val="80000"/>
-              <a:buFont typeface="Wingdings 3" panose="05040102010807070707" pitchFamily="18" charset="2"/>
-              <a:buNone/>
-              <a:defRPr sz="1800" kern="1200" cap="none">
-                <a:solidFill>
-                  <a:schemeClr val="bg2">
-                    <a:lumMod val="75000"/>
-                  </a:schemeClr>
-                </a:solidFill>
-                <a:effectLst/>
-                <a:latin typeface="+mn-lt"/>
-                <a:ea typeface="+mn-ea"/>
-                <a:cs typeface="+mn-cs"/>
-              </a:defRPr>
-            </a:lvl1pPr>
-            <a:lvl2pPr marL="457200" indent="0" algn="l" defTabSz="457200" rtl="0" eaLnBrk="1" latinLnBrk="0" hangingPunct="1">
-              <a:spcBef>
-                <a:spcPct val="20000"/>
-              </a:spcBef>
-              <a:spcAft>
-                <a:spcPts val="600"/>
-              </a:spcAft>
-              <a:buClr>
-                <a:schemeClr val="tx1"/>
-              </a:buClr>
-              <a:buSzPct val="80000"/>
-              <a:buFont typeface="Wingdings 3" panose="05040102010807070707" pitchFamily="18" charset="2"/>
-              <a:buNone/>
-              <a:defRPr sz="1200" kern="1200" cap="none">
-                <a:solidFill>
-                  <a:schemeClr val="bg2">
-                    <a:lumMod val="75000"/>
-                  </a:schemeClr>
-                </a:solidFill>
-                <a:effectLst/>
-                <a:latin typeface="+mn-lt"/>
-                <a:ea typeface="+mn-ea"/>
-                <a:cs typeface="+mn-cs"/>
-              </a:defRPr>
-            </a:lvl2pPr>
-            <a:lvl3pPr marL="914400" indent="0" algn="l" defTabSz="457200" rtl="0" eaLnBrk="1" latinLnBrk="0" hangingPunct="1">
-              <a:spcBef>
-                <a:spcPct val="20000"/>
-              </a:spcBef>
-              <a:spcAft>
-                <a:spcPts val="600"/>
-              </a:spcAft>
-              <a:buClr>
-                <a:schemeClr val="tx1"/>
-              </a:buClr>
-              <a:buSzPct val="80000"/>
-              <a:buFont typeface="Wingdings 3" panose="05040102010807070707" pitchFamily="18" charset="2"/>
-              <a:buNone/>
-              <a:defRPr sz="1000" kern="1200" cap="none">
-                <a:solidFill>
-                  <a:schemeClr val="bg2">
-                    <a:lumMod val="75000"/>
-                  </a:schemeClr>
-                </a:solidFill>
-                <a:effectLst/>
-                <a:latin typeface="+mn-lt"/>
-                <a:ea typeface="+mn-ea"/>
-                <a:cs typeface="+mn-cs"/>
-              </a:defRPr>
-            </a:lvl3pPr>
-            <a:lvl4pPr marL="1371600" indent="0" algn="l" defTabSz="457200" rtl="0" eaLnBrk="1" latinLnBrk="0" hangingPunct="1">
-              <a:spcBef>
-                <a:spcPct val="20000"/>
-              </a:spcBef>
-              <a:spcAft>
-                <a:spcPts val="600"/>
-              </a:spcAft>
-              <a:buClr>
-                <a:schemeClr val="tx1"/>
-              </a:buClr>
-              <a:buSzPct val="80000"/>
-              <a:buFont typeface="Wingdings 3" panose="05040102010807070707" pitchFamily="18" charset="2"/>
-              <a:buNone/>
-              <a:defRPr sz="900" kern="1200" cap="none">
-                <a:solidFill>
-                  <a:schemeClr val="bg2">
-                    <a:lumMod val="75000"/>
-                  </a:schemeClr>
-                </a:solidFill>
-                <a:effectLst/>
-                <a:latin typeface="+mn-lt"/>
-                <a:ea typeface="+mn-ea"/>
-                <a:cs typeface="+mn-cs"/>
-              </a:defRPr>
-            </a:lvl4pPr>
-            <a:lvl5pPr marL="1828800" indent="0" algn="l" defTabSz="457200" rtl="0" eaLnBrk="1" latinLnBrk="0" hangingPunct="1">
-              <a:spcBef>
-                <a:spcPct val="20000"/>
-              </a:spcBef>
-              <a:spcAft>
-                <a:spcPts val="600"/>
-              </a:spcAft>
-              <a:buClr>
-                <a:schemeClr val="tx1"/>
-              </a:buClr>
-              <a:buSzPct val="80000"/>
-              <a:buFont typeface="Wingdings 3" panose="05040102010807070707" pitchFamily="18" charset="2"/>
-              <a:buNone/>
-              <a:defRPr sz="900" kern="1200" cap="none">
-                <a:solidFill>
-                  <a:schemeClr val="bg2">
-                    <a:lumMod val="75000"/>
-                  </a:schemeClr>
-                </a:solidFill>
-                <a:effectLst/>
-                <a:latin typeface="+mn-lt"/>
-                <a:ea typeface="+mn-ea"/>
-                <a:cs typeface="+mn-cs"/>
-              </a:defRPr>
-            </a:lvl5pPr>
-            <a:lvl6pPr marL="2286000" indent="0" algn="l" defTabSz="457200" rtl="0" eaLnBrk="1" latinLnBrk="0" hangingPunct="1">
-              <a:spcBef>
-                <a:spcPct val="20000"/>
-              </a:spcBef>
-              <a:spcAft>
-                <a:spcPts val="600"/>
-              </a:spcAft>
-              <a:buClr>
-                <a:schemeClr val="tx1"/>
-              </a:buClr>
-              <a:buSzPct val="80000"/>
-              <a:buFont typeface="Wingdings 3" panose="05040102010807070707" pitchFamily="18" charset="2"/>
-              <a:buNone/>
-              <a:defRPr sz="900" kern="1200" cap="none">
-                <a:solidFill>
-                  <a:schemeClr val="bg2">
-                    <a:lumMod val="75000"/>
-                  </a:schemeClr>
-                </a:solidFill>
-                <a:effectLst/>
-                <a:latin typeface="+mn-lt"/>
-                <a:ea typeface="+mn-ea"/>
-                <a:cs typeface="+mn-cs"/>
-              </a:defRPr>
-            </a:lvl6pPr>
-            <a:lvl7pPr marL="2743200" indent="0" algn="l" defTabSz="457200" rtl="0" eaLnBrk="1" latinLnBrk="0" hangingPunct="1">
-              <a:spcBef>
-                <a:spcPct val="20000"/>
-              </a:spcBef>
-              <a:spcAft>
-                <a:spcPts val="600"/>
-              </a:spcAft>
-              <a:buClr>
-                <a:schemeClr val="tx1"/>
-              </a:buClr>
-              <a:buSzPct val="80000"/>
-              <a:buFont typeface="Wingdings 3" panose="05040102010807070707" pitchFamily="18" charset="2"/>
-              <a:buNone/>
-              <a:defRPr sz="900" kern="1200" cap="none">
-                <a:solidFill>
-                  <a:schemeClr val="bg2">
-                    <a:lumMod val="75000"/>
-                  </a:schemeClr>
-                </a:solidFill>
-                <a:effectLst/>
-                <a:latin typeface="+mn-lt"/>
-                <a:ea typeface="+mn-ea"/>
-                <a:cs typeface="+mn-cs"/>
-              </a:defRPr>
-            </a:lvl7pPr>
-            <a:lvl8pPr marL="3200400" indent="0" algn="l" defTabSz="457200" rtl="0" eaLnBrk="1" latinLnBrk="0" hangingPunct="1">
-              <a:spcBef>
-                <a:spcPct val="20000"/>
-              </a:spcBef>
-              <a:spcAft>
-                <a:spcPts val="600"/>
-              </a:spcAft>
-              <a:buClr>
-                <a:schemeClr val="tx1"/>
-              </a:buClr>
-              <a:buSzPct val="80000"/>
-              <a:buFont typeface="Wingdings 3" panose="05040102010807070707" pitchFamily="18" charset="2"/>
-              <a:buNone/>
-              <a:defRPr sz="900" kern="1200" cap="none">
-                <a:solidFill>
-                  <a:schemeClr val="bg2">
-                    <a:lumMod val="75000"/>
-                  </a:schemeClr>
-                </a:solidFill>
-                <a:effectLst/>
-                <a:latin typeface="+mn-lt"/>
-                <a:ea typeface="+mn-ea"/>
-                <a:cs typeface="+mn-cs"/>
-              </a:defRPr>
-            </a:lvl8pPr>
-            <a:lvl9pPr marL="3657600" indent="0" algn="l" defTabSz="457200" rtl="0" eaLnBrk="1" latinLnBrk="0" hangingPunct="1">
-              <a:spcBef>
-                <a:spcPct val="20000"/>
-              </a:spcBef>
-              <a:spcAft>
-                <a:spcPts val="600"/>
-              </a:spcAft>
-              <a:buClr>
-                <a:schemeClr val="tx1"/>
-              </a:buClr>
-              <a:buSzPct val="80000"/>
-              <a:buFont typeface="Wingdings 3" panose="05040102010807070707" pitchFamily="18" charset="2"/>
-              <a:buNone/>
-              <a:defRPr sz="900" kern="1200" cap="none">
-                <a:solidFill>
-                  <a:schemeClr val="bg2">
-                    <a:lumMod val="75000"/>
-                  </a:schemeClr>
-                </a:solidFill>
-                <a:effectLst/>
-                <a:latin typeface="+mn-lt"/>
-                <a:ea typeface="+mn-ea"/>
-                <a:cs typeface="+mn-cs"/>
-              </a:defRPr>
-            </a:lvl9pPr>
-          </a:lstStyle>
-          <a:p>
-            <a:endParaRPr lang="en-US" sz="2000">
-              <a:solidFill>
-                <a:schemeClr val="tx1"/>
-              </a:solidFill>
-            </a:endParaRPr>
-          </a:p>
-        </p:txBody>
-      </p:sp>
-      <p:sp>
-        <p:nvSpPr>
-          <p:cNvPr id="9" name="CaixaDeTexto 8">
-            <a:extLst>
-              <a:ext uri="{FF2B5EF4-FFF2-40B4-BE49-F238E27FC236}">
-                <a16:creationId xmlns:a16="http://schemas.microsoft.com/office/drawing/2014/main" id="{4E1C8EE6-B5F6-4DAF-8C99-666359E379A9}"/>
-              </a:ext>
-            </a:extLst>
-          </p:cNvPr>
-          <p:cNvSpPr txBox="1"/>
-          <p:nvPr/>
-        </p:nvSpPr>
-        <p:spPr>
-          <a:xfrm>
-            <a:off x="561110" y="1783235"/>
-            <a:ext cx="6325013" cy="3785652"/>
-          </a:xfrm>
-          <a:prstGeom prst="rect">
-            <a:avLst/>
-          </a:prstGeom>
-          <a:noFill/>
-        </p:spPr>
-        <p:txBody>
-          <a:bodyPr wrap="square" rtlCol="0">
-            <a:spAutoFit/>
-          </a:bodyPr>
-          <a:lstStyle/>
-          <a:p>
-            <a:pPr marL="457200" indent="-457200">
-              <a:buFont typeface="Arial" panose="020B0604020202020204" pitchFamily="34" charset="0"/>
-              <a:buChar char="•"/>
-            </a:pPr>
-            <a:r>
-              <a:rPr lang="pt-BR" sz="2400" dirty="0"/>
-              <a:t>EPTC;</a:t>
-            </a:r>
-          </a:p>
-          <a:p>
-            <a:pPr marL="457200" indent="-457200">
-              <a:buFont typeface="Arial" panose="020B0604020202020204" pitchFamily="34" charset="0"/>
-              <a:buChar char="•"/>
-            </a:pPr>
-            <a:endParaRPr lang="pt-BR" sz="2400" dirty="0"/>
-          </a:p>
-          <a:p>
-            <a:pPr marL="457200" indent="-457200">
-              <a:buFont typeface="Arial" panose="020B0604020202020204" pitchFamily="34" charset="0"/>
-              <a:buChar char="•"/>
-            </a:pPr>
-            <a:r>
-              <a:rPr lang="pt-BR" sz="2400" dirty="0"/>
-              <a:t>Registradas 32.313 multas;</a:t>
-            </a:r>
-          </a:p>
-          <a:p>
-            <a:endParaRPr lang="pt-BR" sz="2400" dirty="0"/>
-          </a:p>
-          <a:p>
-            <a:pPr marL="457200" indent="-457200">
-              <a:buFont typeface="Arial" panose="020B0604020202020204" pitchFamily="34" charset="0"/>
-              <a:buChar char="•"/>
-            </a:pPr>
-            <a:r>
-              <a:rPr lang="pt-BR" sz="2400" dirty="0"/>
-              <a:t>Reajuste na infração;</a:t>
-            </a:r>
-          </a:p>
-          <a:p>
-            <a:pPr marL="457200" indent="-457200">
-              <a:buFont typeface="Arial" panose="020B0604020202020204" pitchFamily="34" charset="0"/>
-              <a:buChar char="•"/>
-            </a:pPr>
-            <a:endParaRPr lang="pt-BR" sz="2400" dirty="0"/>
-          </a:p>
-          <a:p>
-            <a:pPr marL="457200" indent="-457200">
-              <a:buFont typeface="Arial" panose="020B0604020202020204" pitchFamily="34" charset="0"/>
-              <a:buChar char="•"/>
-            </a:pPr>
-            <a:r>
-              <a:rPr lang="pt-BR" sz="2400" dirty="0"/>
-              <a:t>Subindo 66%do valor anterior;</a:t>
-            </a:r>
-          </a:p>
-          <a:p>
-            <a:pPr marL="457200" indent="-457200">
-              <a:buFont typeface="Arial" panose="020B0604020202020204" pitchFamily="34" charset="0"/>
-              <a:buChar char="•"/>
-            </a:pPr>
-            <a:endParaRPr lang="pt-BR" sz="2400" dirty="0"/>
-          </a:p>
-          <a:p>
-            <a:pPr marL="457200" indent="-457200">
-              <a:buFont typeface="Arial" panose="020B0604020202020204" pitchFamily="34" charset="0"/>
-              <a:buChar char="•"/>
-            </a:pPr>
-            <a:r>
-              <a:rPr lang="pt-BR" sz="2400" dirty="0"/>
-              <a:t>Além de 3 a 7 pontos na carteira habilitação (CNH).</a:t>
-            </a:r>
-          </a:p>
-        </p:txBody>
-      </p:sp>
-      <p:grpSp>
-        <p:nvGrpSpPr>
-          <p:cNvPr id="10" name="Agrupar 9">
-            <a:extLst>
-              <a:ext uri="{FF2B5EF4-FFF2-40B4-BE49-F238E27FC236}">
-                <a16:creationId xmlns:a16="http://schemas.microsoft.com/office/drawing/2014/main" id="{8D7375C9-CEE1-4C9F-954D-4BF757D4F17A}"/>
-              </a:ext>
-            </a:extLst>
-          </p:cNvPr>
-          <p:cNvGrpSpPr/>
-          <p:nvPr/>
-        </p:nvGrpSpPr>
-        <p:grpSpPr>
-          <a:xfrm>
-            <a:off x="7893922" y="784643"/>
-            <a:ext cx="4136994" cy="5822304"/>
-            <a:chOff x="7893922" y="784643"/>
-            <a:chExt cx="4136994" cy="5822304"/>
-          </a:xfrm>
-        </p:grpSpPr>
-        <p:pic>
-          <p:nvPicPr>
-            <p:cNvPr id="2050" name="Picture 2" descr="Resultado de imagem para icone humano">
-              <a:extLst>
-                <a:ext uri="{FF2B5EF4-FFF2-40B4-BE49-F238E27FC236}">
-                  <a16:creationId xmlns:a16="http://schemas.microsoft.com/office/drawing/2014/main" id="{FC5513F7-A504-4ECB-ADC0-D94ACB0F4E82}"/>
-                </a:ext>
-              </a:extLst>
-            </p:cNvPr>
-            <p:cNvPicPr>
-              <a:picLocks noChangeAspect="1" noChangeArrowheads="1"/>
-            </p:cNvPicPr>
-            <p:nvPr/>
-          </p:nvPicPr>
-          <p:blipFill>
-            <a:blip r:embed="rId3">
-              <a:duotone>
-                <a:prstClr val="black"/>
-                <a:schemeClr val="tx1">
-                  <a:tint val="45000"/>
-                  <a:satMod val="400000"/>
-                </a:schemeClr>
-              </a:duotone>
-              <a:extLst>
-                <a:ext uri="{28A0092B-C50C-407E-A947-70E740481C1C}">
-                  <a14:useLocalDpi xmlns:a14="http://schemas.microsoft.com/office/drawing/2010/main" val="0"/>
-                </a:ext>
-              </a:extLst>
-            </a:blip>
-            <a:srcRect/>
-            <a:stretch>
-              <a:fillRect/>
-            </a:stretch>
-          </p:blipFill>
-          <p:spPr bwMode="auto">
-            <a:xfrm>
-              <a:off x="7893922" y="1979929"/>
-              <a:ext cx="3566660" cy="4627018"/>
-            </a:xfrm>
-            <a:prstGeom prst="rect">
-              <a:avLst/>
-            </a:prstGeom>
-            <a:noFill/>
-            <a:extLst>
-              <a:ext uri="{909E8E84-426E-40DD-AFC4-6F175D3DCCD1}">
-                <a14:hiddenFill xmlns:a14="http://schemas.microsoft.com/office/drawing/2010/main">
-                  <a:solidFill>
-                    <a:srgbClr val="FFFFFF"/>
-                  </a:solidFill>
-                </a14:hiddenFill>
-              </a:ext>
-            </a:extLst>
-          </p:spPr>
-        </p:pic>
-        <p:pic>
-          <p:nvPicPr>
-            <p:cNvPr id="2052" name="Picture 4" descr="Resultado de imagem para icone cifrão">
-              <a:extLst>
-                <a:ext uri="{FF2B5EF4-FFF2-40B4-BE49-F238E27FC236}">
-                  <a16:creationId xmlns:a16="http://schemas.microsoft.com/office/drawing/2014/main" id="{739CB309-453C-44FB-BA7E-080FE952B6D3}"/>
-                </a:ext>
-              </a:extLst>
-            </p:cNvPr>
-            <p:cNvPicPr>
-              <a:picLocks noChangeAspect="1" noChangeArrowheads="1"/>
-            </p:cNvPicPr>
-            <p:nvPr/>
-          </p:nvPicPr>
-          <p:blipFill>
-            <a:blip r:embed="rId4">
-              <a:extLst>
-                <a:ext uri="{BEBA8EAE-BF5A-486C-A8C5-ECC9F3942E4B}">
-                  <a14:imgProps xmlns:a14="http://schemas.microsoft.com/office/drawing/2010/main">
-                    <a14:imgLayer r:embed="rId5">
-                      <a14:imgEffect>
-                        <a14:backgroundRemoval t="1778" b="97333" l="9778" r="89778">
-                          <a14:foregroundMark x1="49333" y1="9333" x2="49333" y2="9333"/>
-                          <a14:foregroundMark x1="52444" y1="4889" x2="52444" y2="4889"/>
-                          <a14:foregroundMark x1="51556" y1="3111" x2="51556" y2="3111"/>
-                          <a14:foregroundMark x1="51556" y1="2222" x2="51556" y2="2222"/>
-                          <a14:foregroundMark x1="53778" y1="94222" x2="53778" y2="94222"/>
-                          <a14:foregroundMark x1="51556" y1="97333" x2="51556" y2="97333"/>
-                        </a14:backgroundRemoval>
-                      </a14:imgEffect>
-                    </a14:imgLayer>
-                  </a14:imgProps>
-                </a:ext>
-                <a:ext uri="{28A0092B-C50C-407E-A947-70E740481C1C}">
-                  <a14:useLocalDpi xmlns:a14="http://schemas.microsoft.com/office/drawing/2010/main" val="0"/>
-                </a:ext>
-              </a:extLst>
-            </a:blip>
-            <a:srcRect/>
-            <a:stretch>
-              <a:fillRect/>
-            </a:stretch>
-          </p:blipFill>
-          <p:spPr bwMode="auto">
-            <a:xfrm rot="2390880">
-              <a:off x="10033733" y="784643"/>
-              <a:ext cx="1997183" cy="1997183"/>
-            </a:xfrm>
-            <a:prstGeom prst="rect">
-              <a:avLst/>
-            </a:prstGeom>
-            <a:noFill/>
-            <a:extLst>
-              <a:ext uri="{909E8E84-426E-40DD-AFC4-6F175D3DCCD1}">
-                <a14:hiddenFill xmlns:a14="http://schemas.microsoft.com/office/drawing/2010/main">
-                  <a:solidFill>
-                    <a:srgbClr val="FFFFFF"/>
-                  </a:solidFill>
-                </a14:hiddenFill>
-              </a:ext>
-            </a:extLst>
-          </p:spPr>
-        </p:pic>
-      </p:grpSp>
-    </p:spTree>
-    <p:extLst>
-      <p:ext uri="{BB962C8B-B14F-4D97-AF65-F5344CB8AC3E}">
-        <p14:creationId xmlns:p14="http://schemas.microsoft.com/office/powerpoint/2010/main" val="2878724987"/>
-      </p:ext>
-    </p:extLst>
-  </p:cSld>
-  <p:clrMapOvr>
-    <a:masterClrMapping/>
-  </p:clrMapOvr>
-  <mc:AlternateContent xmlns:mc="http://schemas.openxmlformats.org/markup-compatibility/2006" xmlns:p14="http://schemas.microsoft.com/office/powerpoint/2010/main">
-    <mc:Choice Requires="p14">
-      <p:transition spd="med" p14:dur="700">
-        <p:fade/>
-      </p:transition>
-    </mc:Choice>
-    <mc:Fallback xmlns="">
-      <p:transition spd="med">
-        <p:fade/>
-      </p:transition>
-    </mc:Fallback>
-  </mc:AlternateContent>
-  <p:timing>
-    <p:tnLst>
-      <p:par>
-        <p:cTn id="1" dur="indefinite" restart="never" nodeType="tmRoot">
-          <p:childTnLst>
-            <p:seq concurrent="1" nextAc="seek">
-              <p:cTn id="2" dur="indefinite" nodeType="mainSeq">
-                <p:childTnLst>
-                  <p:par>
-                    <p:cTn id="3" fill="hold">
-                      <p:stCondLst>
-                        <p:cond delay="indefinite"/>
-                        <p:cond evt="onBegin" delay="0">
-                          <p:tn val="2"/>
-                        </p:cond>
-                      </p:stCondLst>
-                      <p:childTnLst>
-                        <p:par>
-                          <p:cTn id="4" fill="hold">
-                            <p:stCondLst>
-                              <p:cond delay="0"/>
-                            </p:stCondLst>
-                            <p:childTnLst>
-                              <p:par>
-                                <p:cTn id="5" presetID="10" presetClass="entr" presetSubtype="0" fill="hold" nodeType="afterEffect" nodePh="1">
-                                  <p:stCondLst>
-                                    <p:cond delay="0"/>
-                                  </p:stCondLst>
-                                  <p:endCondLst>
-                                    <p:cond evt="begin" delay="0">
-                                      <p:tn val="5"/>
-                                    </p:cond>
-                                  </p:endCondLst>
-                                  <p:childTnLst>
-                                    <p:set>
-                                      <p:cBhvr>
-                                        <p:cTn id="6" dur="1" fill="hold">
-                                          <p:stCondLst>
-                                            <p:cond delay="0"/>
-                                          </p:stCondLst>
-                                        </p:cTn>
-                                        <p:tgtEl>
-                                          <p:spTgt spid="7">
-                                            <p:txEl>
-                                              <p:pRg st="0" end="0"/>
-                                            </p:txEl>
-                                          </p:spTgt>
-                                        </p:tgtEl>
-                                        <p:attrNameLst>
-                                          <p:attrName>style.visibility</p:attrName>
-                                        </p:attrNameLst>
-                                      </p:cBhvr>
-                                      <p:to>
-                                        <p:strVal val="visible"/>
-                                      </p:to>
-                                    </p:set>
-                                    <p:animEffect transition="in" filter="fade">
-                                      <p:cBhvr>
-                                        <p:cTn id="7" dur="500"/>
-                                        <p:tgtEl>
-                                          <p:spTgt spid="7">
-                                            <p:txEl>
-                                              <p:pRg st="0" end="0"/>
-                                            </p:txEl>
-                                          </p:spTgt>
-                                        </p:tgtEl>
-                                      </p:cBhvr>
-                                    </p:animEffect>
-                                  </p:childTnLst>
-                                </p:cTn>
-                              </p:par>
-                              <p:par>
-                                <p:cTn id="8" presetID="10" presetClass="entr" presetSubtype="0" fill="hold" nodeType="withEffect">
-                                  <p:stCondLst>
-                                    <p:cond delay="0"/>
-                                  </p:stCondLst>
-                                  <p:childTnLst>
-                                    <p:set>
-                                      <p:cBhvr>
-                                        <p:cTn id="9" dur="1" fill="hold">
-                                          <p:stCondLst>
-                                            <p:cond delay="0"/>
-                                          </p:stCondLst>
-                                        </p:cTn>
-                                        <p:tgtEl>
-                                          <p:spTgt spid="15">
-                                            <p:txEl>
-                                              <p:pRg st="0" end="0"/>
-                                            </p:txEl>
-                                          </p:spTgt>
-                                        </p:tgtEl>
-                                        <p:attrNameLst>
-                                          <p:attrName>style.visibility</p:attrName>
-                                        </p:attrNameLst>
-                                      </p:cBhvr>
-                                      <p:to>
-                                        <p:strVal val="visible"/>
-                                      </p:to>
-                                    </p:set>
-                                    <p:animEffect transition="in" filter="fade">
-                                      <p:cBhvr>
-                                        <p:cTn id="10" dur="500"/>
-                                        <p:tgtEl>
-                                          <p:spTgt spid="15">
-                                            <p:txEl>
-                                              <p:pRg st="0" end="0"/>
-                                            </p:txEl>
-                                          </p:spTgt>
-                                        </p:tgtEl>
-                                      </p:cBhvr>
-                                    </p:animEffect>
-                                  </p:childTnLst>
-                                </p:cTn>
-                              </p:par>
-                            </p:childTnLst>
-                          </p:cTn>
-                        </p:par>
-                        <p:par>
-                          <p:cTn id="11" fill="hold">
-                            <p:stCondLst>
-                              <p:cond delay="500"/>
-                            </p:stCondLst>
-                            <p:childTnLst>
-                              <p:par>
-                                <p:cTn id="12" presetID="10" presetClass="entr" presetSubtype="0" fill="hold" nodeType="afterEffect" nodePh="1">
-                                  <p:stCondLst>
-                                    <p:cond delay="0"/>
-                                  </p:stCondLst>
-                                  <p:endCondLst>
-                                    <p:cond evt="begin" delay="0">
-                                      <p:tn val="12"/>
-                                    </p:cond>
-                                  </p:endCondLst>
-                                  <p:childTnLst>
-                                    <p:set>
-                                      <p:cBhvr>
-                                        <p:cTn id="13" dur="1" fill="hold">
-                                          <p:stCondLst>
-                                            <p:cond delay="0"/>
-                                          </p:stCondLst>
-                                        </p:cTn>
-                                        <p:tgtEl>
-                                          <p:spTgt spid="17">
-                                            <p:txEl>
-                                              <p:pRg st="0" end="0"/>
-                                            </p:txEl>
-                                          </p:spTgt>
-                                        </p:tgtEl>
-                                        <p:attrNameLst>
-                                          <p:attrName>style.visibility</p:attrName>
-                                        </p:attrNameLst>
-                                      </p:cBhvr>
-                                      <p:to>
-                                        <p:strVal val="visible"/>
-                                      </p:to>
-                                    </p:set>
-                                    <p:animEffect transition="in" filter="fade">
-                                      <p:cBhvr>
-                                        <p:cTn id="14" dur="500"/>
-                                        <p:tgtEl>
-                                          <p:spTgt spid="17">
-                                            <p:txEl>
-                                              <p:pRg st="0" end="0"/>
-                                            </p:txEl>
-                                          </p:spTgt>
-                                        </p:tgtEl>
-                                      </p:cBhvr>
-                                    </p:animEffect>
-                                  </p:childTnLst>
-                                </p:cTn>
-                              </p:par>
-                            </p:childTnLst>
-                          </p:cTn>
-                        </p:par>
-                        <p:par>
-                          <p:cTn id="15" fill="hold">
-                            <p:stCondLst>
-                              <p:cond delay="1000"/>
-                            </p:stCondLst>
-                            <p:childTnLst>
-                              <p:par>
-                                <p:cTn id="16" presetID="10" presetClass="entr" presetSubtype="0" fill="hold" nodeType="afterEffect">
-                                  <p:stCondLst>
-                                    <p:cond delay="0"/>
-                                  </p:stCondLst>
-                                  <p:childTnLst>
-                                    <p:set>
-                                      <p:cBhvr>
-                                        <p:cTn id="17" dur="1" fill="hold">
-                                          <p:stCondLst>
-                                            <p:cond delay="0"/>
-                                          </p:stCondLst>
-                                        </p:cTn>
-                                        <p:tgtEl>
-                                          <p:spTgt spid="9">
-                                            <p:txEl>
-                                              <p:pRg st="0" end="0"/>
-                                            </p:txEl>
-                                          </p:spTgt>
-                                        </p:tgtEl>
-                                        <p:attrNameLst>
-                                          <p:attrName>style.visibility</p:attrName>
-                                        </p:attrNameLst>
-                                      </p:cBhvr>
-                                      <p:to>
-                                        <p:strVal val="visible"/>
-                                      </p:to>
-                                    </p:set>
-                                    <p:animEffect transition="in" filter="fade">
-                                      <p:cBhvr>
-                                        <p:cTn id="18" dur="500"/>
-                                        <p:tgtEl>
-                                          <p:spTgt spid="9">
-                                            <p:txEl>
-                                              <p:pRg st="0" end="0"/>
-                                            </p:txEl>
-                                          </p:spTgt>
-                                        </p:tgtEl>
-                                      </p:cBhvr>
-                                    </p:animEffect>
-                                  </p:childTnLst>
-                                </p:cTn>
-                              </p:par>
-                            </p:childTnLst>
-                          </p:cTn>
-                        </p:par>
-                        <p:par>
-                          <p:cTn id="19" fill="hold">
-                            <p:stCondLst>
-                              <p:cond delay="1500"/>
-                            </p:stCondLst>
-                            <p:childTnLst>
-                              <p:par>
-                                <p:cTn id="20" presetID="10" presetClass="entr" presetSubtype="0" fill="hold" nodeType="afterEffect">
-                                  <p:stCondLst>
-                                    <p:cond delay="0"/>
-                                  </p:stCondLst>
-                                  <p:childTnLst>
-                                    <p:set>
-                                      <p:cBhvr>
-                                        <p:cTn id="21" dur="1" fill="hold">
-                                          <p:stCondLst>
-                                            <p:cond delay="0"/>
-                                          </p:stCondLst>
-                                        </p:cTn>
-                                        <p:tgtEl>
-                                          <p:spTgt spid="9">
-                                            <p:txEl>
-                                              <p:pRg st="2" end="2"/>
-                                            </p:txEl>
-                                          </p:spTgt>
-                                        </p:tgtEl>
-                                        <p:attrNameLst>
-                                          <p:attrName>style.visibility</p:attrName>
-                                        </p:attrNameLst>
-                                      </p:cBhvr>
-                                      <p:to>
-                                        <p:strVal val="visible"/>
-                                      </p:to>
-                                    </p:set>
-                                    <p:animEffect transition="in" filter="fade">
-                                      <p:cBhvr>
-                                        <p:cTn id="22" dur="500"/>
-                                        <p:tgtEl>
-                                          <p:spTgt spid="9">
-                                            <p:txEl>
-                                              <p:pRg st="2" end="2"/>
-                                            </p:txEl>
-                                          </p:spTgt>
-                                        </p:tgtEl>
-                                      </p:cBhvr>
-                                    </p:animEffect>
-                                  </p:childTnLst>
-                                </p:cTn>
-                              </p:par>
-                            </p:childTnLst>
-                          </p:cTn>
-                        </p:par>
-                        <p:par>
-                          <p:cTn id="23" fill="hold">
-                            <p:stCondLst>
-                              <p:cond delay="2000"/>
-                            </p:stCondLst>
-                            <p:childTnLst>
-                              <p:par>
-                                <p:cTn id="24" presetID="10" presetClass="entr" presetSubtype="0" fill="hold" nodeType="afterEffect">
-                                  <p:stCondLst>
-                                    <p:cond delay="0"/>
-                                  </p:stCondLst>
-                                  <p:childTnLst>
-                                    <p:set>
-                                      <p:cBhvr>
-                                        <p:cTn id="25" dur="1" fill="hold">
-                                          <p:stCondLst>
-                                            <p:cond delay="0"/>
-                                          </p:stCondLst>
-                                        </p:cTn>
-                                        <p:tgtEl>
-                                          <p:spTgt spid="9">
-                                            <p:txEl>
-                                              <p:pRg st="4" end="4"/>
-                                            </p:txEl>
-                                          </p:spTgt>
-                                        </p:tgtEl>
-                                        <p:attrNameLst>
-                                          <p:attrName>style.visibility</p:attrName>
-                                        </p:attrNameLst>
-                                      </p:cBhvr>
-                                      <p:to>
-                                        <p:strVal val="visible"/>
-                                      </p:to>
-                                    </p:set>
-                                    <p:animEffect transition="in" filter="fade">
-                                      <p:cBhvr>
-                                        <p:cTn id="26" dur="500"/>
-                                        <p:tgtEl>
-                                          <p:spTgt spid="9">
-                                            <p:txEl>
-                                              <p:pRg st="4" end="4"/>
-                                            </p:txEl>
-                                          </p:spTgt>
-                                        </p:tgtEl>
-                                      </p:cBhvr>
-                                    </p:animEffect>
-                                  </p:childTnLst>
-                                </p:cTn>
-                              </p:par>
-                            </p:childTnLst>
-                          </p:cTn>
-                        </p:par>
-                        <p:par>
-                          <p:cTn id="27" fill="hold">
-                            <p:stCondLst>
-                              <p:cond delay="2500"/>
-                            </p:stCondLst>
-                            <p:childTnLst>
-                              <p:par>
-                                <p:cTn id="28" presetID="10" presetClass="entr" presetSubtype="0" fill="hold" nodeType="afterEffect">
-                                  <p:stCondLst>
-                                    <p:cond delay="0"/>
-                                  </p:stCondLst>
-                                  <p:childTnLst>
-                                    <p:set>
-                                      <p:cBhvr>
-                                        <p:cTn id="29" dur="1" fill="hold">
-                                          <p:stCondLst>
-                                            <p:cond delay="0"/>
-                                          </p:stCondLst>
-                                        </p:cTn>
-                                        <p:tgtEl>
-                                          <p:spTgt spid="9">
-                                            <p:txEl>
-                                              <p:pRg st="6" end="6"/>
-                                            </p:txEl>
-                                          </p:spTgt>
-                                        </p:tgtEl>
-                                        <p:attrNameLst>
-                                          <p:attrName>style.visibility</p:attrName>
-                                        </p:attrNameLst>
-                                      </p:cBhvr>
-                                      <p:to>
-                                        <p:strVal val="visible"/>
-                                      </p:to>
-                                    </p:set>
-                                    <p:animEffect transition="in" filter="fade">
-                                      <p:cBhvr>
-                                        <p:cTn id="30" dur="500"/>
-                                        <p:tgtEl>
-                                          <p:spTgt spid="9">
-                                            <p:txEl>
-                                              <p:pRg st="6" end="6"/>
-                                            </p:txEl>
-                                          </p:spTgt>
-                                        </p:tgtEl>
-                                      </p:cBhvr>
-                                    </p:animEffect>
-                                  </p:childTnLst>
-                                </p:cTn>
-                              </p:par>
-                            </p:childTnLst>
-                          </p:cTn>
-                        </p:par>
-                        <p:par>
-                          <p:cTn id="31" fill="hold">
-                            <p:stCondLst>
-                              <p:cond delay="3000"/>
-                            </p:stCondLst>
-                            <p:childTnLst>
-                              <p:par>
-                                <p:cTn id="32" presetID="10" presetClass="entr" presetSubtype="0" fill="hold" nodeType="afterEffect">
-                                  <p:stCondLst>
-                                    <p:cond delay="0"/>
-                                  </p:stCondLst>
-                                  <p:childTnLst>
-                                    <p:set>
-                                      <p:cBhvr>
-                                        <p:cTn id="33" dur="1" fill="hold">
-                                          <p:stCondLst>
-                                            <p:cond delay="0"/>
-                                          </p:stCondLst>
-                                        </p:cTn>
-                                        <p:tgtEl>
-                                          <p:spTgt spid="9">
-                                            <p:txEl>
-                                              <p:pRg st="8" end="8"/>
-                                            </p:txEl>
-                                          </p:spTgt>
-                                        </p:tgtEl>
-                                        <p:attrNameLst>
-                                          <p:attrName>style.visibility</p:attrName>
-                                        </p:attrNameLst>
-                                      </p:cBhvr>
-                                      <p:to>
-                                        <p:strVal val="visible"/>
-                                      </p:to>
-                                    </p:set>
-                                    <p:animEffect transition="in" filter="fade">
-                                      <p:cBhvr>
-                                        <p:cTn id="34" dur="500"/>
-                                        <p:tgtEl>
-                                          <p:spTgt spid="9">
-                                            <p:txEl>
-                                              <p:pRg st="8" end="8"/>
-                                            </p:txEl>
-                                          </p:spTgt>
-                                        </p:tgtEl>
-                                      </p:cBhvr>
-                                    </p:animEffect>
-                                  </p:childTnLst>
-                                </p:cTn>
-                              </p:par>
-                            </p:childTnLst>
-                          </p:cTn>
-                        </p:par>
-                        <p:par>
-                          <p:cTn id="35" fill="hold">
-                            <p:stCondLst>
-                              <p:cond delay="3500"/>
-                            </p:stCondLst>
-                            <p:childTnLst>
-                              <p:par>
-                                <p:cTn id="36" presetID="10" presetClass="entr" presetSubtype="0" fill="hold" nodeType="afterEffect">
-                                  <p:stCondLst>
-                                    <p:cond delay="0"/>
-                                  </p:stCondLst>
-                                  <p:childTnLst>
-                                    <p:set>
-                                      <p:cBhvr>
-                                        <p:cTn id="37" dur="1" fill="hold">
-                                          <p:stCondLst>
-                                            <p:cond delay="0"/>
-                                          </p:stCondLst>
-                                        </p:cTn>
-                                        <p:tgtEl>
-                                          <p:spTgt spid="10"/>
-                                        </p:tgtEl>
-                                        <p:attrNameLst>
-                                          <p:attrName>style.visibility</p:attrName>
-                                        </p:attrNameLst>
-                                      </p:cBhvr>
-                                      <p:to>
-                                        <p:strVal val="visible"/>
-                                      </p:to>
-                                    </p:set>
-                                    <p:animEffect transition="in" filter="fade">
-                                      <p:cBhvr>
-                                        <p:cTn id="38" dur="500"/>
-                                        <p:tgtEl>
-                                          <p:spTgt spid="10"/>
-                                        </p:tgtEl>
-                                      </p:cBhvr>
-                                    </p:animEffect>
-                                  </p:childTnLst>
-                                </p:cTn>
-                              </p:par>
-                            </p:childTnLst>
-                          </p:cTn>
-                        </p:par>
-                      </p:childTnLst>
-                    </p:cTn>
-                  </p:par>
-                </p:childTnLst>
-              </p:cTn>
-              <p:prevCondLst>
-                <p:cond evt="onPrev" delay="0">
-                  <p:tgtEl>
-                    <p:sldTgt/>
-                  </p:tgtEl>
-                </p:cond>
-              </p:prevCondLst>
-              <p:nextCondLst>
-                <p:cond evt="onNext" delay="0">
-                  <p:tgtEl>
-                    <p:sldTgt/>
-                  </p:tgtEl>
-                </p:cond>
-              </p:nextCondLst>
-            </p:seq>
-          </p:childTnLst>
-        </p:cTn>
-      </p:par>
-    </p:tnLst>
-  </p:timing>
-</p:sld>
-</file>
-
-<file path=ppt/slides/slide7.xml><?xml version="1.0" encoding="utf-8"?>
-<p:sld xmlns:a="http://schemas.openxmlformats.org/drawingml/2006/main" xmlns:r="http://schemas.openxmlformats.org/officeDocument/2006/relationships" xmlns:p="http://schemas.openxmlformats.org/presentationml/2006/main">
-  <p:cSld>
-    <p:spTree>
-      <p:nvGrpSpPr>
-        <p:cNvPr id="1" name=""/>
-        <p:cNvGrpSpPr/>
-        <p:nvPr/>
-      </p:nvGrpSpPr>
-      <p:grpSpPr>
-        <a:xfrm>
-          <a:off x="0" y="0"/>
-          <a:ext cx="0" cy="0"/>
-          <a:chOff x="0" y="0"/>
-          <a:chExt cx="0" cy="0"/>
-        </a:xfrm>
-      </p:grpSpPr>
-      <p:pic>
-        <p:nvPicPr>
-          <p:cNvPr id="2" name="Imagem 1"/>
-          <p:cNvPicPr>
-            <a:picLocks noChangeAspect="1"/>
-          </p:cNvPicPr>
-          <p:nvPr/>
-        </p:nvPicPr>
-        <p:blipFill>
-          <a:blip r:embed="rId2">
-            <a:extLst>
-              <a:ext uri="{28A0092B-C50C-407E-A947-70E740481C1C}">
-                <a14:useLocalDpi xmlns:a14="http://schemas.microsoft.com/office/drawing/2010/main" val="0"/>
-              </a:ext>
-            </a:extLst>
-          </a:blip>
-          <a:stretch>
-            <a:fillRect/>
-          </a:stretch>
-        </p:blipFill>
-        <p:spPr>
-          <a:xfrm>
-            <a:off x="0" y="-1"/>
-            <a:ext cx="12209930" cy="6858001"/>
-          </a:xfrm>
-          <a:prstGeom prst="rect">
-            <a:avLst/>
-          </a:prstGeom>
-        </p:spPr>
-      </p:pic>
-      <p:sp>
-        <p:nvSpPr>
-          <p:cNvPr id="8" name="Retângulo 7">
-            <a:extLst>
-              <a:ext uri="{FF2B5EF4-FFF2-40B4-BE49-F238E27FC236}">
-                <a16:creationId xmlns:a16="http://schemas.microsoft.com/office/drawing/2014/main" id="{9D5FCB53-619F-4073-A221-97F44453968A}"/>
-              </a:ext>
-            </a:extLst>
-          </p:cNvPr>
-          <p:cNvSpPr/>
-          <p:nvPr/>
-        </p:nvSpPr>
-        <p:spPr>
-          <a:xfrm>
-            <a:off x="133350" y="133350"/>
-            <a:ext cx="11830050" cy="6477000"/>
-          </a:xfrm>
-          <a:prstGeom prst="rect">
-            <a:avLst/>
-          </a:prstGeom>
-          <a:solidFill>
-            <a:schemeClr val="bg1">
-              <a:alpha val="60000"/>
-            </a:schemeClr>
-          </a:solidFill>
-          <a:ln>
-            <a:solidFill>
-              <a:schemeClr val="tx1"/>
-            </a:solidFill>
-          </a:ln>
-        </p:spPr>
-        <p:style>
-          <a:lnRef idx="2">
-            <a:schemeClr val="accent1">
-              <a:shade val="50000"/>
-            </a:schemeClr>
-          </a:lnRef>
-          <a:fillRef idx="1">
-            <a:schemeClr val="accent1"/>
-          </a:fillRef>
-          <a:effectRef idx="0">
-            <a:schemeClr val="accent1"/>
-          </a:effectRef>
-          <a:fontRef idx="minor">
-            <a:schemeClr val="lt1"/>
-          </a:fontRef>
-        </p:style>
-        <p:txBody>
-          <a:bodyPr rtlCol="0" anchor="ctr"/>
-          <a:lstStyle/>
-          <a:p>
-            <a:pPr algn="ctr"/>
-            <a:endParaRPr lang="pt-BR"/>
-          </a:p>
-        </p:txBody>
-      </p:sp>
-      <p:sp>
-        <p:nvSpPr>
-          <p:cNvPr id="7" name="Título 1">
-            <a:extLst>
-              <a:ext uri="{FF2B5EF4-FFF2-40B4-BE49-F238E27FC236}">
-                <a16:creationId xmlns:a16="http://schemas.microsoft.com/office/drawing/2014/main" id="{2CCFA28F-5876-417E-9869-6E46E0A7C9FB}"/>
-              </a:ext>
-            </a:extLst>
-          </p:cNvPr>
-          <p:cNvSpPr txBox="1">
-            <a:spLocks/>
-          </p:cNvSpPr>
-          <p:nvPr/>
-        </p:nvSpPr>
-        <p:spPr>
-          <a:xfrm>
-            <a:off x="4319442" y="3274793"/>
-            <a:ext cx="6019800" cy="1143000"/>
-          </a:xfrm>
-          <a:prstGeom prst="rect">
-            <a:avLst/>
-          </a:prstGeom>
-          <a:effectLst/>
-        </p:spPr>
-        <p:txBody>
-          <a:bodyPr vert="horz" lIns="91440" tIns="45720" rIns="91440" bIns="45720" rtlCol="0" anchor="b">
-            <a:normAutofit/>
-          </a:bodyPr>
-          <a:lstStyle>
-            <a:lvl1pPr algn="l" defTabSz="457200" rtl="0" eaLnBrk="1" latinLnBrk="0" hangingPunct="1">
-              <a:spcBef>
-                <a:spcPct val="0"/>
-              </a:spcBef>
-              <a:buNone/>
-              <a:defRPr sz="2800" b="0" kern="1200" cap="all">
-                <a:ln w="3175" cmpd="sng">
-                  <a:noFill/>
-                </a:ln>
-                <a:solidFill>
-                  <a:schemeClr val="tx1"/>
-                </a:solidFill>
-                <a:effectLst/>
-                <a:latin typeface="+mj-lt"/>
-                <a:ea typeface="+mj-ea"/>
-                <a:cs typeface="+mj-cs"/>
-              </a:defRPr>
-            </a:lvl1pPr>
-            <a:lvl2pPr eaLnBrk="1" hangingPunct="1">
-              <a:defRPr>
-                <a:solidFill>
-                  <a:schemeClr val="tx2"/>
-                </a:solidFill>
-              </a:defRPr>
-            </a:lvl2pPr>
-            <a:lvl3pPr eaLnBrk="1" hangingPunct="1">
-              <a:defRPr>
-                <a:solidFill>
-                  <a:schemeClr val="tx2"/>
-                </a:solidFill>
-              </a:defRPr>
-            </a:lvl3pPr>
-            <a:lvl4pPr eaLnBrk="1" hangingPunct="1">
-              <a:defRPr>
-                <a:solidFill>
-                  <a:schemeClr val="tx2"/>
-                </a:solidFill>
-              </a:defRPr>
-            </a:lvl4pPr>
-            <a:lvl5pPr eaLnBrk="1" hangingPunct="1">
-              <a:defRPr>
-                <a:solidFill>
-                  <a:schemeClr val="tx2"/>
-                </a:solidFill>
-              </a:defRPr>
-            </a:lvl5pPr>
-            <a:lvl6pPr eaLnBrk="1" hangingPunct="1">
-              <a:defRPr>
-                <a:solidFill>
-                  <a:schemeClr val="tx2"/>
-                </a:solidFill>
-              </a:defRPr>
-            </a:lvl6pPr>
-            <a:lvl7pPr eaLnBrk="1" hangingPunct="1">
-              <a:defRPr>
-                <a:solidFill>
-                  <a:schemeClr val="tx2"/>
-                </a:solidFill>
-              </a:defRPr>
-            </a:lvl7pPr>
-            <a:lvl8pPr eaLnBrk="1" hangingPunct="1">
-              <a:defRPr>
-                <a:solidFill>
-                  <a:schemeClr val="tx2"/>
-                </a:solidFill>
-              </a:defRPr>
-            </a:lvl8pPr>
-            <a:lvl9pPr eaLnBrk="1" hangingPunct="1">
-              <a:defRPr>
-                <a:solidFill>
-                  <a:schemeClr val="tx2"/>
-                </a:solidFill>
-              </a:defRPr>
-            </a:lvl9pPr>
-          </a:lstStyle>
-          <a:p>
-            <a:endParaRPr lang="pt-BR"/>
-          </a:p>
-        </p:txBody>
-      </p:sp>
-      <p:sp>
-        <p:nvSpPr>
-          <p:cNvPr id="5" name="TextBox 4">
-            <a:extLst>
-              <a:ext uri="{FF2B5EF4-FFF2-40B4-BE49-F238E27FC236}">
-                <a16:creationId xmlns:a16="http://schemas.microsoft.com/office/drawing/2014/main" id="{D1A22EB6-ACB2-4685-90A5-13582D538BA2}"/>
-              </a:ext>
-            </a:extLst>
-          </p:cNvPr>
-          <p:cNvSpPr txBox="1"/>
-          <p:nvPr/>
-        </p:nvSpPr>
-        <p:spPr>
-          <a:xfrm>
-            <a:off x="5209310" y="6206837"/>
-            <a:ext cx="2743200" cy="400110"/>
-          </a:xfrm>
-          <a:prstGeom prst="rect">
-            <a:avLst/>
-          </a:prstGeom>
-          <a:noFill/>
-        </p:spPr>
-        <p:txBody>
-          <a:bodyPr rot="0" spcFirstLastPara="0" vertOverflow="overflow" horzOverflow="overflow" vert="horz" wrap="square" lIns="91440" tIns="45720" rIns="91440" bIns="45720" numCol="1" spcCol="0" rtlCol="0" fromWordArt="0" anchor="t" anchorCtr="0" forceAA="0" compatLnSpc="1">
-            <a:prstTxWarp prst="textNoShape">
-              <a:avLst/>
-            </a:prstTxWarp>
-            <a:spAutoFit/>
-          </a:bodyPr>
-          <a:lstStyle/>
-          <a:p>
-            <a:pPr algn="l"/>
-            <a:r>
-              <a:rPr lang="en-US" sz="2000" b="1"/>
-              <a:t>PARKING</a:t>
-            </a:r>
-            <a:r>
-              <a:rPr lang="en-US" sz="2000" b="1">
-                <a:solidFill>
-                  <a:srgbClr val="FF0000"/>
-                </a:solidFill>
-              </a:rPr>
-              <a:t>6</a:t>
-            </a:r>
-          </a:p>
-        </p:txBody>
-      </p:sp>
       <p:sp>
         <p:nvSpPr>
           <p:cNvPr id="17" name="Espaço Reservado para Texto 3">
@@ -13671,7 +11184,7 @@
           <p:nvPr/>
         </p:nvPicPr>
         <p:blipFill>
-          <a:blip r:embed="rId5">
+          <a:blip r:embed="rId5" cstate="hqprint">
             <a:extLst>
               <a:ext uri="{28A0092B-C50C-407E-A947-70E740481C1C}">
                 <a14:useLocalDpi xmlns:a14="http://schemas.microsoft.com/office/drawing/2010/main" val="0"/>
@@ -13743,15 +11256,9 @@
       </p:sp>
       <p:pic>
         <p:nvPicPr>
-          <p:cNvPr id="1030" name="Picture 6" descr="Resultado de imagem para estacionamento icone">
-            <a:extLst>
-              <a:ext uri="{FF2B5EF4-FFF2-40B4-BE49-F238E27FC236}">
-                <a16:creationId xmlns:a16="http://schemas.microsoft.com/office/drawing/2014/main" id="{2AFD4F62-3BD3-4C23-949D-3085C0A49A9F}"/>
-              </a:ext>
-            </a:extLst>
-          </p:cNvPr>
+          <p:cNvPr id="10" name="Imagem 9"/>
           <p:cNvPicPr>
-            <a:picLocks noChangeAspect="1" noChangeArrowheads="1"/>
+            <a:picLocks noChangeAspect="1"/>
           </p:cNvPicPr>
           <p:nvPr/>
         </p:nvPicPr>
@@ -13763,29 +11270,18 @@
               </a:ext>
             </a:extLst>
           </a:blip>
-          <a:srcRect/>
           <a:stretch>
             <a:fillRect/>
           </a:stretch>
         </p:blipFill>
-        <p:spPr bwMode="auto">
+        <p:spPr>
           <a:xfrm>
-            <a:off x="8482253" y="1584714"/>
-            <a:ext cx="2833079" cy="2833079"/>
+            <a:off x="8442965" y="1318125"/>
+            <a:ext cx="3003457" cy="3003457"/>
           </a:xfrm>
           <a:prstGeom prst="rect">
             <a:avLst/>
           </a:prstGeom>
-          <a:noFill/>
-          <a:extLst>
-            <a:ext uri="{909E8E84-426E-40DD-AFC4-6F175D3DCCD1}">
-              <a14:hiddenFill xmlns:a14="http://schemas.microsoft.com/office/drawing/2010/main">
-                <a:solidFill>
-                  <a:srgbClr val="FFFFFF"/>
-                </a:solidFill>
-              </a14:hiddenFill>
-            </a:ext>
-          </a:extLst>
         </p:spPr>
       </p:pic>
       <p:sp>
@@ -14088,7 +11584,7 @@
                               <p:par>
                                 <p:cTn id="21" presetID="10" presetClass="entr" presetSubtype="0" fill="hold" nodeType="afterEffect">
                                   <p:stCondLst>
-                                    <p:cond delay="250"/>
+                                    <p:cond delay="0"/>
                                   </p:stCondLst>
                                   <p:childTnLst>
                                     <p:set>
@@ -14099,7 +11595,7 @@
                                           </p:stCondLst>
                                         </p:cTn>
                                         <p:tgtEl>
-                                          <p:spTgt spid="1030"/>
+                                          <p:spTgt spid="10"/>
                                         </p:tgtEl>
                                         <p:attrNameLst>
                                           <p:attrName>style.visibility</p:attrName>
@@ -14111,9 +11607,9 @@
                                     </p:set>
                                     <p:animEffect transition="in" filter="fade">
                                       <p:cBhvr>
-                                        <p:cTn id="23" dur="1000"/>
+                                        <p:cTn id="23" dur="750"/>
                                         <p:tgtEl>
-                                          <p:spTgt spid="1030"/>
+                                          <p:spTgt spid="10"/>
                                         </p:tgtEl>
                                       </p:cBhvr>
                                     </p:animEffect>
@@ -14126,7 +11622,7 @@
                         <p:par>
                           <p:cTn id="24" fill="hold">
                             <p:stCondLst>
-                              <p:cond delay="4750"/>
+                              <p:cond delay="4250"/>
                             </p:stCondLst>
                             <p:childTnLst>
                               <p:par>
@@ -14178,7 +11674,7 @@
                         <p:par>
                           <p:cTn id="28" fill="hold">
                             <p:stCondLst>
-                              <p:cond delay="5500"/>
+                              <p:cond delay="5000"/>
                             </p:stCondLst>
                             <p:childTnLst>
                               <p:par>
@@ -14230,7 +11726,7 @@
                         <p:par>
                           <p:cTn id="32" fill="hold">
                             <p:stCondLst>
-                              <p:cond delay="6250"/>
+                              <p:cond delay="5750"/>
                             </p:stCondLst>
                             <p:childTnLst>
                               <p:par>
@@ -14282,7 +11778,7 @@
                         <p:par>
                           <p:cTn id="36" fill="hold">
                             <p:stCondLst>
-                              <p:cond delay="7000"/>
+                              <p:cond delay="6500"/>
                             </p:stCondLst>
                             <p:childTnLst>
                               <p:par>
@@ -14359,7 +11855,7 @@
 </p:sld>
 </file>
 
-<file path=ppt/slides/slide8.xml><?xml version="1.0" encoding="utf-8"?>
+<file path=ppt/slides/slide6.xml><?xml version="1.0" encoding="utf-8"?>
 <p:sld xmlns:a="http://schemas.openxmlformats.org/drawingml/2006/main" xmlns:r="http://schemas.openxmlformats.org/officeDocument/2006/relationships" xmlns:p="http://schemas.openxmlformats.org/presentationml/2006/main">
   <p:cSld>
     <p:spTree>
@@ -14938,219 +12434,6 @@
           </a:prstGeom>
         </p:spPr>
       </p:pic>
-      <p:pic>
-        <p:nvPicPr>
-          <p:cNvPr id="12" name="Gráfico 11" descr="Hospital">
-            <a:extLst>
-              <a:ext uri="{FF2B5EF4-FFF2-40B4-BE49-F238E27FC236}">
-                <a16:creationId xmlns:a16="http://schemas.microsoft.com/office/drawing/2014/main" id="{73084AB2-2A19-4CF1-88F3-CCC3080F509B}"/>
-              </a:ext>
-            </a:extLst>
-          </p:cNvPr>
-          <p:cNvPicPr>
-            <a:picLocks noChangeAspect="1"/>
-          </p:cNvPicPr>
-          <p:nvPr/>
-        </p:nvPicPr>
-        <p:blipFill>
-          <a:blip r:embed="rId6">
-            <a:extLst>
-              <a:ext uri="{28A0092B-C50C-407E-A947-70E740481C1C}">
-                <a14:useLocalDpi xmlns:a14="http://schemas.microsoft.com/office/drawing/2010/main" val="0"/>
-              </a:ext>
-              <a:ext uri="{96DAC541-7B7A-43D3-8B79-37D633B846F1}">
-                <asvg:svgBlip xmlns:asvg="http://schemas.microsoft.com/office/drawing/2016/SVG/main" r:embed="rId7"/>
-              </a:ext>
-            </a:extLst>
-          </a:blip>
-          <a:stretch>
-            <a:fillRect/>
-          </a:stretch>
-        </p:blipFill>
-        <p:spPr>
-          <a:xfrm>
-            <a:off x="1288720" y="3846293"/>
-            <a:ext cx="2414374" cy="2414374"/>
-          </a:xfrm>
-          <a:prstGeom prst="rect">
-            <a:avLst/>
-          </a:prstGeom>
-        </p:spPr>
-      </p:pic>
-      <p:pic>
-        <p:nvPicPr>
-          <p:cNvPr id="4104" name="Picture 8" descr="Resultado de imagem para icone shopping">
-            <a:extLst>
-              <a:ext uri="{FF2B5EF4-FFF2-40B4-BE49-F238E27FC236}">
-                <a16:creationId xmlns:a16="http://schemas.microsoft.com/office/drawing/2014/main" id="{803D81AC-A429-4057-97E8-00F23529BC80}"/>
-              </a:ext>
-            </a:extLst>
-          </p:cNvPr>
-          <p:cNvPicPr>
-            <a:picLocks noChangeAspect="1" noChangeArrowheads="1"/>
-          </p:cNvPicPr>
-          <p:nvPr/>
-        </p:nvPicPr>
-        <p:blipFill>
-          <a:blip r:embed="rId8">
-            <a:extLst>
-              <a:ext uri="{BEBA8EAE-BF5A-486C-A8C5-ECC9F3942E4B}">
-                <a14:imgProps xmlns:a14="http://schemas.microsoft.com/office/drawing/2010/main">
-                  <a14:imgLayer r:embed="rId9">
-                    <a14:imgEffect>
-                      <a14:backgroundRemoval t="6154" b="95577" l="10000" r="90000">
-                        <a14:foregroundMark x1="40889" y1="13462" x2="40889" y2="13462"/>
-                        <a14:foregroundMark x1="51556" y1="10962" x2="38111" y2="13846"/>
-                        <a14:foregroundMark x1="38111" y1="13846" x2="43778" y2="13077"/>
-                        <a14:foregroundMark x1="50245" y1="15157" x2="50471" y2="15230"/>
-                        <a14:foregroundMark x1="43778" y1="13077" x2="50166" y2="15132"/>
-                        <a14:foregroundMark x1="60724" y1="14582" x2="62000" y2="13846"/>
-                        <a14:foregroundMark x1="63317" y1="19196" x2="64556" y2="24231"/>
-                        <a14:foregroundMark x1="62000" y1="13846" x2="62214" y2="14716"/>
-                        <a14:foregroundMark x1="64556" y1="24231" x2="63222" y2="35385"/>
-                        <a14:foregroundMark x1="57901" y1="47831" x2="55000" y2="54615"/>
-                        <a14:foregroundMark x1="62153" y1="37885" x2="61988" y2="38271"/>
-                        <a14:foregroundMark x1="62400" y1="37308" x2="62153" y2="37885"/>
-                        <a14:foregroundMark x1="62565" y1="36923" x2="62400" y2="37308"/>
-                        <a14:foregroundMark x1="63222" y1="35385" x2="62565" y2="36923"/>
-                        <a14:foregroundMark x1="55000" y1="54615" x2="45243" y2="60058"/>
-                        <a14:foregroundMark x1="32075" y1="67146" x2="31667" y2="77885"/>
-                        <a14:foregroundMark x1="34726" y1="86923" x2="38111" y2="96923"/>
-                        <a14:foregroundMark x1="34569" y1="86460" x2="34726" y2="86923"/>
-                        <a14:foregroundMark x1="31667" y1="77885" x2="32020" y2="78927"/>
-                        <a14:foregroundMark x1="38111" y1="96923" x2="51667" y2="92692"/>
-                        <a14:foregroundMark x1="57975" y1="61346" x2="58556" y2="58462"/>
-                        <a14:foregroundMark x1="57859" y1="61923" x2="57975" y2="61346"/>
-                        <a14:foregroundMark x1="56699" y1="67692" x2="56815" y2="67115"/>
-                        <a14:foregroundMark x1="51667" y1="92692" x2="56699" y2="67692"/>
-                        <a14:foregroundMark x1="58556" y1="58462" x2="64667" y2="55000"/>
-                        <a14:foregroundMark x1="64667" y1="55000" x2="71333" y2="60385"/>
-                        <a14:foregroundMark x1="71333" y1="60385" x2="71333" y2="83654"/>
-                        <a14:foregroundMark x1="31444" y1="10577" x2="45667" y2="12885"/>
-                        <a14:foregroundMark x1="45667" y1="12885" x2="51667" y2="11538"/>
-                        <a14:foregroundMark x1="51667" y1="11538" x2="59111" y2="13462"/>
-                        <a14:foregroundMark x1="59111" y1="13462" x2="65222" y2="12115"/>
-                        <a14:foregroundMark x1="65222" y1="12115" x2="58444" y2="6923"/>
-                        <a14:foregroundMark x1="58444" y1="6923" x2="37667" y2="6346"/>
-                        <a14:foregroundMark x1="37667" y1="6346" x2="35000" y2="8269"/>
-                        <a14:foregroundMark x1="70000" y1="92115" x2="70333" y2="95577"/>
-                        <a14:backgroundMark x1="39444" y1="63462" x2="39444" y2="63462"/>
-                        <a14:backgroundMark x1="38111" y1="62885" x2="38111" y2="62885"/>
-                        <a14:backgroundMark x1="37444" y1="63077" x2="39333" y2="63654"/>
-                        <a14:backgroundMark x1="60444" y1="46923" x2="59333" y2="39038"/>
-                        <a14:backgroundMark x1="61444" y1="45192" x2="58444" y2="46731"/>
-                        <a14:backgroundMark x1="62444" y1="42885" x2="61111" y2="37885"/>
-                        <a14:backgroundMark x1="59333" y1="44423" x2="61889" y2="38077"/>
-                        <a14:backgroundMark x1="58778" y1="47885" x2="58000" y2="48077"/>
-                        <a14:backgroundMark x1="62222" y1="37885" x2="62222" y2="37885"/>
-                        <a14:backgroundMark x1="49667" y1="17500" x2="55333" y2="16923"/>
-                        <a14:backgroundMark x1="55333" y1="16923" x2="63889" y2="17692"/>
-                        <a14:backgroundMark x1="50444" y1="16346" x2="50444" y2="16346"/>
-                        <a14:backgroundMark x1="62111" y1="38077" x2="62111" y2="38077"/>
-                        <a14:backgroundMark x1="62444" y1="37885" x2="62444" y2="37885"/>
-                        <a14:backgroundMark x1="62222" y1="37308" x2="62222" y2="37308"/>
-                        <a14:backgroundMark x1="62222" y1="36923" x2="62222" y2="36923"/>
-                        <a14:backgroundMark x1="62444" y1="37500" x2="62444" y2="37500"/>
-                        <a14:backgroundMark x1="62556" y1="37308" x2="62556" y2="37308"/>
-                        <a14:backgroundMark x1="62222" y1="36731" x2="62222" y2="36731"/>
-                        <a14:backgroundMark x1="62444" y1="37500" x2="62444" y2="37500"/>
-                        <a14:backgroundMark x1="61778" y1="39615" x2="61778" y2="38462"/>
-                        <a14:backgroundMark x1="62222" y1="39038" x2="61556" y2="38654"/>
-                        <a14:backgroundMark x1="58000" y1="48462" x2="57778" y2="46923"/>
-                        <a14:backgroundMark x1="57000" y1="67692" x2="58667" y2="63654"/>
-                        <a14:backgroundMark x1="43000" y1="62885" x2="36778" y2="62500"/>
-                        <a14:backgroundMark x1="36778" y1="62500" x2="34222" y2="71346"/>
-                        <a14:backgroundMark x1="34222" y1="71346" x2="33667" y2="85000"/>
-                        <a14:backgroundMark x1="57444" y1="66923" x2="58667" y2="63654"/>
-                        <a14:backgroundMark x1="57333" y1="62308" x2="57333" y2="62308"/>
-                        <a14:backgroundMark x1="57333" y1="62308" x2="57333" y2="62308"/>
-                        <a14:backgroundMark x1="57333" y1="62308" x2="57333" y2="62308"/>
-                        <a14:backgroundMark x1="57333" y1="62308" x2="57333" y2="62308"/>
-                        <a14:backgroundMark x1="57333" y1="61923" x2="57333" y2="61923"/>
-                        <a14:backgroundMark x1="33556" y1="65192" x2="38000" y2="63654"/>
-                        <a14:backgroundMark x1="33333" y1="62500" x2="33556" y2="66923"/>
-                        <a14:backgroundMark x1="34222" y1="85385" x2="34667" y2="86346"/>
-                        <a14:backgroundMark x1="42111" y1="61346" x2="43222" y2="61923"/>
-                        <a14:backgroundMark x1="43889" y1="61346" x2="43889" y2="61346"/>
-                        <a14:backgroundMark x1="43889" y1="60769" x2="43889" y2="60769"/>
-                        <a14:backgroundMark x1="43889" y1="60769" x2="43889" y2="60769"/>
-                        <a14:backgroundMark x1="43889" y1="61154" x2="43889" y2="61154"/>
-                        <a14:backgroundMark x1="44000" y1="60769" x2="44000" y2="60769"/>
-                        <a14:backgroundMark x1="44222" y1="60577" x2="44222" y2="60577"/>
-                        <a14:backgroundMark x1="44333" y1="61154" x2="44333" y2="61154"/>
-                        <a14:backgroundMark x1="44222" y1="60769" x2="44222" y2="60769"/>
-                        <a14:backgroundMark x1="43889" y1="60769" x2="43889" y2="60769"/>
-                        <a14:backgroundMark x1="43667" y1="60769" x2="43667" y2="60769"/>
-                        <a14:backgroundMark x1="43667" y1="60769" x2="43667" y2="60769"/>
-                        <a14:backgroundMark x1="43556" y1="60769" x2="43556" y2="60769"/>
-                        <a14:backgroundMark x1="44000" y1="61154" x2="44000" y2="61154"/>
-                        <a14:backgroundMark x1="44556" y1="61346" x2="44556" y2="61346"/>
-                        <a14:backgroundMark x1="57667" y1="61923" x2="57778" y2="63077"/>
-                        <a14:backgroundMark x1="57667" y1="63077" x2="57667" y2="65769"/>
-                        <a14:backgroundMark x1="57111" y1="64038" x2="57111" y2="67115"/>
-                        <a14:backgroundMark x1="57000" y1="64038" x2="57000" y2="66538"/>
-                        <a14:backgroundMark x1="56556" y1="67692" x2="56556" y2="67692"/>
-                        <a14:backgroundMark x1="58000" y1="62885" x2="56889" y2="67308"/>
-                        <a14:backgroundMark x1="58111" y1="61346" x2="58111" y2="61346"/>
-                        <a14:backgroundMark x1="57667" y1="61731" x2="57667" y2="61731"/>
-                        <a14:backgroundMark x1="58111" y1="61923" x2="58111" y2="61923"/>
-                        <a14:backgroundMark x1="58111" y1="61923" x2="58111" y2="61923"/>
-                        <a14:backgroundMark x1="58111" y1="61731" x2="58111" y2="61731"/>
-                        <a14:backgroundMark x1="58111" y1="61731" x2="58111" y2="61731"/>
-                        <a14:backgroundMark x1="58111" y1="61346" x2="58111" y2="61346"/>
-                        <a14:backgroundMark x1="58000" y1="61346" x2="58000" y2="61346"/>
-                        <a14:backgroundMark x1="57778" y1="61346" x2="57778" y2="61346"/>
-                        <a14:backgroundMark x1="34889" y1="86346" x2="34889" y2="86346"/>
-                        <a14:backgroundMark x1="34667" y1="86923" x2="34667" y2="86923"/>
-                        <a14:backgroundMark x1="34667" y1="86731" x2="34667" y2="86731"/>
-                        <a14:backgroundMark x1="34000" y1="85385" x2="34000" y2="85385"/>
-                        <a14:backgroundMark x1="34000" y1="85000" x2="34000" y2="85000"/>
-                        <a14:backgroundMark x1="33889" y1="84808" x2="33889" y2="84808"/>
-                        <a14:backgroundMark x1="34000" y1="84808" x2="34000" y2="84808"/>
-                        <a14:backgroundMark x1="34556" y1="85000" x2="34556" y2="85000"/>
-                        <a14:backgroundMark x1="34333" y1="85000" x2="34333" y2="85000"/>
-                        <a14:backgroundMark x1="34222" y1="85000" x2="34222" y2="85000"/>
-                        <a14:backgroundMark x1="34222" y1="84808" x2="34222" y2="84808"/>
-                        <a14:backgroundMark x1="34000" y1="85000" x2="34000" y2="85000"/>
-                        <a14:backgroundMark x1="34000" y1="85000" x2="34000" y2="85000"/>
-                        <a14:backgroundMark x1="34000" y1="84231" x2="34556" y2="86346"/>
-                        <a14:backgroundMark x1="45667" y1="61154" x2="44222" y2="61346"/>
-                        <a14:backgroundMark x1="49778" y1="17500" x2="50000" y2="15962"/>
-                      </a14:backgroundRemoval>
-                    </a14:imgEffect>
-                  </a14:imgLayer>
-                </a14:imgProps>
-              </a:ext>
-              <a:ext uri="{28A0092B-C50C-407E-A947-70E740481C1C}">
-                <a14:useLocalDpi xmlns:a14="http://schemas.microsoft.com/office/drawing/2010/main" val="0"/>
-              </a:ext>
-            </a:extLst>
-          </a:blip>
-          <a:srcRect/>
-          <a:stretch>
-            <a:fillRect/>
-          </a:stretch>
-        </p:blipFill>
-        <p:spPr bwMode="auto">
-          <a:xfrm>
-            <a:off x="8389967" y="4172740"/>
-            <a:ext cx="3048714" cy="1761479"/>
-          </a:xfrm>
-          <a:prstGeom prst="rect">
-            <a:avLst/>
-          </a:prstGeom>
-          <a:noFill/>
-          <a:extLst>
-            <a:ext uri="{909E8E84-426E-40DD-AFC4-6F175D3DCCD1}">
-              <a14:hiddenFill xmlns:a14="http://schemas.microsoft.com/office/drawing/2010/main">
-                <a:solidFill>
-                  <a:srgbClr val="FFFFFF"/>
-                </a:solidFill>
-              </a14:hiddenFill>
-            </a:ext>
-          </a:extLst>
-        </p:spPr>
-      </p:pic>
       <p:sp>
         <p:nvSpPr>
           <p:cNvPr id="16" name="Seta: para Cima 15">
@@ -15315,49 +12598,92 @@
       </p:sp>
       <p:pic>
         <p:nvPicPr>
-          <p:cNvPr id="4102" name="Picture 6" descr="Resultado de imagem para icone estadio">
-            <a:extLst>
-              <a:ext uri="{FF2B5EF4-FFF2-40B4-BE49-F238E27FC236}">
-                <a16:creationId xmlns:a16="http://schemas.microsoft.com/office/drawing/2014/main" id="{3A22C69A-02F4-4D5A-9C11-D4E2569AFF9C}"/>
-              </a:ext>
-            </a:extLst>
-          </p:cNvPr>
+          <p:cNvPr id="3" name="Imagem 2"/>
           <p:cNvPicPr>
-            <a:picLocks noChangeAspect="1" noChangeArrowheads="1"/>
+            <a:picLocks noChangeAspect="1"/>
           </p:cNvPicPr>
           <p:nvPr/>
         </p:nvPicPr>
         <p:blipFill>
-          <a:blip r:embed="rId10">
+          <a:blip r:embed="rId6">
             <a:extLst>
               <a:ext uri="{28A0092B-C50C-407E-A947-70E740481C1C}">
                 <a14:useLocalDpi xmlns:a14="http://schemas.microsoft.com/office/drawing/2010/main" val="0"/>
               </a:ext>
             </a:extLst>
           </a:blip>
-          <a:srcRect/>
           <a:stretch>
             <a:fillRect/>
           </a:stretch>
         </p:blipFill>
-        <p:spPr bwMode="auto">
+        <p:spPr>
           <a:xfrm>
-            <a:off x="4914968" y="2968281"/>
-            <a:ext cx="2414374" cy="2414374"/>
+            <a:off x="581568" y="3431451"/>
+            <a:ext cx="3088888" cy="3080823"/>
           </a:xfrm>
           <a:prstGeom prst="rect">
             <a:avLst/>
           </a:prstGeom>
-          <a:noFill/>
-          <a:extLst>
-            <a:ext uri="{909E8E84-426E-40DD-AFC4-6F175D3DCCD1}">
-              <a14:hiddenFill xmlns:a14="http://schemas.microsoft.com/office/drawing/2010/main">
-                <a:solidFill>
-                  <a:srgbClr val="FFFFFF"/>
-                </a:solidFill>
-              </a14:hiddenFill>
-            </a:ext>
-          </a:extLst>
+        </p:spPr>
+      </p:pic>
+      <p:pic>
+        <p:nvPicPr>
+          <p:cNvPr id="4" name="Imagem 3"/>
+          <p:cNvPicPr>
+            <a:picLocks noChangeAspect="1"/>
+          </p:cNvPicPr>
+          <p:nvPr/>
+        </p:nvPicPr>
+        <p:blipFill>
+          <a:blip r:embed="rId7">
+            <a:extLst>
+              <a:ext uri="{28A0092B-C50C-407E-A947-70E740481C1C}">
+                <a14:useLocalDpi xmlns:a14="http://schemas.microsoft.com/office/drawing/2010/main" val="0"/>
+              </a:ext>
+            </a:extLst>
+          </a:blip>
+          <a:stretch>
+            <a:fillRect/>
+          </a:stretch>
+        </p:blipFill>
+        <p:spPr>
+          <a:xfrm>
+            <a:off x="4827085" y="3068780"/>
+            <a:ext cx="2555759" cy="2555759"/>
+          </a:xfrm>
+          <a:prstGeom prst="rect">
+            <a:avLst/>
+          </a:prstGeom>
+        </p:spPr>
+      </p:pic>
+      <p:pic>
+        <p:nvPicPr>
+          <p:cNvPr id="9" name="Imagem 8"/>
+          <p:cNvPicPr>
+            <a:picLocks noChangeAspect="1"/>
+          </p:cNvPicPr>
+          <p:nvPr/>
+        </p:nvPicPr>
+        <p:blipFill>
+          <a:blip r:embed="rId8">
+            <a:extLst>
+              <a:ext uri="{28A0092B-C50C-407E-A947-70E740481C1C}">
+                <a14:useLocalDpi xmlns:a14="http://schemas.microsoft.com/office/drawing/2010/main" val="0"/>
+              </a:ext>
+            </a:extLst>
+          </a:blip>
+          <a:stretch>
+            <a:fillRect/>
+          </a:stretch>
+        </p:blipFill>
+        <p:spPr>
+          <a:xfrm>
+            <a:off x="8605753" y="4094015"/>
+            <a:ext cx="3668094" cy="2112822"/>
+          </a:xfrm>
+          <a:prstGeom prst="rect">
+            <a:avLst/>
+          </a:prstGeom>
         </p:spPr>
       </p:pic>
     </p:spTree>
@@ -15564,7 +12890,7 @@
                             </p:stCondLst>
                             <p:childTnLst>
                               <p:par>
-                                <p:cTn id="17" presetID="10" presetClass="entr" presetSubtype="0" fill="hold" nodeType="afterEffect">
+                                <p:cTn id="17" presetID="10" presetClass="entr" presetSubtype="0" fill="hold" grpId="0" nodeType="afterEffect">
                                   <p:stCondLst>
                                     <p:cond delay="0"/>
                                   </p:stCondLst>
@@ -15572,120 +12898,6 @@
                                     <p:set>
                                       <p:cBhvr>
                                         <p:cTn id="18" dur="1" fill="hold">
-                                          <p:stCondLst>
-                                            <p:cond delay="0"/>
-                                          </p:stCondLst>
-                                        </p:cTn>
-                                        <p:tgtEl>
-                                          <p:spTgt spid="12"/>
-                                        </p:tgtEl>
-                                        <p:attrNameLst>
-                                          <p:attrName>style.visibility</p:attrName>
-                                        </p:attrNameLst>
-                                      </p:cBhvr>
-                                      <p:to>
-                                        <p:strVal val="visible"/>
-                                      </p:to>
-                                    </p:set>
-                                    <p:animEffect transition="in" filter="fade">
-                                      <p:cBhvr>
-                                        <p:cTn id="19" dur="500"/>
-                                        <p:tgtEl>
-                                          <p:spTgt spid="12"/>
-                                        </p:tgtEl>
-                                      </p:cBhvr>
-                                    </p:animEffect>
-                                  </p:childTnLst>
-                                </p:cTn>
-                              </p:par>
-                              <p:par>
-                                <p:cTn id="20" presetID="10" presetClass="entr" presetSubtype="0" fill="hold" nodeType="withEffect">
-                                  <p:stCondLst>
-                                    <p:cond delay="0"/>
-                                  </p:stCondLst>
-                                  <p:childTnLst>
-                                    <p:set>
-                                      <p:cBhvr>
-                                        <p:cTn id="21" dur="1" fill="hold">
-                                          <p:stCondLst>
-                                            <p:cond delay="0"/>
-                                          </p:stCondLst>
-                                        </p:cTn>
-                                        <p:tgtEl>
-                                          <p:spTgt spid="4102"/>
-                                        </p:tgtEl>
-                                        <p:attrNameLst>
-                                          <p:attrName>style.visibility</p:attrName>
-                                        </p:attrNameLst>
-                                      </p:cBhvr>
-                                      <p:to>
-                                        <p:strVal val="visible"/>
-                                      </p:to>
-                                    </p:set>
-                                    <p:animEffect transition="in" filter="fade">
-                                      <p:cBhvr>
-                                        <p:cTn id="22" dur="500"/>
-                                        <p:tgtEl>
-                                          <p:spTgt spid="4102"/>
-                                        </p:tgtEl>
-                                      </p:cBhvr>
-                                    </p:animEffect>
-                                  </p:childTnLst>
-                                </p:cTn>
-                              </p:par>
-                              <p:par>
-                                <p:cTn id="23" presetID="10" presetClass="entr" presetSubtype="0" fill="hold" nodeType="withEffect">
-                                  <p:stCondLst>
-                                    <p:cond delay="0"/>
-                                  </p:stCondLst>
-                                  <p:childTnLst>
-                                    <p:set>
-                                      <p:cBhvr>
-                                        <p:cTn id="24" dur="1" fill="hold">
-                                          <p:stCondLst>
-                                            <p:cond delay="0"/>
-                                          </p:stCondLst>
-                                        </p:cTn>
-                                        <p:tgtEl>
-                                          <p:spTgt spid="4104"/>
-                                        </p:tgtEl>
-                                        <p:attrNameLst>
-                                          <p:attrName>style.visibility</p:attrName>
-                                        </p:attrNameLst>
-                                      </p:cBhvr>
-                                      <p:to>
-                                        <p:strVal val="visible"/>
-                                      </p:to>
-                                    </p:set>
-                                    <p:animEffect transition="in" filter="fade">
-                                      <p:cBhvr>
-                                        <p:cTn id="25" dur="500"/>
-                                        <p:tgtEl>
-                                          <p:spTgt spid="4104"/>
-                                        </p:tgtEl>
-                                      </p:cBhvr>
-                                    </p:animEffect>
-                                  </p:childTnLst>
-                                </p:cTn>
-                              </p:par>
-                            </p:childTnLst>
-                          </p:cTn>
-                        </p:par>
-                        <p:par>
-                          <p:cTn id="26" fill="hold">
-                            <p:stCondLst>
-                              <p:cond delay="2250"/>
-                            </p:stCondLst>
-                            <p:childTnLst>
-                              <p:par>
-                                <p:cTn id="27" presetID="10" presetClass="entr" presetSubtype="0" fill="hold" grpId="0" nodeType="afterEffect">
-                                  <p:stCondLst>
-                                    <p:cond delay="0"/>
-                                  </p:stCondLst>
-                                  <p:childTnLst>
-                                    <p:set>
-                                      <p:cBhvr>
-                                        <p:cTn id="28" dur="1" fill="hold">
                                           <p:stCondLst>
                                             <p:cond delay="0"/>
                                           </p:stCondLst>
@@ -15703,7 +12915,7 @@
                                     </p:set>
                                     <p:animEffect transition="in" filter="fade">
                                       <p:cBhvr>
-                                        <p:cTn id="29" dur="500"/>
+                                        <p:cTn id="19" dur="500"/>
                                         <p:tgtEl>
                                           <p:spTgt spid="16"/>
                                         </p:tgtEl>
@@ -15713,14 +12925,14 @@
                                 </p:cTn>
                               </p:par>
                               <p:par>
-                                <p:cTn id="30" presetID="10" presetClass="entr" presetSubtype="0" fill="hold" grpId="0" nodeType="withEffect">
+                                <p:cTn id="20" presetID="10" presetClass="entr" presetSubtype="0" fill="hold" grpId="0" nodeType="withEffect">
                                   <p:stCondLst>
                                     <p:cond delay="0"/>
                                   </p:stCondLst>
                                   <p:childTnLst>
                                     <p:set>
                                       <p:cBhvr>
-                                        <p:cTn id="31" dur="1" fill="hold">
+                                        <p:cTn id="21" dur="1" fill="hold">
                                           <p:stCondLst>
                                             <p:cond delay="0"/>
                                           </p:stCondLst>
@@ -15738,7 +12950,7 @@
                                     </p:set>
                                     <p:animEffect transition="in" filter="fade">
                                       <p:cBhvr>
-                                        <p:cTn id="32" dur="500"/>
+                                        <p:cTn id="22" dur="500"/>
                                         <p:tgtEl>
                                           <p:spTgt spid="22"/>
                                         </p:tgtEl>
@@ -15748,14 +12960,14 @@
                                 </p:cTn>
                               </p:par>
                               <p:par>
-                                <p:cTn id="33" presetID="10" presetClass="entr" presetSubtype="0" fill="hold" grpId="0" nodeType="withEffect">
+                                <p:cTn id="23" presetID="10" presetClass="entr" presetSubtype="0" fill="hold" grpId="0" nodeType="withEffect">
                                   <p:stCondLst>
                                     <p:cond delay="0"/>
                                   </p:stCondLst>
                                   <p:childTnLst>
                                     <p:set>
                                       <p:cBhvr>
-                                        <p:cTn id="34" dur="1" fill="hold">
+                                        <p:cTn id="24" dur="1" fill="hold">
                                           <p:stCondLst>
                                             <p:cond delay="0"/>
                                           </p:stCondLst>
@@ -15773,9 +12985,141 @@
                                     </p:set>
                                     <p:animEffect transition="in" filter="fade">
                                       <p:cBhvr>
-                                        <p:cTn id="35" dur="500"/>
+                                        <p:cTn id="25" dur="500"/>
                                         <p:tgtEl>
                                           <p:spTgt spid="23"/>
+                                        </p:tgtEl>
+                                      </p:cBhvr>
+                                    </p:animEffect>
+                                  </p:childTnLst>
+                                </p:cTn>
+                              </p:par>
+                            </p:childTnLst>
+                          </p:cTn>
+                        </p:par>
+                        <p:par>
+                          <p:cTn id="26" fill="hold">
+                            <p:stCondLst>
+                              <p:cond delay="2250"/>
+                            </p:stCondLst>
+                            <p:childTnLst>
+                              <p:par>
+                                <p:cTn id="27" presetID="10" presetClass="entr" presetSubtype="0" fill="hold" nodeType="afterEffect">
+                                  <p:stCondLst>
+                                    <p:cond delay="0"/>
+                                  </p:stCondLst>
+                                  <p:childTnLst>
+                                    <p:set>
+                                      <p:cBhvr>
+                                        <p:cTn id="28" dur="1" fill="hold">
+                                          <p:stCondLst>
+                                            <p:cond delay="0"/>
+                                          </p:stCondLst>
+                                        </p:cTn>
+                                        <p:tgtEl>
+                                          <p:spTgt spid="9"/>
+                                        </p:tgtEl>
+                                        <p:attrNameLst>
+                                          <p:attrName>style.visibility</p:attrName>
+                                        </p:attrNameLst>
+                                      </p:cBhvr>
+                                      <p:to>
+                                        <p:strVal val="visible"/>
+                                      </p:to>
+                                    </p:set>
+                                    <p:animEffect transition="in" filter="fade">
+                                      <p:cBhvr>
+                                        <p:cTn id="29" dur="750"/>
+                                        <p:tgtEl>
+                                          <p:spTgt spid="9"/>
+                                        </p:tgtEl>
+                                      </p:cBhvr>
+                                    </p:animEffect>
+                                  </p:childTnLst>
+                                </p:cTn>
+                              </p:par>
+                            </p:childTnLst>
+                          </p:cTn>
+                        </p:par>
+                        <p:par>
+                          <p:cTn id="30" fill="hold">
+                            <p:stCondLst>
+                              <p:cond delay="3000"/>
+                            </p:stCondLst>
+                            <p:childTnLst>
+                              <p:par>
+                                <p:cTn id="31" presetID="10" presetClass="entr" presetSubtype="0" fill="hold" nodeType="afterEffect">
+                                  <p:stCondLst>
+                                    <p:cond delay="0"/>
+                                  </p:stCondLst>
+                                  <p:childTnLst>
+                                    <p:set>
+                                      <p:cBhvr>
+                                        <p:cTn id="32" dur="1" fill="hold">
+                                          <p:stCondLst>
+                                            <p:cond delay="0"/>
+                                          </p:stCondLst>
+                                        </p:cTn>
+                                        <p:tgtEl>
+                                          <p:spTgt spid="4"/>
+                                        </p:tgtEl>
+                                        <p:attrNameLst>
+                                          <p:attrName>style.visibility</p:attrName>
+                                        </p:attrNameLst>
+                                      </p:cBhvr>
+                                      <p:to>
+                                        <p:strVal val="visible"/>
+                                      </p:to>
+                                    </p:set>
+                                    <p:animEffect transition="in" filter="fade">
+                                      <p:cBhvr>
+                                        <p:cTn id="33" dur="750"/>
+                                        <p:tgtEl>
+                                          <p:spTgt spid="4"/>
+                                        </p:tgtEl>
+                                      </p:cBhvr>
+                                    </p:animEffect>
+                                  </p:childTnLst>
+                                </p:cTn>
+                              </p:par>
+                            </p:childTnLst>
+                          </p:cTn>
+                        </p:par>
+                        <p:par>
+                          <p:cTn id="34" fill="hold">
+                            <p:stCondLst>
+                              <p:cond delay="3750"/>
+                            </p:stCondLst>
+                            <p:childTnLst>
+                              <p:par>
+                                <p:cTn id="35" presetID="10" presetClass="entr" presetSubtype="0" fill="hold" nodeType="afterEffect">
+                                  <p:stCondLst>
+                                    <p:cond delay="0"/>
+                                  </p:stCondLst>
+                                  <p:childTnLst>
+                                    <p:set>
+                                      <p:cBhvr>
+                                        <p:cTn id="36" dur="1" fill="hold">
+                                          <p:stCondLst>
+                                            <p:cond delay="0"/>
+                                          </p:stCondLst>
+                                        </p:cTn>
+                                        <p:tgtEl>
+                                          <p:spTgt spid="3"/>
+                                        </p:tgtEl>
+                                        <p:attrNameLst>
+                                          <p:attrName>style.visibility</p:attrName>
+                                        </p:attrNameLst>
+                                      </p:cBhvr>
+                                      <p:to>
+                                        <p:strVal val="visible"/>
+                                      </p:to>
+                                    </p:set>
+                                    <p:animEffect transition="in" filter="fade">
+                                      <p:cBhvr>
+                                        <p:cTn id="37" dur="750"/>
+                                        <p:tgtEl>
+                                          <p:spTgt spid="3"/>
                                         </p:tgtEl>
                                       </p:cBhvr>
                                     </p:animEffect>
@@ -15814,6 +13158,3192 @@
       <p:bldP spid="22" grpId="0" animBg="1"/>
       <p:bldP spid="23" grpId="0" animBg="1"/>
     </p:bldLst>
+  </p:timing>
+</p:sld>
+</file>
+
+<file path=ppt/slides/slide7.xml><?xml version="1.0" encoding="utf-8"?>
+<p:sld xmlns:a="http://schemas.openxmlformats.org/drawingml/2006/main" xmlns:r="http://schemas.openxmlformats.org/officeDocument/2006/relationships" xmlns:p="http://schemas.openxmlformats.org/presentationml/2006/main">
+  <p:cSld>
+    <p:spTree>
+      <p:nvGrpSpPr>
+        <p:cNvPr id="1" name=""/>
+        <p:cNvGrpSpPr/>
+        <p:nvPr/>
+      </p:nvGrpSpPr>
+      <p:grpSpPr>
+        <a:xfrm>
+          <a:off x="0" y="0"/>
+          <a:ext cx="0" cy="0"/>
+          <a:chOff x="0" y="0"/>
+          <a:chExt cx="0" cy="0"/>
+        </a:xfrm>
+      </p:grpSpPr>
+      <p:pic>
+        <p:nvPicPr>
+          <p:cNvPr id="2" name="Imagem 1"/>
+          <p:cNvPicPr>
+            <a:picLocks noChangeAspect="1"/>
+          </p:cNvPicPr>
+          <p:nvPr/>
+        </p:nvPicPr>
+        <p:blipFill>
+          <a:blip r:embed="rId3">
+            <a:extLst>
+              <a:ext uri="{28A0092B-C50C-407E-A947-70E740481C1C}">
+                <a14:useLocalDpi xmlns:a14="http://schemas.microsoft.com/office/drawing/2010/main" val="0"/>
+              </a:ext>
+            </a:extLst>
+          </a:blip>
+          <a:stretch>
+            <a:fillRect/>
+          </a:stretch>
+        </p:blipFill>
+        <p:spPr>
+          <a:xfrm>
+            <a:off x="0" y="-1"/>
+            <a:ext cx="12209930" cy="6858001"/>
+          </a:xfrm>
+          <a:prstGeom prst="rect">
+            <a:avLst/>
+          </a:prstGeom>
+        </p:spPr>
+      </p:pic>
+      <p:sp>
+        <p:nvSpPr>
+          <p:cNvPr id="8" name="Retângulo 7">
+            <a:extLst>
+              <a:ext uri="{FF2B5EF4-FFF2-40B4-BE49-F238E27FC236}">
+                <a16:creationId xmlns:a16="http://schemas.microsoft.com/office/drawing/2014/main" id="{9D5FCB53-619F-4073-A221-97F44453968A}"/>
+              </a:ext>
+            </a:extLst>
+          </p:cNvPr>
+          <p:cNvSpPr/>
+          <p:nvPr/>
+        </p:nvSpPr>
+        <p:spPr>
+          <a:xfrm>
+            <a:off x="133350" y="133350"/>
+            <a:ext cx="11830050" cy="6477000"/>
+          </a:xfrm>
+          <a:prstGeom prst="rect">
+            <a:avLst/>
+          </a:prstGeom>
+          <a:solidFill>
+            <a:schemeClr val="bg1">
+              <a:alpha val="60000"/>
+            </a:schemeClr>
+          </a:solidFill>
+          <a:ln>
+            <a:solidFill>
+              <a:schemeClr val="tx1"/>
+            </a:solidFill>
+          </a:ln>
+        </p:spPr>
+        <p:style>
+          <a:lnRef idx="2">
+            <a:schemeClr val="accent1">
+              <a:shade val="50000"/>
+            </a:schemeClr>
+          </a:lnRef>
+          <a:fillRef idx="1">
+            <a:schemeClr val="accent1"/>
+          </a:fillRef>
+          <a:effectRef idx="0">
+            <a:schemeClr val="accent1"/>
+          </a:effectRef>
+          <a:fontRef idx="minor">
+            <a:schemeClr val="lt1"/>
+          </a:fontRef>
+        </p:style>
+        <p:txBody>
+          <a:bodyPr rtlCol="0" anchor="ctr"/>
+          <a:lstStyle/>
+          <a:p>
+            <a:pPr algn="ctr"/>
+            <a:endParaRPr lang="pt-BR"/>
+          </a:p>
+        </p:txBody>
+      </p:sp>
+      <p:sp>
+        <p:nvSpPr>
+          <p:cNvPr id="7" name="Título 1">
+            <a:extLst>
+              <a:ext uri="{FF2B5EF4-FFF2-40B4-BE49-F238E27FC236}">
+                <a16:creationId xmlns:a16="http://schemas.microsoft.com/office/drawing/2014/main" id="{2CCFA28F-5876-417E-9869-6E46E0A7C9FB}"/>
+              </a:ext>
+            </a:extLst>
+          </p:cNvPr>
+          <p:cNvSpPr txBox="1">
+            <a:spLocks/>
+          </p:cNvSpPr>
+          <p:nvPr/>
+        </p:nvSpPr>
+        <p:spPr>
+          <a:xfrm>
+            <a:off x="4319442" y="3274793"/>
+            <a:ext cx="6019800" cy="1143000"/>
+          </a:xfrm>
+          <a:prstGeom prst="rect">
+            <a:avLst/>
+          </a:prstGeom>
+          <a:effectLst/>
+        </p:spPr>
+        <p:txBody>
+          <a:bodyPr vert="horz" lIns="91440" tIns="45720" rIns="91440" bIns="45720" rtlCol="0" anchor="b">
+            <a:normAutofit/>
+          </a:bodyPr>
+          <a:lstStyle>
+            <a:lvl1pPr algn="l" defTabSz="457200" rtl="0" eaLnBrk="1" latinLnBrk="0" hangingPunct="1">
+              <a:spcBef>
+                <a:spcPct val="0"/>
+              </a:spcBef>
+              <a:buNone/>
+              <a:defRPr sz="2800" b="0" kern="1200" cap="all">
+                <a:ln w="3175" cmpd="sng">
+                  <a:noFill/>
+                </a:ln>
+                <a:solidFill>
+                  <a:schemeClr val="tx1"/>
+                </a:solidFill>
+                <a:effectLst/>
+                <a:latin typeface="+mj-lt"/>
+                <a:ea typeface="+mj-ea"/>
+                <a:cs typeface="+mj-cs"/>
+              </a:defRPr>
+            </a:lvl1pPr>
+            <a:lvl2pPr eaLnBrk="1" hangingPunct="1">
+              <a:defRPr>
+                <a:solidFill>
+                  <a:schemeClr val="tx2"/>
+                </a:solidFill>
+              </a:defRPr>
+            </a:lvl2pPr>
+            <a:lvl3pPr eaLnBrk="1" hangingPunct="1">
+              <a:defRPr>
+                <a:solidFill>
+                  <a:schemeClr val="tx2"/>
+                </a:solidFill>
+              </a:defRPr>
+            </a:lvl3pPr>
+            <a:lvl4pPr eaLnBrk="1" hangingPunct="1">
+              <a:defRPr>
+                <a:solidFill>
+                  <a:schemeClr val="tx2"/>
+                </a:solidFill>
+              </a:defRPr>
+            </a:lvl4pPr>
+            <a:lvl5pPr eaLnBrk="1" hangingPunct="1">
+              <a:defRPr>
+                <a:solidFill>
+                  <a:schemeClr val="tx2"/>
+                </a:solidFill>
+              </a:defRPr>
+            </a:lvl5pPr>
+            <a:lvl6pPr eaLnBrk="1" hangingPunct="1">
+              <a:defRPr>
+                <a:solidFill>
+                  <a:schemeClr val="tx2"/>
+                </a:solidFill>
+              </a:defRPr>
+            </a:lvl6pPr>
+            <a:lvl7pPr eaLnBrk="1" hangingPunct="1">
+              <a:defRPr>
+                <a:solidFill>
+                  <a:schemeClr val="tx2"/>
+                </a:solidFill>
+              </a:defRPr>
+            </a:lvl7pPr>
+            <a:lvl8pPr eaLnBrk="1" hangingPunct="1">
+              <a:defRPr>
+                <a:solidFill>
+                  <a:schemeClr val="tx2"/>
+                </a:solidFill>
+              </a:defRPr>
+            </a:lvl8pPr>
+            <a:lvl9pPr eaLnBrk="1" hangingPunct="1">
+              <a:defRPr>
+                <a:solidFill>
+                  <a:schemeClr val="tx2"/>
+                </a:solidFill>
+              </a:defRPr>
+            </a:lvl9pPr>
+          </a:lstStyle>
+          <a:p>
+            <a:endParaRPr lang="pt-BR"/>
+          </a:p>
+        </p:txBody>
+      </p:sp>
+      <p:sp>
+        <p:nvSpPr>
+          <p:cNvPr id="5" name="TextBox 4">
+            <a:extLst>
+              <a:ext uri="{FF2B5EF4-FFF2-40B4-BE49-F238E27FC236}">
+                <a16:creationId xmlns:a16="http://schemas.microsoft.com/office/drawing/2014/main" id="{D1A22EB6-ACB2-4685-90A5-13582D538BA2}"/>
+              </a:ext>
+            </a:extLst>
+          </p:cNvPr>
+          <p:cNvSpPr txBox="1"/>
+          <p:nvPr/>
+        </p:nvSpPr>
+        <p:spPr>
+          <a:xfrm>
+            <a:off x="5209310" y="6206837"/>
+            <a:ext cx="2743200" cy="400110"/>
+          </a:xfrm>
+          <a:prstGeom prst="rect">
+            <a:avLst/>
+          </a:prstGeom>
+          <a:noFill/>
+        </p:spPr>
+        <p:txBody>
+          <a:bodyPr rot="0" spcFirstLastPara="0" vertOverflow="overflow" horzOverflow="overflow" vert="horz" wrap="square" lIns="91440" tIns="45720" rIns="91440" bIns="45720" numCol="1" spcCol="0" rtlCol="0" fromWordArt="0" anchor="t" anchorCtr="0" forceAA="0" compatLnSpc="1">
+            <a:prstTxWarp prst="textNoShape">
+              <a:avLst/>
+            </a:prstTxWarp>
+            <a:spAutoFit/>
+          </a:bodyPr>
+          <a:lstStyle/>
+          <a:p>
+            <a:pPr algn="l"/>
+            <a:r>
+              <a:rPr lang="en-US" sz="2000" b="1"/>
+              <a:t>PARKING</a:t>
+            </a:r>
+            <a:r>
+              <a:rPr lang="en-US" sz="2000" b="1">
+                <a:solidFill>
+                  <a:srgbClr val="FF0000"/>
+                </a:solidFill>
+              </a:rPr>
+              <a:t>6</a:t>
+            </a:r>
+          </a:p>
+        </p:txBody>
+      </p:sp>
+      <p:sp>
+        <p:nvSpPr>
+          <p:cNvPr id="17" name="Espaço Reservado para Texto 3">
+            <a:extLst>
+              <a:ext uri="{FF2B5EF4-FFF2-40B4-BE49-F238E27FC236}">
+                <a16:creationId xmlns:a16="http://schemas.microsoft.com/office/drawing/2014/main" id="{28751E7D-1541-47D6-8C4F-6564D1BD2E46}"/>
+              </a:ext>
+            </a:extLst>
+          </p:cNvPr>
+          <p:cNvSpPr txBox="1">
+            <a:spLocks/>
+          </p:cNvSpPr>
+          <p:nvPr/>
+        </p:nvSpPr>
+        <p:spPr>
+          <a:xfrm>
+            <a:off x="4582679" y="1847258"/>
+            <a:ext cx="6021388" cy="1945192"/>
+          </a:xfrm>
+          <a:prstGeom prst="rect">
+            <a:avLst/>
+          </a:prstGeom>
+        </p:spPr>
+        <p:txBody>
+          <a:bodyPr vert="horz" lIns="91440" tIns="45720" rIns="91440" bIns="45720" rtlCol="0" anchor="t">
+            <a:normAutofit/>
+          </a:bodyPr>
+          <a:lstStyle>
+            <a:lvl1pPr marL="0" indent="0" algn="l" defTabSz="457200" rtl="0" eaLnBrk="1" latinLnBrk="0" hangingPunct="1">
+              <a:spcBef>
+                <a:spcPct val="20000"/>
+              </a:spcBef>
+              <a:spcAft>
+                <a:spcPts val="600"/>
+              </a:spcAft>
+              <a:buClr>
+                <a:schemeClr val="tx1"/>
+              </a:buClr>
+              <a:buSzPct val="80000"/>
+              <a:buFont typeface="Wingdings 3" panose="05040102010807070707" pitchFamily="18" charset="2"/>
+              <a:buNone/>
+              <a:defRPr sz="1800" kern="1200" cap="none">
+                <a:solidFill>
+                  <a:schemeClr val="bg2">
+                    <a:lumMod val="75000"/>
+                  </a:schemeClr>
+                </a:solidFill>
+                <a:effectLst/>
+                <a:latin typeface="+mn-lt"/>
+                <a:ea typeface="+mn-ea"/>
+                <a:cs typeface="+mn-cs"/>
+              </a:defRPr>
+            </a:lvl1pPr>
+            <a:lvl2pPr marL="457200" indent="0" algn="l" defTabSz="457200" rtl="0" eaLnBrk="1" latinLnBrk="0" hangingPunct="1">
+              <a:spcBef>
+                <a:spcPct val="20000"/>
+              </a:spcBef>
+              <a:spcAft>
+                <a:spcPts val="600"/>
+              </a:spcAft>
+              <a:buClr>
+                <a:schemeClr val="tx1"/>
+              </a:buClr>
+              <a:buSzPct val="80000"/>
+              <a:buFont typeface="Wingdings 3" panose="05040102010807070707" pitchFamily="18" charset="2"/>
+              <a:buNone/>
+              <a:defRPr sz="1200" kern="1200" cap="none">
+                <a:solidFill>
+                  <a:schemeClr val="bg2">
+                    <a:lumMod val="75000"/>
+                  </a:schemeClr>
+                </a:solidFill>
+                <a:effectLst/>
+                <a:latin typeface="+mn-lt"/>
+                <a:ea typeface="+mn-ea"/>
+                <a:cs typeface="+mn-cs"/>
+              </a:defRPr>
+            </a:lvl2pPr>
+            <a:lvl3pPr marL="914400" indent="0" algn="l" defTabSz="457200" rtl="0" eaLnBrk="1" latinLnBrk="0" hangingPunct="1">
+              <a:spcBef>
+                <a:spcPct val="20000"/>
+              </a:spcBef>
+              <a:spcAft>
+                <a:spcPts val="600"/>
+              </a:spcAft>
+              <a:buClr>
+                <a:schemeClr val="tx1"/>
+              </a:buClr>
+              <a:buSzPct val="80000"/>
+              <a:buFont typeface="Wingdings 3" panose="05040102010807070707" pitchFamily="18" charset="2"/>
+              <a:buNone/>
+              <a:defRPr sz="1000" kern="1200" cap="none">
+                <a:solidFill>
+                  <a:schemeClr val="bg2">
+                    <a:lumMod val="75000"/>
+                  </a:schemeClr>
+                </a:solidFill>
+                <a:effectLst/>
+                <a:latin typeface="+mn-lt"/>
+                <a:ea typeface="+mn-ea"/>
+                <a:cs typeface="+mn-cs"/>
+              </a:defRPr>
+            </a:lvl3pPr>
+            <a:lvl4pPr marL="1371600" indent="0" algn="l" defTabSz="457200" rtl="0" eaLnBrk="1" latinLnBrk="0" hangingPunct="1">
+              <a:spcBef>
+                <a:spcPct val="20000"/>
+              </a:spcBef>
+              <a:spcAft>
+                <a:spcPts val="600"/>
+              </a:spcAft>
+              <a:buClr>
+                <a:schemeClr val="tx1"/>
+              </a:buClr>
+              <a:buSzPct val="80000"/>
+              <a:buFont typeface="Wingdings 3" panose="05040102010807070707" pitchFamily="18" charset="2"/>
+              <a:buNone/>
+              <a:defRPr sz="900" kern="1200" cap="none">
+                <a:solidFill>
+                  <a:schemeClr val="bg2">
+                    <a:lumMod val="75000"/>
+                  </a:schemeClr>
+                </a:solidFill>
+                <a:effectLst/>
+                <a:latin typeface="+mn-lt"/>
+                <a:ea typeface="+mn-ea"/>
+                <a:cs typeface="+mn-cs"/>
+              </a:defRPr>
+            </a:lvl4pPr>
+            <a:lvl5pPr marL="1828800" indent="0" algn="l" defTabSz="457200" rtl="0" eaLnBrk="1" latinLnBrk="0" hangingPunct="1">
+              <a:spcBef>
+                <a:spcPct val="20000"/>
+              </a:spcBef>
+              <a:spcAft>
+                <a:spcPts val="600"/>
+              </a:spcAft>
+              <a:buClr>
+                <a:schemeClr val="tx1"/>
+              </a:buClr>
+              <a:buSzPct val="80000"/>
+              <a:buFont typeface="Wingdings 3" panose="05040102010807070707" pitchFamily="18" charset="2"/>
+              <a:buNone/>
+              <a:defRPr sz="900" kern="1200" cap="none">
+                <a:solidFill>
+                  <a:schemeClr val="bg2">
+                    <a:lumMod val="75000"/>
+                  </a:schemeClr>
+                </a:solidFill>
+                <a:effectLst/>
+                <a:latin typeface="+mn-lt"/>
+                <a:ea typeface="+mn-ea"/>
+                <a:cs typeface="+mn-cs"/>
+              </a:defRPr>
+            </a:lvl5pPr>
+            <a:lvl6pPr marL="2286000" indent="0" algn="l" defTabSz="457200" rtl="0" eaLnBrk="1" latinLnBrk="0" hangingPunct="1">
+              <a:spcBef>
+                <a:spcPct val="20000"/>
+              </a:spcBef>
+              <a:spcAft>
+                <a:spcPts val="600"/>
+              </a:spcAft>
+              <a:buClr>
+                <a:schemeClr val="tx1"/>
+              </a:buClr>
+              <a:buSzPct val="80000"/>
+              <a:buFont typeface="Wingdings 3" panose="05040102010807070707" pitchFamily="18" charset="2"/>
+              <a:buNone/>
+              <a:defRPr sz="900" kern="1200" cap="none">
+                <a:solidFill>
+                  <a:schemeClr val="bg2">
+                    <a:lumMod val="75000"/>
+                  </a:schemeClr>
+                </a:solidFill>
+                <a:effectLst/>
+                <a:latin typeface="+mn-lt"/>
+                <a:ea typeface="+mn-ea"/>
+                <a:cs typeface="+mn-cs"/>
+              </a:defRPr>
+            </a:lvl6pPr>
+            <a:lvl7pPr marL="2743200" indent="0" algn="l" defTabSz="457200" rtl="0" eaLnBrk="1" latinLnBrk="0" hangingPunct="1">
+              <a:spcBef>
+                <a:spcPct val="20000"/>
+              </a:spcBef>
+              <a:spcAft>
+                <a:spcPts val="600"/>
+              </a:spcAft>
+              <a:buClr>
+                <a:schemeClr val="tx1"/>
+              </a:buClr>
+              <a:buSzPct val="80000"/>
+              <a:buFont typeface="Wingdings 3" panose="05040102010807070707" pitchFamily="18" charset="2"/>
+              <a:buNone/>
+              <a:defRPr sz="900" kern="1200" cap="none">
+                <a:solidFill>
+                  <a:schemeClr val="bg2">
+                    <a:lumMod val="75000"/>
+                  </a:schemeClr>
+                </a:solidFill>
+                <a:effectLst/>
+                <a:latin typeface="+mn-lt"/>
+                <a:ea typeface="+mn-ea"/>
+                <a:cs typeface="+mn-cs"/>
+              </a:defRPr>
+            </a:lvl7pPr>
+            <a:lvl8pPr marL="3200400" indent="0" algn="l" defTabSz="457200" rtl="0" eaLnBrk="1" latinLnBrk="0" hangingPunct="1">
+              <a:spcBef>
+                <a:spcPct val="20000"/>
+              </a:spcBef>
+              <a:spcAft>
+                <a:spcPts val="600"/>
+              </a:spcAft>
+              <a:buClr>
+                <a:schemeClr val="tx1"/>
+              </a:buClr>
+              <a:buSzPct val="80000"/>
+              <a:buFont typeface="Wingdings 3" panose="05040102010807070707" pitchFamily="18" charset="2"/>
+              <a:buNone/>
+              <a:defRPr sz="900" kern="1200" cap="none">
+                <a:solidFill>
+                  <a:schemeClr val="bg2">
+                    <a:lumMod val="75000"/>
+                  </a:schemeClr>
+                </a:solidFill>
+                <a:effectLst/>
+                <a:latin typeface="+mn-lt"/>
+                <a:ea typeface="+mn-ea"/>
+                <a:cs typeface="+mn-cs"/>
+              </a:defRPr>
+            </a:lvl8pPr>
+            <a:lvl9pPr marL="3657600" indent="0" algn="l" defTabSz="457200" rtl="0" eaLnBrk="1" latinLnBrk="0" hangingPunct="1">
+              <a:spcBef>
+                <a:spcPct val="20000"/>
+              </a:spcBef>
+              <a:spcAft>
+                <a:spcPts val="600"/>
+              </a:spcAft>
+              <a:buClr>
+                <a:schemeClr val="tx1"/>
+              </a:buClr>
+              <a:buSzPct val="80000"/>
+              <a:buFont typeface="Wingdings 3" panose="05040102010807070707" pitchFamily="18" charset="2"/>
+              <a:buNone/>
+              <a:defRPr sz="900" kern="1200" cap="none">
+                <a:solidFill>
+                  <a:schemeClr val="bg2">
+                    <a:lumMod val="75000"/>
+                  </a:schemeClr>
+                </a:solidFill>
+                <a:effectLst/>
+                <a:latin typeface="+mn-lt"/>
+                <a:ea typeface="+mn-ea"/>
+                <a:cs typeface="+mn-cs"/>
+              </a:defRPr>
+            </a:lvl9pPr>
+          </a:lstStyle>
+          <a:p>
+            <a:endParaRPr lang="en-US" sz="2000">
+              <a:solidFill>
+                <a:schemeClr val="tx1"/>
+              </a:solidFill>
+            </a:endParaRPr>
+          </a:p>
+        </p:txBody>
+      </p:sp>
+      <p:pic>
+        <p:nvPicPr>
+          <p:cNvPr id="1026" name="Picture 2" descr="solução.png"/>
+          <p:cNvPicPr>
+            <a:picLocks noChangeAspect="1" noChangeArrowheads="1"/>
+          </p:cNvPicPr>
+          <p:nvPr/>
+        </p:nvPicPr>
+        <p:blipFill rotWithShape="1">
+          <a:blip r:embed="rId4">
+            <a:extLst>
+              <a:ext uri="{BEBA8EAE-BF5A-486C-A8C5-ECC9F3942E4B}">
+                <a14:imgProps xmlns:a14="http://schemas.microsoft.com/office/drawing/2010/main">
+                  <a14:imgLayer r:embed="rId5">
+                    <a14:imgEffect>
+                      <a14:backgroundRemoval t="0" b="100000" l="0" r="100000">
+                        <a14:foregroundMark x1="7510" y1="11390" x2="13043" y2="17568"/>
+                        <a14:foregroundMark x1="38999" y1="18919" x2="52042" y2="12741"/>
+                        <a14:foregroundMark x1="47167" y1="16795" x2="44928" y2="8108"/>
+                        <a14:foregroundMark x1="75626" y1="20270" x2="87352" y2="15444"/>
+                        <a14:foregroundMark x1="14361" y1="70656" x2="11067" y2="49228"/>
+                        <a14:foregroundMark x1="32806" y1="62741" x2="32806" y2="62741"/>
+                        <a14:foregroundMark x1="34519" y1="16023" x2="34519" y2="16023"/>
+                        <a14:foregroundMark x1="65613" y1="16795" x2="65613" y2="16795"/>
+                        <a14:foregroundMark x1="74440" y1="32046" x2="74440" y2="32046"/>
+                        <a14:foregroundMark x1="49012" y1="65830" x2="46904" y2="53282"/>
+                        <a14:foregroundMark x1="82345" y1="22973" x2="84848" y2="7529"/>
+                        <a14:foregroundMark x1="79842" y1="8108" x2="88011" y2="23359"/>
+                        <a14:foregroundMark x1="87879" y1="18340" x2="85639" y2="4826"/>
+                        <a14:foregroundMark x1="79842" y1="6178" x2="79842" y2="6178"/>
+                      </a14:backgroundRemoval>
+                    </a14:imgEffect>
+                  </a14:imgLayer>
+                </a14:imgProps>
+              </a:ext>
+              <a:ext uri="{28A0092B-C50C-407E-A947-70E740481C1C}">
+                <a14:useLocalDpi xmlns:a14="http://schemas.microsoft.com/office/drawing/2010/main" val="0"/>
+              </a:ext>
+            </a:extLst>
+          </a:blip>
+          <a:srcRect l="37361" t="49457" r="44225" b="22471"/>
+          <a:stretch/>
+        </p:blipFill>
+        <p:spPr bwMode="auto">
+          <a:xfrm>
+            <a:off x="4896673" y="3544688"/>
+            <a:ext cx="2186868" cy="2275229"/>
+          </a:xfrm>
+          <a:prstGeom prst="rect">
+            <a:avLst/>
+          </a:prstGeom>
+          <a:ln w="12700" cap="sq">
+            <a:noFill/>
+            <a:miter lim="800000"/>
+          </a:ln>
+          <a:effectLst>
+            <a:outerShdw blurRad="57150" dist="50800" dir="2700000" algn="tl" rotWithShape="0">
+              <a:srgbClr val="000000">
+                <a:alpha val="40000"/>
+              </a:srgbClr>
+            </a:outerShdw>
+          </a:effectLst>
+          <a:extLst>
+            <a:ext uri="{909E8E84-426E-40DD-AFC4-6F175D3DCCD1}">
+              <a14:hiddenFill xmlns:a14="http://schemas.microsoft.com/office/drawing/2010/main">
+                <a:solidFill>
+                  <a:srgbClr val="FFFFFF"/>
+                </a:solidFill>
+              </a14:hiddenFill>
+            </a:ext>
+          </a:extLst>
+        </p:spPr>
+      </p:pic>
+      <p:pic>
+        <p:nvPicPr>
+          <p:cNvPr id="15" name="Picture 2" descr="solução.png"/>
+          <p:cNvPicPr>
+            <a:picLocks noChangeAspect="1" noChangeArrowheads="1"/>
+          </p:cNvPicPr>
+          <p:nvPr/>
+        </p:nvPicPr>
+        <p:blipFill rotWithShape="1">
+          <a:blip r:embed="rId4">
+            <a:extLst>
+              <a:ext uri="{BEBA8EAE-BF5A-486C-A8C5-ECC9F3942E4B}">
+                <a14:imgProps xmlns:a14="http://schemas.microsoft.com/office/drawing/2010/main">
+                  <a14:imgLayer r:embed="rId5">
+                    <a14:imgEffect>
+                      <a14:backgroundRemoval t="0" b="100000" l="0" r="100000">
+                        <a14:foregroundMark x1="7510" y1="11390" x2="13043" y2="17568"/>
+                        <a14:foregroundMark x1="38999" y1="18919" x2="52042" y2="12741"/>
+                        <a14:foregroundMark x1="47167" y1="16795" x2="44928" y2="8108"/>
+                        <a14:foregroundMark x1="75626" y1="20270" x2="87352" y2="15444"/>
+                        <a14:foregroundMark x1="14361" y1="70656" x2="11067" y2="49228"/>
+                        <a14:foregroundMark x1="32806" y1="62741" x2="32806" y2="62741"/>
+                        <a14:foregroundMark x1="34519" y1="16023" x2="34519" y2="16023"/>
+                        <a14:foregroundMark x1="65613" y1="16795" x2="65613" y2="16795"/>
+                        <a14:foregroundMark x1="74440" y1="32046" x2="74440" y2="32046"/>
+                        <a14:foregroundMark x1="49012" y1="65830" x2="46904" y2="53282"/>
+                        <a14:foregroundMark x1="82345" y1="22973" x2="84848" y2="7529"/>
+                        <a14:foregroundMark x1="79842" y1="8108" x2="88011" y2="23359"/>
+                        <a14:foregroundMark x1="87879" y1="18340" x2="85639" y2="4826"/>
+                        <a14:foregroundMark x1="79842" y1="6178" x2="79842" y2="6178"/>
+                      </a14:backgroundRemoval>
+                    </a14:imgEffect>
+                  </a14:imgLayer>
+                </a14:imgProps>
+              </a:ext>
+              <a:ext uri="{28A0092B-C50C-407E-A947-70E740481C1C}">
+                <a14:useLocalDpi xmlns:a14="http://schemas.microsoft.com/office/drawing/2010/main" val="0"/>
+              </a:ext>
+            </a:extLst>
+          </a:blip>
+          <a:srcRect r="62434" b="69187"/>
+          <a:stretch/>
+        </p:blipFill>
+        <p:spPr bwMode="auto">
+          <a:xfrm>
+            <a:off x="640583" y="765383"/>
+            <a:ext cx="3748857" cy="2098549"/>
+          </a:xfrm>
+          <a:prstGeom prst="rect">
+            <a:avLst/>
+          </a:prstGeom>
+          <a:ln w="12700" cap="sq">
+            <a:noFill/>
+            <a:miter lim="800000"/>
+          </a:ln>
+          <a:effectLst>
+            <a:outerShdw blurRad="57150" dist="50800" dir="2700000" algn="tl" rotWithShape="0">
+              <a:srgbClr val="000000">
+                <a:alpha val="40000"/>
+              </a:srgbClr>
+            </a:outerShdw>
+          </a:effectLst>
+          <a:extLst>
+            <a:ext uri="{909E8E84-426E-40DD-AFC4-6F175D3DCCD1}">
+              <a14:hiddenFill xmlns:a14="http://schemas.microsoft.com/office/drawing/2010/main">
+                <a:solidFill>
+                  <a:srgbClr val="FFFFFF"/>
+                </a:solidFill>
+              </a14:hiddenFill>
+            </a:ext>
+          </a:extLst>
+        </p:spPr>
+      </p:pic>
+      <p:pic>
+        <p:nvPicPr>
+          <p:cNvPr id="18" name="Picture 2" descr="solução.png"/>
+          <p:cNvPicPr>
+            <a:picLocks noChangeAspect="1" noChangeArrowheads="1"/>
+          </p:cNvPicPr>
+          <p:nvPr/>
+        </p:nvPicPr>
+        <p:blipFill rotWithShape="1">
+          <a:blip r:embed="rId4">
+            <a:extLst>
+              <a:ext uri="{BEBA8EAE-BF5A-486C-A8C5-ECC9F3942E4B}">
+                <a14:imgProps xmlns:a14="http://schemas.microsoft.com/office/drawing/2010/main">
+                  <a14:imgLayer r:embed="rId5">
+                    <a14:imgEffect>
+                      <a14:backgroundRemoval t="0" b="100000" l="0" r="100000">
+                        <a14:foregroundMark x1="7510" y1="11390" x2="13043" y2="17568"/>
+                        <a14:foregroundMark x1="38999" y1="18919" x2="52042" y2="12741"/>
+                        <a14:foregroundMark x1="47167" y1="16795" x2="44928" y2="8108"/>
+                        <a14:foregroundMark x1="75626" y1="20270" x2="87352" y2="15444"/>
+                        <a14:foregroundMark x1="14361" y1="70656" x2="11067" y2="49228"/>
+                        <a14:foregroundMark x1="32806" y1="62741" x2="32806" y2="62741"/>
+                        <a14:foregroundMark x1="34519" y1="16023" x2="34519" y2="16023"/>
+                        <a14:foregroundMark x1="65613" y1="16795" x2="65613" y2="16795"/>
+                        <a14:foregroundMark x1="74440" y1="32046" x2="74440" y2="32046"/>
+                        <a14:foregroundMark x1="49012" y1="65830" x2="46904" y2="53282"/>
+                        <a14:foregroundMark x1="82345" y1="22973" x2="84848" y2="7529"/>
+                        <a14:foregroundMark x1="79842" y1="8108" x2="88011" y2="23359"/>
+                        <a14:foregroundMark x1="87879" y1="18340" x2="85639" y2="4826"/>
+                        <a14:foregroundMark x1="79842" y1="6178" x2="79842" y2="6178"/>
+                      </a14:backgroundRemoval>
+                    </a14:imgEffect>
+                  </a14:imgLayer>
+                </a14:imgProps>
+              </a:ext>
+              <a:ext uri="{28A0092B-C50C-407E-A947-70E740481C1C}">
+                <a14:useLocalDpi xmlns:a14="http://schemas.microsoft.com/office/drawing/2010/main" val="0"/>
+              </a:ext>
+            </a:extLst>
+          </a:blip>
+          <a:srcRect l="37682" t="2315" r="27681" b="67177"/>
+          <a:stretch/>
+        </p:blipFill>
+        <p:spPr bwMode="auto">
+          <a:xfrm>
+            <a:off x="4896673" y="838499"/>
+            <a:ext cx="3612874" cy="2171784"/>
+          </a:xfrm>
+          <a:prstGeom prst="rect">
+            <a:avLst/>
+          </a:prstGeom>
+          <a:ln w="12700" cap="sq">
+            <a:noFill/>
+            <a:miter lim="800000"/>
+          </a:ln>
+          <a:effectLst>
+            <a:outerShdw blurRad="57150" dist="50800" dir="2700000" algn="tl" rotWithShape="0">
+              <a:srgbClr val="000000">
+                <a:alpha val="40000"/>
+              </a:srgbClr>
+            </a:outerShdw>
+          </a:effectLst>
+          <a:extLst>
+            <a:ext uri="{909E8E84-426E-40DD-AFC4-6F175D3DCCD1}">
+              <a14:hiddenFill xmlns:a14="http://schemas.microsoft.com/office/drawing/2010/main">
+                <a:solidFill>
+                  <a:srgbClr val="FFFFFF"/>
+                </a:solidFill>
+              </a14:hiddenFill>
+            </a:ext>
+          </a:extLst>
+        </p:spPr>
+      </p:pic>
+      <p:pic>
+        <p:nvPicPr>
+          <p:cNvPr id="19" name="Picture 2" descr="solução.png"/>
+          <p:cNvPicPr>
+            <a:picLocks noChangeAspect="1" noChangeArrowheads="1"/>
+          </p:cNvPicPr>
+          <p:nvPr/>
+        </p:nvPicPr>
+        <p:blipFill rotWithShape="1">
+          <a:blip r:embed="rId4">
+            <a:extLst>
+              <a:ext uri="{BEBA8EAE-BF5A-486C-A8C5-ECC9F3942E4B}">
+                <a14:imgProps xmlns:a14="http://schemas.microsoft.com/office/drawing/2010/main">
+                  <a14:imgLayer r:embed="rId5">
+                    <a14:imgEffect>
+                      <a14:backgroundRemoval t="0" b="100000" l="0" r="100000">
+                        <a14:foregroundMark x1="7510" y1="11390" x2="13043" y2="17568"/>
+                        <a14:foregroundMark x1="38999" y1="18919" x2="52042" y2="12741"/>
+                        <a14:foregroundMark x1="47167" y1="16795" x2="44928" y2="8108"/>
+                        <a14:foregroundMark x1="75626" y1="20270" x2="87352" y2="15444"/>
+                        <a14:foregroundMark x1="14361" y1="70656" x2="11067" y2="49228"/>
+                        <a14:foregroundMark x1="32806" y1="62741" x2="32806" y2="62741"/>
+                        <a14:foregroundMark x1="34519" y1="16023" x2="34519" y2="16023"/>
+                        <a14:foregroundMark x1="65613" y1="16795" x2="65613" y2="16795"/>
+                        <a14:foregroundMark x1="74440" y1="32046" x2="74440" y2="32046"/>
+                        <a14:foregroundMark x1="49012" y1="65830" x2="46904" y2="53282"/>
+                        <a14:foregroundMark x1="82345" y1="22973" x2="84848" y2="7529"/>
+                        <a14:foregroundMark x1="79842" y1="8108" x2="88011" y2="23359"/>
+                        <a14:foregroundMark x1="87879" y1="18340" x2="85639" y2="4826"/>
+                        <a14:foregroundMark x1="79842" y1="6178" x2="79842" y2="6178"/>
+                      </a14:backgroundRemoval>
+                    </a14:imgEffect>
+                  </a14:imgLayer>
+                </a14:imgProps>
+              </a:ext>
+              <a:ext uri="{28A0092B-C50C-407E-A947-70E740481C1C}">
+                <a14:useLocalDpi xmlns:a14="http://schemas.microsoft.com/office/drawing/2010/main" val="0"/>
+              </a:ext>
+            </a:extLst>
+          </a:blip>
+          <a:srcRect l="71735" t="3741" r="8222" b="68887"/>
+          <a:stretch/>
+        </p:blipFill>
+        <p:spPr bwMode="auto">
+          <a:xfrm>
+            <a:off x="8823540" y="953016"/>
+            <a:ext cx="2050254" cy="1910916"/>
+          </a:xfrm>
+          <a:prstGeom prst="rect">
+            <a:avLst/>
+          </a:prstGeom>
+          <a:ln w="12700" cap="sq">
+            <a:noFill/>
+            <a:miter lim="800000"/>
+          </a:ln>
+          <a:effectLst>
+            <a:outerShdw blurRad="57150" dist="50800" dir="2700000" algn="tl" rotWithShape="0">
+              <a:srgbClr val="000000">
+                <a:alpha val="40000"/>
+              </a:srgbClr>
+            </a:outerShdw>
+          </a:effectLst>
+          <a:extLst>
+            <a:ext uri="{909E8E84-426E-40DD-AFC4-6F175D3DCCD1}">
+              <a14:hiddenFill xmlns:a14="http://schemas.microsoft.com/office/drawing/2010/main">
+                <a:solidFill>
+                  <a:srgbClr val="FFFFFF"/>
+                </a:solidFill>
+              </a14:hiddenFill>
+            </a:ext>
+          </a:extLst>
+        </p:spPr>
+      </p:pic>
+      <p:pic>
+        <p:nvPicPr>
+          <p:cNvPr id="20" name="Picture 2" descr="solução.png"/>
+          <p:cNvPicPr>
+            <a:picLocks noChangeAspect="1" noChangeArrowheads="1"/>
+          </p:cNvPicPr>
+          <p:nvPr/>
+        </p:nvPicPr>
+        <p:blipFill rotWithShape="1">
+          <a:blip r:embed="rId4">
+            <a:extLst>
+              <a:ext uri="{BEBA8EAE-BF5A-486C-A8C5-ECC9F3942E4B}">
+                <a14:imgProps xmlns:a14="http://schemas.microsoft.com/office/drawing/2010/main">
+                  <a14:imgLayer r:embed="rId5">
+                    <a14:imgEffect>
+                      <a14:backgroundRemoval t="0" b="100000" l="0" r="100000">
+                        <a14:foregroundMark x1="7510" y1="11390" x2="13043" y2="17568"/>
+                        <a14:foregroundMark x1="38999" y1="18919" x2="52042" y2="12741"/>
+                        <a14:foregroundMark x1="47167" y1="16795" x2="44928" y2="8108"/>
+                        <a14:foregroundMark x1="75626" y1="20270" x2="87352" y2="15444"/>
+                        <a14:foregroundMark x1="14361" y1="70656" x2="11067" y2="49228"/>
+                        <a14:foregroundMark x1="32806" y1="62741" x2="32806" y2="62741"/>
+                        <a14:foregroundMark x1="34519" y1="16023" x2="34519" y2="16023"/>
+                        <a14:foregroundMark x1="65613" y1="16795" x2="65613" y2="16795"/>
+                        <a14:foregroundMark x1="74440" y1="32046" x2="74440" y2="32046"/>
+                        <a14:foregroundMark x1="49012" y1="65830" x2="46904" y2="53282"/>
+                        <a14:foregroundMark x1="82345" y1="22973" x2="84848" y2="7529"/>
+                        <a14:foregroundMark x1="79842" y1="8108" x2="88011" y2="23359"/>
+                        <a14:foregroundMark x1="87879" y1="18340" x2="85639" y2="4826"/>
+                        <a14:foregroundMark x1="79842" y1="6178" x2="79842" y2="6178"/>
+                      </a14:backgroundRemoval>
+                    </a14:imgEffect>
+                  </a14:imgLayer>
+                </a14:imgProps>
+              </a:ext>
+              <a:ext uri="{28A0092B-C50C-407E-A947-70E740481C1C}">
+                <a14:useLocalDpi xmlns:a14="http://schemas.microsoft.com/office/drawing/2010/main" val="0"/>
+              </a:ext>
+            </a:extLst>
+          </a:blip>
+          <a:srcRect t="47364" r="62513" b="18137"/>
+          <a:stretch/>
+        </p:blipFill>
+        <p:spPr bwMode="auto">
+          <a:xfrm>
+            <a:off x="562787" y="3398631"/>
+            <a:ext cx="3953217" cy="2482945"/>
+          </a:xfrm>
+          <a:prstGeom prst="rect">
+            <a:avLst/>
+          </a:prstGeom>
+          <a:ln w="12700" cap="sq">
+            <a:noFill/>
+            <a:miter lim="800000"/>
+          </a:ln>
+          <a:effectLst>
+            <a:outerShdw blurRad="57150" dist="50800" dir="2700000" algn="tl" rotWithShape="0">
+              <a:srgbClr val="000000">
+                <a:alpha val="40000"/>
+              </a:srgbClr>
+            </a:outerShdw>
+          </a:effectLst>
+          <a:extLst>
+            <a:ext uri="{909E8E84-426E-40DD-AFC4-6F175D3DCCD1}">
+              <a14:hiddenFill xmlns:a14="http://schemas.microsoft.com/office/drawing/2010/main">
+                <a:solidFill>
+                  <a:srgbClr val="FFFFFF"/>
+                </a:solidFill>
+              </a14:hiddenFill>
+            </a:ext>
+          </a:extLst>
+        </p:spPr>
+      </p:pic>
+      <p:sp>
+        <p:nvSpPr>
+          <p:cNvPr id="3" name="CaixaDeTexto 2"/>
+          <p:cNvSpPr txBox="1"/>
+          <p:nvPr/>
+        </p:nvSpPr>
+        <p:spPr>
+          <a:xfrm>
+            <a:off x="394053" y="2443796"/>
+            <a:ext cx="2930286" cy="830997"/>
+          </a:xfrm>
+          <a:prstGeom prst="rect">
+            <a:avLst/>
+          </a:prstGeom>
+          <a:noFill/>
+        </p:spPr>
+        <p:txBody>
+          <a:bodyPr wrap="square" rtlCol="0">
+            <a:spAutoFit/>
+          </a:bodyPr>
+          <a:lstStyle/>
+          <a:p>
+            <a:pPr algn="ctr"/>
+            <a:r>
+              <a:rPr lang="pt-BR" sz="1600" b="1" dirty="0"/>
+              <a:t>Com ajuda de um sensor em cada vaga de estacionamento</a:t>
+            </a:r>
+            <a:endParaRPr lang="pt-BR" sz="1600" b="1" dirty="0"/>
+          </a:p>
+        </p:txBody>
+      </p:sp>
+      <p:sp>
+        <p:nvSpPr>
+          <p:cNvPr id="4" name="Retângulo 3"/>
+          <p:cNvSpPr/>
+          <p:nvPr/>
+        </p:nvSpPr>
+        <p:spPr>
+          <a:xfrm>
+            <a:off x="4312952" y="2507385"/>
+            <a:ext cx="3092416" cy="584775"/>
+          </a:xfrm>
+          <a:prstGeom prst="rect">
+            <a:avLst/>
+          </a:prstGeom>
+        </p:spPr>
+        <p:txBody>
+          <a:bodyPr wrap="square">
+            <a:spAutoFit/>
+          </a:bodyPr>
+          <a:lstStyle/>
+          <a:p>
+            <a:pPr algn="ctr"/>
+            <a:r>
+              <a:rPr lang="pt-BR" sz="1600" b="1" dirty="0" smtClean="0"/>
+              <a:t>Conseguimos captar se o carro está na vaga</a:t>
+            </a:r>
+            <a:endParaRPr lang="pt-BR" sz="1600" b="1" dirty="0"/>
+          </a:p>
+        </p:txBody>
+      </p:sp>
+      <p:sp>
+        <p:nvSpPr>
+          <p:cNvPr id="9" name="Retângulo 8"/>
+          <p:cNvSpPr/>
+          <p:nvPr/>
+        </p:nvSpPr>
+        <p:spPr>
+          <a:xfrm>
+            <a:off x="7864369" y="2491957"/>
+            <a:ext cx="4032994" cy="830997"/>
+          </a:xfrm>
+          <a:prstGeom prst="rect">
+            <a:avLst/>
+          </a:prstGeom>
+        </p:spPr>
+        <p:txBody>
+          <a:bodyPr wrap="square">
+            <a:spAutoFit/>
+          </a:bodyPr>
+          <a:lstStyle/>
+          <a:p>
+            <a:pPr algn="ctr"/>
+            <a:r>
+              <a:rPr lang="pt-BR" sz="1600" b="1" dirty="0" smtClean="0"/>
+              <a:t>Sabendo se o carro está na vaga podemos informar se ela está disponível</a:t>
+            </a:r>
+            <a:endParaRPr lang="pt-BR" sz="1600" b="1" dirty="0"/>
+          </a:p>
+        </p:txBody>
+      </p:sp>
+      <p:sp>
+        <p:nvSpPr>
+          <p:cNvPr id="10" name="Retângulo 9"/>
+          <p:cNvSpPr/>
+          <p:nvPr/>
+        </p:nvSpPr>
+        <p:spPr>
+          <a:xfrm>
+            <a:off x="294661" y="5174378"/>
+            <a:ext cx="3215021" cy="584775"/>
+          </a:xfrm>
+          <a:prstGeom prst="rect">
+            <a:avLst/>
+          </a:prstGeom>
+        </p:spPr>
+        <p:txBody>
+          <a:bodyPr wrap="square">
+            <a:spAutoFit/>
+          </a:bodyPr>
+          <a:lstStyle/>
+          <a:p>
+            <a:pPr algn="ctr"/>
+            <a:r>
+              <a:rPr lang="pt-BR" sz="1600" b="1" dirty="0" smtClean="0"/>
+              <a:t>É possível fazer a verificação das vagas pelo site</a:t>
+            </a:r>
+            <a:endParaRPr lang="pt-BR" sz="1600" b="1" dirty="0"/>
+          </a:p>
+        </p:txBody>
+      </p:sp>
+      <p:sp>
+        <p:nvSpPr>
+          <p:cNvPr id="11" name="Retângulo 10"/>
+          <p:cNvSpPr/>
+          <p:nvPr/>
+        </p:nvSpPr>
+        <p:spPr>
+          <a:xfrm>
+            <a:off x="4088468" y="5158380"/>
+            <a:ext cx="4032994" cy="1077218"/>
+          </a:xfrm>
+          <a:prstGeom prst="rect">
+            <a:avLst/>
+          </a:prstGeom>
+        </p:spPr>
+        <p:txBody>
+          <a:bodyPr wrap="square">
+            <a:spAutoFit/>
+          </a:bodyPr>
+          <a:lstStyle/>
+          <a:p>
+            <a:pPr algn="ctr"/>
+            <a:r>
+              <a:rPr lang="pt-BR" sz="1600" b="1" dirty="0" smtClean="0"/>
+              <a:t>Com os dados obtidos com o sensor, podemos gerar um gráfico com as estatísticas de quantos carros ocupando o estacionamento</a:t>
+            </a:r>
+            <a:endParaRPr lang="pt-BR" sz="1600" b="1" dirty="0"/>
+          </a:p>
+        </p:txBody>
+      </p:sp>
+    </p:spTree>
+    <p:extLst>
+      <p:ext uri="{BB962C8B-B14F-4D97-AF65-F5344CB8AC3E}">
+        <p14:creationId xmlns:p14="http://schemas.microsoft.com/office/powerpoint/2010/main" val="110134926"/>
+      </p:ext>
+    </p:extLst>
+  </p:cSld>
+  <p:clrMapOvr>
+    <a:masterClrMapping/>
+  </p:clrMapOvr>
+  <mc:AlternateContent xmlns:mc="http://schemas.openxmlformats.org/markup-compatibility/2006" xmlns:p14="http://schemas.microsoft.com/office/powerpoint/2010/main">
+    <mc:Choice Requires="p14">
+      <p:transition spd="med" p14:dur="700">
+        <p:fade/>
+      </p:transition>
+    </mc:Choice>
+    <mc:Fallback xmlns="">
+      <p:transition spd="med">
+        <p:fade/>
+      </p:transition>
+    </mc:Fallback>
+  </mc:AlternateContent>
+  <p:timing>
+    <p:tnLst>
+      <p:par>
+        <p:cTn id="1" dur="indefinite" restart="never" nodeType="tmRoot">
+          <p:childTnLst>
+            <p:seq concurrent="1" nextAc="seek">
+              <p:cTn id="2" dur="indefinite" nodeType="mainSeq">
+                <p:childTnLst>
+                  <p:par>
+                    <p:cTn id="3" fill="hold">
+                      <p:stCondLst>
+                        <p:cond delay="indefinite"/>
+                        <p:cond evt="onBegin" delay="0">
+                          <p:tn val="2"/>
+                        </p:cond>
+                      </p:stCondLst>
+                      <p:childTnLst>
+                        <p:par>
+                          <p:cTn id="4" fill="hold">
+                            <p:stCondLst>
+                              <p:cond delay="0"/>
+                            </p:stCondLst>
+                            <p:childTnLst>
+                              <p:par>
+                                <p:cTn id="5" presetID="10" presetClass="entr" presetSubtype="0" fill="hold" nodeType="afterEffect" nodePh="1">
+                                  <p:stCondLst>
+                                    <p:cond delay="0"/>
+                                  </p:stCondLst>
+                                  <p:endCondLst>
+                                    <p:cond evt="begin" delay="0">
+                                      <p:tn val="5"/>
+                                    </p:cond>
+                                  </p:endCondLst>
+                                  <p:childTnLst>
+                                    <p:set>
+                                      <p:cBhvr>
+                                        <p:cTn id="6" dur="1" fill="hold">
+                                          <p:stCondLst>
+                                            <p:cond delay="0"/>
+                                          </p:stCondLst>
+                                        </p:cTn>
+                                        <p:tgtEl>
+                                          <p:spTgt spid="7">
+                                            <p:txEl>
+                                              <p:pRg st="0" end="0"/>
+                                            </p:txEl>
+                                          </p:spTgt>
+                                        </p:tgtEl>
+                                        <p:attrNameLst>
+                                          <p:attrName>style.visibility</p:attrName>
+                                        </p:attrNameLst>
+                                      </p:cBhvr>
+                                      <p:to>
+                                        <p:strVal val="visible"/>
+                                      </p:to>
+                                    </p:set>
+                                    <p:animEffect transition="in" filter="fade">
+                                      <p:cBhvr>
+                                        <p:cTn id="7" dur="500"/>
+                                        <p:tgtEl>
+                                          <p:spTgt spid="7">
+                                            <p:txEl>
+                                              <p:pRg st="0" end="0"/>
+                                            </p:txEl>
+                                          </p:spTgt>
+                                        </p:tgtEl>
+                                      </p:cBhvr>
+                                    </p:animEffect>
+                                  </p:childTnLst>
+                                </p:cTn>
+                              </p:par>
+                            </p:childTnLst>
+                          </p:cTn>
+                        </p:par>
+                        <p:par>
+                          <p:cTn id="8" fill="hold">
+                            <p:stCondLst>
+                              <p:cond delay="500"/>
+                            </p:stCondLst>
+                            <p:childTnLst>
+                              <p:par>
+                                <p:cTn id="9" presetID="10" presetClass="entr" presetSubtype="0" fill="hold" nodeType="afterEffect" nodePh="1">
+                                  <p:stCondLst>
+                                    <p:cond delay="0"/>
+                                  </p:stCondLst>
+                                  <p:endCondLst>
+                                    <p:cond evt="begin" delay="0">
+                                      <p:tn val="9"/>
+                                    </p:cond>
+                                  </p:endCondLst>
+                                  <p:childTnLst>
+                                    <p:set>
+                                      <p:cBhvr>
+                                        <p:cTn id="10" dur="1" fill="hold">
+                                          <p:stCondLst>
+                                            <p:cond delay="0"/>
+                                          </p:stCondLst>
+                                        </p:cTn>
+                                        <p:tgtEl>
+                                          <p:spTgt spid="17">
+                                            <p:txEl>
+                                              <p:pRg st="0" end="0"/>
+                                            </p:txEl>
+                                          </p:spTgt>
+                                        </p:tgtEl>
+                                        <p:attrNameLst>
+                                          <p:attrName>style.visibility</p:attrName>
+                                        </p:attrNameLst>
+                                      </p:cBhvr>
+                                      <p:to>
+                                        <p:strVal val="visible"/>
+                                      </p:to>
+                                    </p:set>
+                                    <p:animEffect transition="in" filter="fade">
+                                      <p:cBhvr>
+                                        <p:cTn id="11" dur="500"/>
+                                        <p:tgtEl>
+                                          <p:spTgt spid="17">
+                                            <p:txEl>
+                                              <p:pRg st="0" end="0"/>
+                                            </p:txEl>
+                                          </p:spTgt>
+                                        </p:tgtEl>
+                                      </p:cBhvr>
+                                    </p:animEffect>
+                                  </p:childTnLst>
+                                </p:cTn>
+                              </p:par>
+                            </p:childTnLst>
+                          </p:cTn>
+                        </p:par>
+                        <p:par>
+                          <p:cTn id="12" fill="hold">
+                            <p:stCondLst>
+                              <p:cond delay="1000"/>
+                            </p:stCondLst>
+                            <p:childTnLst>
+                              <p:par>
+                                <p:cTn id="13" presetID="10" presetClass="entr" presetSubtype="0" fill="hold" nodeType="afterEffect">
+                                  <p:stCondLst>
+                                    <p:cond delay="0"/>
+                                  </p:stCondLst>
+                                  <p:childTnLst>
+                                    <p:set>
+                                      <p:cBhvr>
+                                        <p:cTn id="14" dur="1" fill="hold">
+                                          <p:stCondLst>
+                                            <p:cond delay="0"/>
+                                          </p:stCondLst>
+                                        </p:cTn>
+                                        <p:tgtEl>
+                                          <p:spTgt spid="15"/>
+                                        </p:tgtEl>
+                                        <p:attrNameLst>
+                                          <p:attrName>style.visibility</p:attrName>
+                                        </p:attrNameLst>
+                                      </p:cBhvr>
+                                      <p:to>
+                                        <p:strVal val="visible"/>
+                                      </p:to>
+                                    </p:set>
+                                    <p:animEffect transition="in" filter="fade">
+                                      <p:cBhvr>
+                                        <p:cTn id="15" dur="500"/>
+                                        <p:tgtEl>
+                                          <p:spTgt spid="15"/>
+                                        </p:tgtEl>
+                                      </p:cBhvr>
+                                    </p:animEffect>
+                                  </p:childTnLst>
+                                </p:cTn>
+                              </p:par>
+                            </p:childTnLst>
+                          </p:cTn>
+                        </p:par>
+                        <p:par>
+                          <p:cTn id="16" fill="hold">
+                            <p:stCondLst>
+                              <p:cond delay="1500"/>
+                            </p:stCondLst>
+                            <p:childTnLst>
+                              <p:par>
+                                <p:cTn id="17" presetID="10" presetClass="entr" presetSubtype="0" fill="hold" nodeType="afterEffect">
+                                  <p:stCondLst>
+                                    <p:cond delay="0"/>
+                                  </p:stCondLst>
+                                  <p:childTnLst>
+                                    <p:set>
+                                      <p:cBhvr>
+                                        <p:cTn id="18" dur="1" fill="hold">
+                                          <p:stCondLst>
+                                            <p:cond delay="0"/>
+                                          </p:stCondLst>
+                                        </p:cTn>
+                                        <p:tgtEl>
+                                          <p:spTgt spid="3">
+                                            <p:txEl>
+                                              <p:pRg st="0" end="0"/>
+                                            </p:txEl>
+                                          </p:spTgt>
+                                        </p:tgtEl>
+                                        <p:attrNameLst>
+                                          <p:attrName>style.visibility</p:attrName>
+                                        </p:attrNameLst>
+                                      </p:cBhvr>
+                                      <p:to>
+                                        <p:strVal val="visible"/>
+                                      </p:to>
+                                    </p:set>
+                                    <p:animEffect transition="in" filter="fade">
+                                      <p:cBhvr>
+                                        <p:cTn id="19" dur="500"/>
+                                        <p:tgtEl>
+                                          <p:spTgt spid="3">
+                                            <p:txEl>
+                                              <p:pRg st="0" end="0"/>
+                                            </p:txEl>
+                                          </p:spTgt>
+                                        </p:tgtEl>
+                                      </p:cBhvr>
+                                    </p:animEffect>
+                                  </p:childTnLst>
+                                </p:cTn>
+                              </p:par>
+                            </p:childTnLst>
+                          </p:cTn>
+                        </p:par>
+                        <p:par>
+                          <p:cTn id="20" fill="hold">
+                            <p:stCondLst>
+                              <p:cond delay="2000"/>
+                            </p:stCondLst>
+                            <p:childTnLst>
+                              <p:par>
+                                <p:cTn id="21" presetID="10" presetClass="entr" presetSubtype="0" fill="hold" nodeType="afterEffect">
+                                  <p:stCondLst>
+                                    <p:cond delay="0"/>
+                                  </p:stCondLst>
+                                  <p:childTnLst>
+                                    <p:set>
+                                      <p:cBhvr>
+                                        <p:cTn id="22" dur="1" fill="hold">
+                                          <p:stCondLst>
+                                            <p:cond delay="0"/>
+                                          </p:stCondLst>
+                                        </p:cTn>
+                                        <p:tgtEl>
+                                          <p:spTgt spid="18"/>
+                                        </p:tgtEl>
+                                        <p:attrNameLst>
+                                          <p:attrName>style.visibility</p:attrName>
+                                        </p:attrNameLst>
+                                      </p:cBhvr>
+                                      <p:to>
+                                        <p:strVal val="visible"/>
+                                      </p:to>
+                                    </p:set>
+                                    <p:animEffect transition="in" filter="fade">
+                                      <p:cBhvr>
+                                        <p:cTn id="23" dur="500"/>
+                                        <p:tgtEl>
+                                          <p:spTgt spid="18"/>
+                                        </p:tgtEl>
+                                      </p:cBhvr>
+                                    </p:animEffect>
+                                  </p:childTnLst>
+                                </p:cTn>
+                              </p:par>
+                            </p:childTnLst>
+                          </p:cTn>
+                        </p:par>
+                        <p:par>
+                          <p:cTn id="24" fill="hold">
+                            <p:stCondLst>
+                              <p:cond delay="2500"/>
+                            </p:stCondLst>
+                            <p:childTnLst>
+                              <p:par>
+                                <p:cTn id="25" presetID="10" presetClass="entr" presetSubtype="0" fill="hold" grpId="0" nodeType="afterEffect">
+                                  <p:stCondLst>
+                                    <p:cond delay="0"/>
+                                  </p:stCondLst>
+                                  <p:childTnLst>
+                                    <p:set>
+                                      <p:cBhvr>
+                                        <p:cTn id="26" dur="1" fill="hold">
+                                          <p:stCondLst>
+                                            <p:cond delay="0"/>
+                                          </p:stCondLst>
+                                        </p:cTn>
+                                        <p:tgtEl>
+                                          <p:spTgt spid="4"/>
+                                        </p:tgtEl>
+                                        <p:attrNameLst>
+                                          <p:attrName>style.visibility</p:attrName>
+                                        </p:attrNameLst>
+                                      </p:cBhvr>
+                                      <p:to>
+                                        <p:strVal val="visible"/>
+                                      </p:to>
+                                    </p:set>
+                                    <p:animEffect transition="in" filter="fade">
+                                      <p:cBhvr>
+                                        <p:cTn id="27" dur="500"/>
+                                        <p:tgtEl>
+                                          <p:spTgt spid="4"/>
+                                        </p:tgtEl>
+                                      </p:cBhvr>
+                                    </p:animEffect>
+                                  </p:childTnLst>
+                                </p:cTn>
+                              </p:par>
+                            </p:childTnLst>
+                          </p:cTn>
+                        </p:par>
+                        <p:par>
+                          <p:cTn id="28" fill="hold">
+                            <p:stCondLst>
+                              <p:cond delay="3000"/>
+                            </p:stCondLst>
+                            <p:childTnLst>
+                              <p:par>
+                                <p:cTn id="29" presetID="10" presetClass="entr" presetSubtype="0" fill="hold" nodeType="afterEffect">
+                                  <p:stCondLst>
+                                    <p:cond delay="0"/>
+                                  </p:stCondLst>
+                                  <p:childTnLst>
+                                    <p:set>
+                                      <p:cBhvr>
+                                        <p:cTn id="30" dur="1" fill="hold">
+                                          <p:stCondLst>
+                                            <p:cond delay="0"/>
+                                          </p:stCondLst>
+                                        </p:cTn>
+                                        <p:tgtEl>
+                                          <p:spTgt spid="19"/>
+                                        </p:tgtEl>
+                                        <p:attrNameLst>
+                                          <p:attrName>style.visibility</p:attrName>
+                                        </p:attrNameLst>
+                                      </p:cBhvr>
+                                      <p:to>
+                                        <p:strVal val="visible"/>
+                                      </p:to>
+                                    </p:set>
+                                    <p:animEffect transition="in" filter="fade">
+                                      <p:cBhvr>
+                                        <p:cTn id="31" dur="500"/>
+                                        <p:tgtEl>
+                                          <p:spTgt spid="19"/>
+                                        </p:tgtEl>
+                                      </p:cBhvr>
+                                    </p:animEffect>
+                                  </p:childTnLst>
+                                </p:cTn>
+                              </p:par>
+                            </p:childTnLst>
+                          </p:cTn>
+                        </p:par>
+                        <p:par>
+                          <p:cTn id="32" fill="hold">
+                            <p:stCondLst>
+                              <p:cond delay="3500"/>
+                            </p:stCondLst>
+                            <p:childTnLst>
+                              <p:par>
+                                <p:cTn id="33" presetID="10" presetClass="entr" presetSubtype="0" fill="hold" nodeType="afterEffect">
+                                  <p:stCondLst>
+                                    <p:cond delay="0"/>
+                                  </p:stCondLst>
+                                  <p:childTnLst>
+                                    <p:set>
+                                      <p:cBhvr>
+                                        <p:cTn id="34" dur="1" fill="hold">
+                                          <p:stCondLst>
+                                            <p:cond delay="0"/>
+                                          </p:stCondLst>
+                                        </p:cTn>
+                                        <p:tgtEl>
+                                          <p:spTgt spid="9">
+                                            <p:txEl>
+                                              <p:pRg st="0" end="0"/>
+                                            </p:txEl>
+                                          </p:spTgt>
+                                        </p:tgtEl>
+                                        <p:attrNameLst>
+                                          <p:attrName>style.visibility</p:attrName>
+                                        </p:attrNameLst>
+                                      </p:cBhvr>
+                                      <p:to>
+                                        <p:strVal val="visible"/>
+                                      </p:to>
+                                    </p:set>
+                                    <p:animEffect transition="in" filter="fade">
+                                      <p:cBhvr>
+                                        <p:cTn id="35" dur="500"/>
+                                        <p:tgtEl>
+                                          <p:spTgt spid="9">
+                                            <p:txEl>
+                                              <p:pRg st="0" end="0"/>
+                                            </p:txEl>
+                                          </p:spTgt>
+                                        </p:tgtEl>
+                                      </p:cBhvr>
+                                    </p:animEffect>
+                                  </p:childTnLst>
+                                </p:cTn>
+                              </p:par>
+                            </p:childTnLst>
+                          </p:cTn>
+                        </p:par>
+                        <p:par>
+                          <p:cTn id="36" fill="hold">
+                            <p:stCondLst>
+                              <p:cond delay="4000"/>
+                            </p:stCondLst>
+                            <p:childTnLst>
+                              <p:par>
+                                <p:cTn id="37" presetID="10" presetClass="entr" presetSubtype="0" fill="hold" nodeType="afterEffect">
+                                  <p:stCondLst>
+                                    <p:cond delay="0"/>
+                                  </p:stCondLst>
+                                  <p:childTnLst>
+                                    <p:set>
+                                      <p:cBhvr>
+                                        <p:cTn id="38" dur="1" fill="hold">
+                                          <p:stCondLst>
+                                            <p:cond delay="0"/>
+                                          </p:stCondLst>
+                                        </p:cTn>
+                                        <p:tgtEl>
+                                          <p:spTgt spid="20"/>
+                                        </p:tgtEl>
+                                        <p:attrNameLst>
+                                          <p:attrName>style.visibility</p:attrName>
+                                        </p:attrNameLst>
+                                      </p:cBhvr>
+                                      <p:to>
+                                        <p:strVal val="visible"/>
+                                      </p:to>
+                                    </p:set>
+                                    <p:animEffect transition="in" filter="fade">
+                                      <p:cBhvr>
+                                        <p:cTn id="39" dur="500"/>
+                                        <p:tgtEl>
+                                          <p:spTgt spid="20"/>
+                                        </p:tgtEl>
+                                      </p:cBhvr>
+                                    </p:animEffect>
+                                  </p:childTnLst>
+                                </p:cTn>
+                              </p:par>
+                            </p:childTnLst>
+                          </p:cTn>
+                        </p:par>
+                        <p:par>
+                          <p:cTn id="40" fill="hold">
+                            <p:stCondLst>
+                              <p:cond delay="4500"/>
+                            </p:stCondLst>
+                            <p:childTnLst>
+                              <p:par>
+                                <p:cTn id="41" presetID="10" presetClass="entr" presetSubtype="0" fill="hold" nodeType="afterEffect">
+                                  <p:stCondLst>
+                                    <p:cond delay="0"/>
+                                  </p:stCondLst>
+                                  <p:childTnLst>
+                                    <p:set>
+                                      <p:cBhvr>
+                                        <p:cTn id="42" dur="1" fill="hold">
+                                          <p:stCondLst>
+                                            <p:cond delay="0"/>
+                                          </p:stCondLst>
+                                        </p:cTn>
+                                        <p:tgtEl>
+                                          <p:spTgt spid="10">
+                                            <p:txEl>
+                                              <p:pRg st="0" end="0"/>
+                                            </p:txEl>
+                                          </p:spTgt>
+                                        </p:tgtEl>
+                                        <p:attrNameLst>
+                                          <p:attrName>style.visibility</p:attrName>
+                                        </p:attrNameLst>
+                                      </p:cBhvr>
+                                      <p:to>
+                                        <p:strVal val="visible"/>
+                                      </p:to>
+                                    </p:set>
+                                    <p:animEffect transition="in" filter="fade">
+                                      <p:cBhvr>
+                                        <p:cTn id="43" dur="500"/>
+                                        <p:tgtEl>
+                                          <p:spTgt spid="10">
+                                            <p:txEl>
+                                              <p:pRg st="0" end="0"/>
+                                            </p:txEl>
+                                          </p:spTgt>
+                                        </p:tgtEl>
+                                      </p:cBhvr>
+                                    </p:animEffect>
+                                  </p:childTnLst>
+                                </p:cTn>
+                              </p:par>
+                            </p:childTnLst>
+                          </p:cTn>
+                        </p:par>
+                        <p:par>
+                          <p:cTn id="44" fill="hold">
+                            <p:stCondLst>
+                              <p:cond delay="5000"/>
+                            </p:stCondLst>
+                            <p:childTnLst>
+                              <p:par>
+                                <p:cTn id="45" presetID="10" presetClass="entr" presetSubtype="0" fill="hold" nodeType="afterEffect">
+                                  <p:stCondLst>
+                                    <p:cond delay="0"/>
+                                  </p:stCondLst>
+                                  <p:childTnLst>
+                                    <p:set>
+                                      <p:cBhvr>
+                                        <p:cTn id="46" dur="1" fill="hold">
+                                          <p:stCondLst>
+                                            <p:cond delay="0"/>
+                                          </p:stCondLst>
+                                        </p:cTn>
+                                        <p:tgtEl>
+                                          <p:spTgt spid="1026"/>
+                                        </p:tgtEl>
+                                        <p:attrNameLst>
+                                          <p:attrName>style.visibility</p:attrName>
+                                        </p:attrNameLst>
+                                      </p:cBhvr>
+                                      <p:to>
+                                        <p:strVal val="visible"/>
+                                      </p:to>
+                                    </p:set>
+                                    <p:animEffect transition="in" filter="fade">
+                                      <p:cBhvr>
+                                        <p:cTn id="47" dur="500"/>
+                                        <p:tgtEl>
+                                          <p:spTgt spid="1026"/>
+                                        </p:tgtEl>
+                                      </p:cBhvr>
+                                    </p:animEffect>
+                                  </p:childTnLst>
+                                </p:cTn>
+                              </p:par>
+                            </p:childTnLst>
+                          </p:cTn>
+                        </p:par>
+                        <p:par>
+                          <p:cTn id="48" fill="hold">
+                            <p:stCondLst>
+                              <p:cond delay="5500"/>
+                            </p:stCondLst>
+                            <p:childTnLst>
+                              <p:par>
+                                <p:cTn id="49" presetID="10" presetClass="entr" presetSubtype="0" fill="hold" nodeType="afterEffect">
+                                  <p:stCondLst>
+                                    <p:cond delay="0"/>
+                                  </p:stCondLst>
+                                  <p:childTnLst>
+                                    <p:set>
+                                      <p:cBhvr>
+                                        <p:cTn id="50" dur="1" fill="hold">
+                                          <p:stCondLst>
+                                            <p:cond delay="0"/>
+                                          </p:stCondLst>
+                                        </p:cTn>
+                                        <p:tgtEl>
+                                          <p:spTgt spid="11">
+                                            <p:txEl>
+                                              <p:pRg st="0" end="0"/>
+                                            </p:txEl>
+                                          </p:spTgt>
+                                        </p:tgtEl>
+                                        <p:attrNameLst>
+                                          <p:attrName>style.visibility</p:attrName>
+                                        </p:attrNameLst>
+                                      </p:cBhvr>
+                                      <p:to>
+                                        <p:strVal val="visible"/>
+                                      </p:to>
+                                    </p:set>
+                                    <p:animEffect transition="in" filter="fade">
+                                      <p:cBhvr>
+                                        <p:cTn id="51" dur="500"/>
+                                        <p:tgtEl>
+                                          <p:spTgt spid="11">
+                                            <p:txEl>
+                                              <p:pRg st="0" end="0"/>
+                                            </p:txEl>
+                                          </p:spTgt>
+                                        </p:tgtEl>
+                                      </p:cBhvr>
+                                    </p:animEffect>
+                                  </p:childTnLst>
+                                </p:cTn>
+                              </p:par>
+                            </p:childTnLst>
+                          </p:cTn>
+                        </p:par>
+                      </p:childTnLst>
+                    </p:cTn>
+                  </p:par>
+                </p:childTnLst>
+              </p:cTn>
+              <p:prevCondLst>
+                <p:cond evt="onPrev" delay="0">
+                  <p:tgtEl>
+                    <p:sldTgt/>
+                  </p:tgtEl>
+                </p:cond>
+              </p:prevCondLst>
+              <p:nextCondLst>
+                <p:cond evt="onNext" delay="0">
+                  <p:tgtEl>
+                    <p:sldTgt/>
+                  </p:tgtEl>
+                </p:cond>
+              </p:nextCondLst>
+            </p:seq>
+          </p:childTnLst>
+        </p:cTn>
+      </p:par>
+    </p:tnLst>
+    <p:bldLst>
+      <p:bldP spid="4" grpId="0"/>
+    </p:bldLst>
+  </p:timing>
+</p:sld>
+</file>
+
+<file path=ppt/slides/slide8.xml><?xml version="1.0" encoding="utf-8"?>
+<p:sld xmlns:a="http://schemas.openxmlformats.org/drawingml/2006/main" xmlns:r="http://schemas.openxmlformats.org/officeDocument/2006/relationships" xmlns:p="http://schemas.openxmlformats.org/presentationml/2006/main">
+  <p:cSld>
+    <p:spTree>
+      <p:nvGrpSpPr>
+        <p:cNvPr id="1" name=""/>
+        <p:cNvGrpSpPr/>
+        <p:nvPr/>
+      </p:nvGrpSpPr>
+      <p:grpSpPr>
+        <a:xfrm>
+          <a:off x="0" y="0"/>
+          <a:ext cx="0" cy="0"/>
+          <a:chOff x="0" y="0"/>
+          <a:chExt cx="0" cy="0"/>
+        </a:xfrm>
+      </p:grpSpPr>
+      <p:pic>
+        <p:nvPicPr>
+          <p:cNvPr id="2" name="Imagem 1"/>
+          <p:cNvPicPr>
+            <a:picLocks noChangeAspect="1"/>
+          </p:cNvPicPr>
+          <p:nvPr/>
+        </p:nvPicPr>
+        <p:blipFill>
+          <a:blip r:embed="rId3">
+            <a:extLst>
+              <a:ext uri="{28A0092B-C50C-407E-A947-70E740481C1C}">
+                <a14:useLocalDpi xmlns:a14="http://schemas.microsoft.com/office/drawing/2010/main" val="0"/>
+              </a:ext>
+            </a:extLst>
+          </a:blip>
+          <a:stretch>
+            <a:fillRect/>
+          </a:stretch>
+        </p:blipFill>
+        <p:spPr>
+          <a:xfrm>
+            <a:off x="0" y="-1"/>
+            <a:ext cx="12209930" cy="6858001"/>
+          </a:xfrm>
+          <a:prstGeom prst="rect">
+            <a:avLst/>
+          </a:prstGeom>
+        </p:spPr>
+      </p:pic>
+      <p:sp>
+        <p:nvSpPr>
+          <p:cNvPr id="8" name="Retângulo 7">
+            <a:extLst>
+              <a:ext uri="{FF2B5EF4-FFF2-40B4-BE49-F238E27FC236}">
+                <a16:creationId xmlns:a16="http://schemas.microsoft.com/office/drawing/2014/main" id="{9D5FCB53-619F-4073-A221-97F44453968A}"/>
+              </a:ext>
+            </a:extLst>
+          </p:cNvPr>
+          <p:cNvSpPr/>
+          <p:nvPr/>
+        </p:nvSpPr>
+        <p:spPr>
+          <a:xfrm>
+            <a:off x="133350" y="133350"/>
+            <a:ext cx="11830050" cy="6477000"/>
+          </a:xfrm>
+          <a:prstGeom prst="rect">
+            <a:avLst/>
+          </a:prstGeom>
+          <a:solidFill>
+            <a:schemeClr val="bg1">
+              <a:alpha val="60000"/>
+            </a:schemeClr>
+          </a:solidFill>
+          <a:ln>
+            <a:solidFill>
+              <a:schemeClr val="tx1"/>
+            </a:solidFill>
+          </a:ln>
+        </p:spPr>
+        <p:style>
+          <a:lnRef idx="2">
+            <a:schemeClr val="accent1">
+              <a:shade val="50000"/>
+            </a:schemeClr>
+          </a:lnRef>
+          <a:fillRef idx="1">
+            <a:schemeClr val="accent1"/>
+          </a:fillRef>
+          <a:effectRef idx="0">
+            <a:schemeClr val="accent1"/>
+          </a:effectRef>
+          <a:fontRef idx="minor">
+            <a:schemeClr val="lt1"/>
+          </a:fontRef>
+        </p:style>
+        <p:txBody>
+          <a:bodyPr rtlCol="0" anchor="ctr"/>
+          <a:lstStyle/>
+          <a:p>
+            <a:pPr algn="ctr"/>
+            <a:endParaRPr lang="pt-BR"/>
+          </a:p>
+        </p:txBody>
+      </p:sp>
+      <p:sp>
+        <p:nvSpPr>
+          <p:cNvPr id="7" name="Título 1">
+            <a:extLst>
+              <a:ext uri="{FF2B5EF4-FFF2-40B4-BE49-F238E27FC236}">
+                <a16:creationId xmlns:a16="http://schemas.microsoft.com/office/drawing/2014/main" id="{2CCFA28F-5876-417E-9869-6E46E0A7C9FB}"/>
+              </a:ext>
+            </a:extLst>
+          </p:cNvPr>
+          <p:cNvSpPr txBox="1">
+            <a:spLocks/>
+          </p:cNvSpPr>
+          <p:nvPr/>
+        </p:nvSpPr>
+        <p:spPr>
+          <a:xfrm>
+            <a:off x="4319442" y="3274793"/>
+            <a:ext cx="6019800" cy="1143000"/>
+          </a:xfrm>
+          <a:prstGeom prst="rect">
+            <a:avLst/>
+          </a:prstGeom>
+          <a:effectLst/>
+        </p:spPr>
+        <p:txBody>
+          <a:bodyPr vert="horz" lIns="91440" tIns="45720" rIns="91440" bIns="45720" rtlCol="0" anchor="b">
+            <a:normAutofit/>
+          </a:bodyPr>
+          <a:lstStyle>
+            <a:lvl1pPr algn="l" defTabSz="457200" rtl="0" eaLnBrk="1" latinLnBrk="0" hangingPunct="1">
+              <a:spcBef>
+                <a:spcPct val="0"/>
+              </a:spcBef>
+              <a:buNone/>
+              <a:defRPr sz="2800" b="0" kern="1200" cap="all">
+                <a:ln w="3175" cmpd="sng">
+                  <a:noFill/>
+                </a:ln>
+                <a:solidFill>
+                  <a:schemeClr val="tx1"/>
+                </a:solidFill>
+                <a:effectLst/>
+                <a:latin typeface="+mj-lt"/>
+                <a:ea typeface="+mj-ea"/>
+                <a:cs typeface="+mj-cs"/>
+              </a:defRPr>
+            </a:lvl1pPr>
+            <a:lvl2pPr eaLnBrk="1" hangingPunct="1">
+              <a:defRPr>
+                <a:solidFill>
+                  <a:schemeClr val="tx2"/>
+                </a:solidFill>
+              </a:defRPr>
+            </a:lvl2pPr>
+            <a:lvl3pPr eaLnBrk="1" hangingPunct="1">
+              <a:defRPr>
+                <a:solidFill>
+                  <a:schemeClr val="tx2"/>
+                </a:solidFill>
+              </a:defRPr>
+            </a:lvl3pPr>
+            <a:lvl4pPr eaLnBrk="1" hangingPunct="1">
+              <a:defRPr>
+                <a:solidFill>
+                  <a:schemeClr val="tx2"/>
+                </a:solidFill>
+              </a:defRPr>
+            </a:lvl4pPr>
+            <a:lvl5pPr eaLnBrk="1" hangingPunct="1">
+              <a:defRPr>
+                <a:solidFill>
+                  <a:schemeClr val="tx2"/>
+                </a:solidFill>
+              </a:defRPr>
+            </a:lvl5pPr>
+            <a:lvl6pPr eaLnBrk="1" hangingPunct="1">
+              <a:defRPr>
+                <a:solidFill>
+                  <a:schemeClr val="tx2"/>
+                </a:solidFill>
+              </a:defRPr>
+            </a:lvl6pPr>
+            <a:lvl7pPr eaLnBrk="1" hangingPunct="1">
+              <a:defRPr>
+                <a:solidFill>
+                  <a:schemeClr val="tx2"/>
+                </a:solidFill>
+              </a:defRPr>
+            </a:lvl7pPr>
+            <a:lvl8pPr eaLnBrk="1" hangingPunct="1">
+              <a:defRPr>
+                <a:solidFill>
+                  <a:schemeClr val="tx2"/>
+                </a:solidFill>
+              </a:defRPr>
+            </a:lvl8pPr>
+            <a:lvl9pPr eaLnBrk="1" hangingPunct="1">
+              <a:defRPr>
+                <a:solidFill>
+                  <a:schemeClr val="tx2"/>
+                </a:solidFill>
+              </a:defRPr>
+            </a:lvl9pPr>
+          </a:lstStyle>
+          <a:p>
+            <a:endParaRPr lang="pt-BR"/>
+          </a:p>
+        </p:txBody>
+      </p:sp>
+      <p:sp>
+        <p:nvSpPr>
+          <p:cNvPr id="5" name="TextBox 4">
+            <a:extLst>
+              <a:ext uri="{FF2B5EF4-FFF2-40B4-BE49-F238E27FC236}">
+                <a16:creationId xmlns:a16="http://schemas.microsoft.com/office/drawing/2014/main" id="{D1A22EB6-ACB2-4685-90A5-13582D538BA2}"/>
+              </a:ext>
+            </a:extLst>
+          </p:cNvPr>
+          <p:cNvSpPr txBox="1"/>
+          <p:nvPr/>
+        </p:nvSpPr>
+        <p:spPr>
+          <a:xfrm>
+            <a:off x="5209310" y="6206837"/>
+            <a:ext cx="2743200" cy="400110"/>
+          </a:xfrm>
+          <a:prstGeom prst="rect">
+            <a:avLst/>
+          </a:prstGeom>
+          <a:noFill/>
+        </p:spPr>
+        <p:txBody>
+          <a:bodyPr rot="0" spcFirstLastPara="0" vertOverflow="overflow" horzOverflow="overflow" vert="horz" wrap="square" lIns="91440" tIns="45720" rIns="91440" bIns="45720" numCol="1" spcCol="0" rtlCol="0" fromWordArt="0" anchor="t" anchorCtr="0" forceAA="0" compatLnSpc="1">
+            <a:prstTxWarp prst="textNoShape">
+              <a:avLst/>
+            </a:prstTxWarp>
+            <a:spAutoFit/>
+          </a:bodyPr>
+          <a:lstStyle/>
+          <a:p>
+            <a:pPr algn="l"/>
+            <a:r>
+              <a:rPr lang="en-US" sz="2000" b="1"/>
+              <a:t>PARKING</a:t>
+            </a:r>
+            <a:r>
+              <a:rPr lang="en-US" sz="2000" b="1">
+                <a:solidFill>
+                  <a:srgbClr val="FF0000"/>
+                </a:solidFill>
+              </a:rPr>
+              <a:t>6</a:t>
+            </a:r>
+          </a:p>
+        </p:txBody>
+      </p:sp>
+      <p:sp>
+        <p:nvSpPr>
+          <p:cNvPr id="17" name="Espaço Reservado para Texto 3">
+            <a:extLst>
+              <a:ext uri="{FF2B5EF4-FFF2-40B4-BE49-F238E27FC236}">
+                <a16:creationId xmlns:a16="http://schemas.microsoft.com/office/drawing/2014/main" id="{28751E7D-1541-47D6-8C4F-6564D1BD2E46}"/>
+              </a:ext>
+            </a:extLst>
+          </p:cNvPr>
+          <p:cNvSpPr txBox="1">
+            <a:spLocks/>
+          </p:cNvSpPr>
+          <p:nvPr/>
+        </p:nvSpPr>
+        <p:spPr>
+          <a:xfrm>
+            <a:off x="4582679" y="1847258"/>
+            <a:ext cx="6021388" cy="1945192"/>
+          </a:xfrm>
+          <a:prstGeom prst="rect">
+            <a:avLst/>
+          </a:prstGeom>
+        </p:spPr>
+        <p:txBody>
+          <a:bodyPr vert="horz" lIns="91440" tIns="45720" rIns="91440" bIns="45720" rtlCol="0" anchor="t">
+            <a:normAutofit/>
+          </a:bodyPr>
+          <a:lstStyle>
+            <a:lvl1pPr marL="0" indent="0" algn="l" defTabSz="457200" rtl="0" eaLnBrk="1" latinLnBrk="0" hangingPunct="1">
+              <a:spcBef>
+                <a:spcPct val="20000"/>
+              </a:spcBef>
+              <a:spcAft>
+                <a:spcPts val="600"/>
+              </a:spcAft>
+              <a:buClr>
+                <a:schemeClr val="tx1"/>
+              </a:buClr>
+              <a:buSzPct val="80000"/>
+              <a:buFont typeface="Wingdings 3" panose="05040102010807070707" pitchFamily="18" charset="2"/>
+              <a:buNone/>
+              <a:defRPr sz="1800" kern="1200" cap="none">
+                <a:solidFill>
+                  <a:schemeClr val="bg2">
+                    <a:lumMod val="75000"/>
+                  </a:schemeClr>
+                </a:solidFill>
+                <a:effectLst/>
+                <a:latin typeface="+mn-lt"/>
+                <a:ea typeface="+mn-ea"/>
+                <a:cs typeface="+mn-cs"/>
+              </a:defRPr>
+            </a:lvl1pPr>
+            <a:lvl2pPr marL="457200" indent="0" algn="l" defTabSz="457200" rtl="0" eaLnBrk="1" latinLnBrk="0" hangingPunct="1">
+              <a:spcBef>
+                <a:spcPct val="20000"/>
+              </a:spcBef>
+              <a:spcAft>
+                <a:spcPts val="600"/>
+              </a:spcAft>
+              <a:buClr>
+                <a:schemeClr val="tx1"/>
+              </a:buClr>
+              <a:buSzPct val="80000"/>
+              <a:buFont typeface="Wingdings 3" panose="05040102010807070707" pitchFamily="18" charset="2"/>
+              <a:buNone/>
+              <a:defRPr sz="1200" kern="1200" cap="none">
+                <a:solidFill>
+                  <a:schemeClr val="bg2">
+                    <a:lumMod val="75000"/>
+                  </a:schemeClr>
+                </a:solidFill>
+                <a:effectLst/>
+                <a:latin typeface="+mn-lt"/>
+                <a:ea typeface="+mn-ea"/>
+                <a:cs typeface="+mn-cs"/>
+              </a:defRPr>
+            </a:lvl2pPr>
+            <a:lvl3pPr marL="914400" indent="0" algn="l" defTabSz="457200" rtl="0" eaLnBrk="1" latinLnBrk="0" hangingPunct="1">
+              <a:spcBef>
+                <a:spcPct val="20000"/>
+              </a:spcBef>
+              <a:spcAft>
+                <a:spcPts val="600"/>
+              </a:spcAft>
+              <a:buClr>
+                <a:schemeClr val="tx1"/>
+              </a:buClr>
+              <a:buSzPct val="80000"/>
+              <a:buFont typeface="Wingdings 3" panose="05040102010807070707" pitchFamily="18" charset="2"/>
+              <a:buNone/>
+              <a:defRPr sz="1000" kern="1200" cap="none">
+                <a:solidFill>
+                  <a:schemeClr val="bg2">
+                    <a:lumMod val="75000"/>
+                  </a:schemeClr>
+                </a:solidFill>
+                <a:effectLst/>
+                <a:latin typeface="+mn-lt"/>
+                <a:ea typeface="+mn-ea"/>
+                <a:cs typeface="+mn-cs"/>
+              </a:defRPr>
+            </a:lvl3pPr>
+            <a:lvl4pPr marL="1371600" indent="0" algn="l" defTabSz="457200" rtl="0" eaLnBrk="1" latinLnBrk="0" hangingPunct="1">
+              <a:spcBef>
+                <a:spcPct val="20000"/>
+              </a:spcBef>
+              <a:spcAft>
+                <a:spcPts val="600"/>
+              </a:spcAft>
+              <a:buClr>
+                <a:schemeClr val="tx1"/>
+              </a:buClr>
+              <a:buSzPct val="80000"/>
+              <a:buFont typeface="Wingdings 3" panose="05040102010807070707" pitchFamily="18" charset="2"/>
+              <a:buNone/>
+              <a:defRPr sz="900" kern="1200" cap="none">
+                <a:solidFill>
+                  <a:schemeClr val="bg2">
+                    <a:lumMod val="75000"/>
+                  </a:schemeClr>
+                </a:solidFill>
+                <a:effectLst/>
+                <a:latin typeface="+mn-lt"/>
+                <a:ea typeface="+mn-ea"/>
+                <a:cs typeface="+mn-cs"/>
+              </a:defRPr>
+            </a:lvl4pPr>
+            <a:lvl5pPr marL="1828800" indent="0" algn="l" defTabSz="457200" rtl="0" eaLnBrk="1" latinLnBrk="0" hangingPunct="1">
+              <a:spcBef>
+                <a:spcPct val="20000"/>
+              </a:spcBef>
+              <a:spcAft>
+                <a:spcPts val="600"/>
+              </a:spcAft>
+              <a:buClr>
+                <a:schemeClr val="tx1"/>
+              </a:buClr>
+              <a:buSzPct val="80000"/>
+              <a:buFont typeface="Wingdings 3" panose="05040102010807070707" pitchFamily="18" charset="2"/>
+              <a:buNone/>
+              <a:defRPr sz="900" kern="1200" cap="none">
+                <a:solidFill>
+                  <a:schemeClr val="bg2">
+                    <a:lumMod val="75000"/>
+                  </a:schemeClr>
+                </a:solidFill>
+                <a:effectLst/>
+                <a:latin typeface="+mn-lt"/>
+                <a:ea typeface="+mn-ea"/>
+                <a:cs typeface="+mn-cs"/>
+              </a:defRPr>
+            </a:lvl5pPr>
+            <a:lvl6pPr marL="2286000" indent="0" algn="l" defTabSz="457200" rtl="0" eaLnBrk="1" latinLnBrk="0" hangingPunct="1">
+              <a:spcBef>
+                <a:spcPct val="20000"/>
+              </a:spcBef>
+              <a:spcAft>
+                <a:spcPts val="600"/>
+              </a:spcAft>
+              <a:buClr>
+                <a:schemeClr val="tx1"/>
+              </a:buClr>
+              <a:buSzPct val="80000"/>
+              <a:buFont typeface="Wingdings 3" panose="05040102010807070707" pitchFamily="18" charset="2"/>
+              <a:buNone/>
+              <a:defRPr sz="900" kern="1200" cap="none">
+                <a:solidFill>
+                  <a:schemeClr val="bg2">
+                    <a:lumMod val="75000"/>
+                  </a:schemeClr>
+                </a:solidFill>
+                <a:effectLst/>
+                <a:latin typeface="+mn-lt"/>
+                <a:ea typeface="+mn-ea"/>
+                <a:cs typeface="+mn-cs"/>
+              </a:defRPr>
+            </a:lvl6pPr>
+            <a:lvl7pPr marL="2743200" indent="0" algn="l" defTabSz="457200" rtl="0" eaLnBrk="1" latinLnBrk="0" hangingPunct="1">
+              <a:spcBef>
+                <a:spcPct val="20000"/>
+              </a:spcBef>
+              <a:spcAft>
+                <a:spcPts val="600"/>
+              </a:spcAft>
+              <a:buClr>
+                <a:schemeClr val="tx1"/>
+              </a:buClr>
+              <a:buSzPct val="80000"/>
+              <a:buFont typeface="Wingdings 3" panose="05040102010807070707" pitchFamily="18" charset="2"/>
+              <a:buNone/>
+              <a:defRPr sz="900" kern="1200" cap="none">
+                <a:solidFill>
+                  <a:schemeClr val="bg2">
+                    <a:lumMod val="75000"/>
+                  </a:schemeClr>
+                </a:solidFill>
+                <a:effectLst/>
+                <a:latin typeface="+mn-lt"/>
+                <a:ea typeface="+mn-ea"/>
+                <a:cs typeface="+mn-cs"/>
+              </a:defRPr>
+            </a:lvl7pPr>
+            <a:lvl8pPr marL="3200400" indent="0" algn="l" defTabSz="457200" rtl="0" eaLnBrk="1" latinLnBrk="0" hangingPunct="1">
+              <a:spcBef>
+                <a:spcPct val="20000"/>
+              </a:spcBef>
+              <a:spcAft>
+                <a:spcPts val="600"/>
+              </a:spcAft>
+              <a:buClr>
+                <a:schemeClr val="tx1"/>
+              </a:buClr>
+              <a:buSzPct val="80000"/>
+              <a:buFont typeface="Wingdings 3" panose="05040102010807070707" pitchFamily="18" charset="2"/>
+              <a:buNone/>
+              <a:defRPr sz="900" kern="1200" cap="none">
+                <a:solidFill>
+                  <a:schemeClr val="bg2">
+                    <a:lumMod val="75000"/>
+                  </a:schemeClr>
+                </a:solidFill>
+                <a:effectLst/>
+                <a:latin typeface="+mn-lt"/>
+                <a:ea typeface="+mn-ea"/>
+                <a:cs typeface="+mn-cs"/>
+              </a:defRPr>
+            </a:lvl8pPr>
+            <a:lvl9pPr marL="3657600" indent="0" algn="l" defTabSz="457200" rtl="0" eaLnBrk="1" latinLnBrk="0" hangingPunct="1">
+              <a:spcBef>
+                <a:spcPct val="20000"/>
+              </a:spcBef>
+              <a:spcAft>
+                <a:spcPts val="600"/>
+              </a:spcAft>
+              <a:buClr>
+                <a:schemeClr val="tx1"/>
+              </a:buClr>
+              <a:buSzPct val="80000"/>
+              <a:buFont typeface="Wingdings 3" panose="05040102010807070707" pitchFamily="18" charset="2"/>
+              <a:buNone/>
+              <a:defRPr sz="900" kern="1200" cap="none">
+                <a:solidFill>
+                  <a:schemeClr val="bg2">
+                    <a:lumMod val="75000"/>
+                  </a:schemeClr>
+                </a:solidFill>
+                <a:effectLst/>
+                <a:latin typeface="+mn-lt"/>
+                <a:ea typeface="+mn-ea"/>
+                <a:cs typeface="+mn-cs"/>
+              </a:defRPr>
+            </a:lvl9pPr>
+          </a:lstStyle>
+          <a:p>
+            <a:endParaRPr lang="en-US" sz="2000">
+              <a:solidFill>
+                <a:schemeClr val="tx1"/>
+              </a:solidFill>
+            </a:endParaRPr>
+          </a:p>
+        </p:txBody>
+      </p:sp>
+      <p:sp>
+        <p:nvSpPr>
+          <p:cNvPr id="3" name="CaixaDeTexto 2"/>
+          <p:cNvSpPr txBox="1"/>
+          <p:nvPr/>
+        </p:nvSpPr>
+        <p:spPr>
+          <a:xfrm>
+            <a:off x="484093" y="403412"/>
+            <a:ext cx="2501153" cy="646331"/>
+          </a:xfrm>
+          <a:prstGeom prst="rect">
+            <a:avLst/>
+          </a:prstGeom>
+          <a:noFill/>
+        </p:spPr>
+        <p:txBody>
+          <a:bodyPr wrap="square" rtlCol="0">
+            <a:spAutoFit/>
+          </a:bodyPr>
+          <a:lstStyle/>
+          <a:p>
+            <a:r>
+              <a:rPr lang="pt-BR" sz="3600" b="1" dirty="0" smtClean="0"/>
+              <a:t>Requisitos</a:t>
+            </a:r>
+            <a:endParaRPr lang="pt-BR" sz="3600" b="1" dirty="0"/>
+          </a:p>
+        </p:txBody>
+      </p:sp>
+      <p:graphicFrame>
+        <p:nvGraphicFramePr>
+          <p:cNvPr id="4" name="Tabela 3"/>
+          <p:cNvGraphicFramePr>
+            <a:graphicFrameLocks noGrp="1"/>
+          </p:cNvGraphicFramePr>
+          <p:nvPr>
+            <p:extLst>
+              <p:ext uri="{D42A27DB-BD31-4B8C-83A1-F6EECF244321}">
+                <p14:modId xmlns:p14="http://schemas.microsoft.com/office/powerpoint/2010/main" val="3229814044"/>
+              </p:ext>
+            </p:extLst>
+          </p:nvPr>
+        </p:nvGraphicFramePr>
+        <p:xfrm>
+          <a:off x="484093" y="1575298"/>
+          <a:ext cx="11007888" cy="3959732"/>
+        </p:xfrm>
+        <a:graphic>
+          <a:graphicData uri="http://schemas.openxmlformats.org/drawingml/2006/table">
+            <a:tbl>
+              <a:tblPr firstRow="1" bandRow="1">
+                <a:tableStyleId>{5C22544A-7EE6-4342-B048-85BDC9FD1C3A}</a:tableStyleId>
+              </a:tblPr>
+              <a:tblGrid>
+                <a:gridCol w="815015">
+                  <a:extLst>
+                    <a:ext uri="{9D8B030D-6E8A-4147-A177-3AD203B41FA5}">
+                      <a16:colId xmlns:a16="http://schemas.microsoft.com/office/drawing/2014/main" val="463656320"/>
+                    </a:ext>
+                  </a:extLst>
+                </a:gridCol>
+                <a:gridCol w="4688929">
+                  <a:extLst>
+                    <a:ext uri="{9D8B030D-6E8A-4147-A177-3AD203B41FA5}">
+                      <a16:colId xmlns:a16="http://schemas.microsoft.com/office/drawing/2014/main" val="237539440"/>
+                    </a:ext>
+                  </a:extLst>
+                </a:gridCol>
+                <a:gridCol w="2751972">
+                  <a:extLst>
+                    <a:ext uri="{9D8B030D-6E8A-4147-A177-3AD203B41FA5}">
+                      <a16:colId xmlns:a16="http://schemas.microsoft.com/office/drawing/2014/main" val="1885521003"/>
+                    </a:ext>
+                  </a:extLst>
+                </a:gridCol>
+                <a:gridCol w="2751972">
+                  <a:extLst>
+                    <a:ext uri="{9D8B030D-6E8A-4147-A177-3AD203B41FA5}">
+                      <a16:colId xmlns:a16="http://schemas.microsoft.com/office/drawing/2014/main" val="2499324910"/>
+                    </a:ext>
+                  </a:extLst>
+                </a:gridCol>
+              </a:tblGrid>
+              <a:tr h="382796">
+                <a:tc>
+                  <a:txBody>
+                    <a:bodyPr/>
+                    <a:lstStyle/>
+                    <a:p>
+                      <a:r>
+                        <a:rPr lang="pt-BR" b="1" dirty="0" smtClean="0"/>
+                        <a:t>ID</a:t>
+                      </a:r>
+                      <a:endParaRPr lang="pt-BR" b="1" dirty="0"/>
+                    </a:p>
+                  </a:txBody>
+                  <a:tcPr/>
+                </a:tc>
+                <a:tc>
+                  <a:txBody>
+                    <a:bodyPr/>
+                    <a:lstStyle/>
+                    <a:p>
+                      <a:r>
+                        <a:rPr lang="pt-BR" b="1" dirty="0" smtClean="0"/>
+                        <a:t>Requisito</a:t>
+                      </a:r>
+                      <a:endParaRPr lang="pt-BR" b="1" dirty="0"/>
+                    </a:p>
+                  </a:txBody>
+                  <a:tcPr/>
+                </a:tc>
+                <a:tc>
+                  <a:txBody>
+                    <a:bodyPr/>
+                    <a:lstStyle/>
+                    <a:p>
+                      <a:r>
+                        <a:rPr lang="pt-BR" b="1" dirty="0" smtClean="0"/>
+                        <a:t>Classificação</a:t>
+                      </a:r>
+                      <a:endParaRPr lang="pt-BR" b="1" dirty="0"/>
+                    </a:p>
+                  </a:txBody>
+                  <a:tcPr/>
+                </a:tc>
+                <a:tc>
+                  <a:txBody>
+                    <a:bodyPr/>
+                    <a:lstStyle/>
+                    <a:p>
+                      <a:r>
+                        <a:rPr lang="pt-BR" b="1" dirty="0" smtClean="0"/>
+                        <a:t>Requisito</a:t>
+                      </a:r>
+                      <a:endParaRPr lang="pt-BR" b="1" dirty="0"/>
+                    </a:p>
+                  </a:txBody>
+                  <a:tcPr/>
+                </a:tc>
+                <a:extLst>
+                  <a:ext uri="{0D108BD9-81ED-4DB2-BD59-A6C34878D82A}">
+                    <a16:rowId xmlns:a16="http://schemas.microsoft.com/office/drawing/2014/main" val="2589335422"/>
+                  </a:ext>
+                </a:extLst>
+              </a:tr>
+              <a:tr h="382796">
+                <a:tc>
+                  <a:txBody>
+                    <a:bodyPr/>
+                    <a:lstStyle/>
+                    <a:p>
+                      <a:r>
+                        <a:rPr lang="pt-BR" b="1" dirty="0" smtClean="0"/>
+                        <a:t>RF1</a:t>
+                      </a:r>
+                      <a:endParaRPr lang="pt-BR" b="1" dirty="0"/>
+                    </a:p>
+                  </a:txBody>
+                  <a:tcPr/>
+                </a:tc>
+                <a:tc>
+                  <a:txBody>
+                    <a:bodyPr/>
+                    <a:lstStyle/>
+                    <a:p>
+                      <a:r>
+                        <a:rPr lang="pt-BR" dirty="0" smtClean="0"/>
+                        <a:t>Adm. efetua manutenção</a:t>
+                      </a:r>
+                      <a:endParaRPr lang="pt-BR" dirty="0"/>
+                    </a:p>
+                  </a:txBody>
+                  <a:tcPr/>
+                </a:tc>
+                <a:tc>
+                  <a:txBody>
+                    <a:bodyPr/>
+                    <a:lstStyle/>
+                    <a:p>
+                      <a:r>
+                        <a:rPr lang="pt-BR" dirty="0" smtClean="0"/>
+                        <a:t>Essencial</a:t>
+                      </a:r>
+                      <a:endParaRPr lang="pt-BR" dirty="0"/>
+                    </a:p>
+                  </a:txBody>
+                  <a:tcPr/>
+                </a:tc>
+                <a:tc>
+                  <a:txBody>
+                    <a:bodyPr/>
+                    <a:lstStyle/>
+                    <a:p>
+                      <a:r>
+                        <a:rPr lang="pt-BR" dirty="0" smtClean="0"/>
+                        <a:t>Funcional</a:t>
+                      </a:r>
+                      <a:endParaRPr lang="pt-BR" dirty="0"/>
+                    </a:p>
+                  </a:txBody>
+                  <a:tcPr/>
+                </a:tc>
+                <a:extLst>
+                  <a:ext uri="{0D108BD9-81ED-4DB2-BD59-A6C34878D82A}">
+                    <a16:rowId xmlns:a16="http://schemas.microsoft.com/office/drawing/2014/main" val="3675717097"/>
+                  </a:ext>
+                </a:extLst>
+              </a:tr>
+              <a:tr h="382796">
+                <a:tc>
+                  <a:txBody>
+                    <a:bodyPr/>
+                    <a:lstStyle/>
+                    <a:p>
+                      <a:r>
+                        <a:rPr lang="pt-BR" b="1" dirty="0" smtClean="0"/>
+                        <a:t>RF2</a:t>
+                      </a:r>
+                      <a:endParaRPr lang="pt-BR" b="1" dirty="0"/>
+                    </a:p>
+                  </a:txBody>
+                  <a:tcPr/>
+                </a:tc>
+                <a:tc>
+                  <a:txBody>
+                    <a:bodyPr/>
+                    <a:lstStyle/>
+                    <a:p>
+                      <a:r>
+                        <a:rPr lang="pt-BR" dirty="0" smtClean="0"/>
+                        <a:t>Usuário solicita consulta</a:t>
+                      </a:r>
+                      <a:endParaRPr lang="pt-BR" dirty="0"/>
+                    </a:p>
+                  </a:txBody>
+                  <a:tcPr/>
+                </a:tc>
+                <a:tc>
+                  <a:txBody>
+                    <a:bodyPr/>
+                    <a:lstStyle/>
+                    <a:p>
+                      <a:r>
+                        <a:rPr lang="pt-BR" dirty="0" smtClean="0"/>
+                        <a:t>Essencial</a:t>
+                      </a:r>
+                      <a:endParaRPr lang="pt-BR" dirty="0"/>
+                    </a:p>
+                  </a:txBody>
+                  <a:tcPr/>
+                </a:tc>
+                <a:tc>
+                  <a:txBody>
+                    <a:bodyPr/>
+                    <a:lstStyle/>
+                    <a:p>
+                      <a:pPr marL="0" marR="0" indent="0" algn="l" defTabSz="457200" rtl="0" eaLnBrk="1" fontAlgn="auto" latinLnBrk="0" hangingPunct="1">
+                        <a:lnSpc>
+                          <a:spcPct val="100000"/>
+                        </a:lnSpc>
+                        <a:spcBef>
+                          <a:spcPts val="0"/>
+                        </a:spcBef>
+                        <a:spcAft>
+                          <a:spcPts val="0"/>
+                        </a:spcAft>
+                        <a:buClrTx/>
+                        <a:buSzTx/>
+                        <a:buFontTx/>
+                        <a:buNone/>
+                        <a:tabLst/>
+                        <a:defRPr/>
+                      </a:pPr>
+                      <a:r>
+                        <a:rPr lang="pt-BR" dirty="0" smtClean="0"/>
+                        <a:t>Funcional</a:t>
+                      </a:r>
+                    </a:p>
+                  </a:txBody>
+                  <a:tcPr/>
+                </a:tc>
+                <a:extLst>
+                  <a:ext uri="{0D108BD9-81ED-4DB2-BD59-A6C34878D82A}">
+                    <a16:rowId xmlns:a16="http://schemas.microsoft.com/office/drawing/2014/main" val="964517595"/>
+                  </a:ext>
+                </a:extLst>
+              </a:tr>
+              <a:tr h="382796">
+                <a:tc>
+                  <a:txBody>
+                    <a:bodyPr/>
+                    <a:lstStyle/>
+                    <a:p>
+                      <a:r>
+                        <a:rPr lang="pt-BR" b="1" dirty="0" smtClean="0"/>
+                        <a:t>Rf3</a:t>
+                      </a:r>
+                      <a:endParaRPr lang="pt-BR" b="1" dirty="0"/>
+                    </a:p>
+                  </a:txBody>
+                  <a:tcPr/>
+                </a:tc>
+                <a:tc>
+                  <a:txBody>
+                    <a:bodyPr/>
+                    <a:lstStyle/>
+                    <a:p>
+                      <a:r>
+                        <a:rPr lang="pt-BR" dirty="0" smtClean="0"/>
+                        <a:t>Usuário gera relatório dos dados</a:t>
+                      </a:r>
+                      <a:endParaRPr lang="pt-BR" dirty="0"/>
+                    </a:p>
+                  </a:txBody>
+                  <a:tcPr/>
+                </a:tc>
+                <a:tc>
+                  <a:txBody>
+                    <a:bodyPr/>
+                    <a:lstStyle/>
+                    <a:p>
+                      <a:r>
+                        <a:rPr lang="pt-BR" dirty="0" smtClean="0"/>
+                        <a:t>Essencial</a:t>
+                      </a:r>
+                      <a:endParaRPr lang="pt-BR" dirty="0"/>
+                    </a:p>
+                  </a:txBody>
+                  <a:tcPr/>
+                </a:tc>
+                <a:tc>
+                  <a:txBody>
+                    <a:bodyPr/>
+                    <a:lstStyle/>
+                    <a:p>
+                      <a:pPr marL="0" marR="0" indent="0" algn="l" defTabSz="457200" rtl="0" eaLnBrk="1" fontAlgn="auto" latinLnBrk="0" hangingPunct="1">
+                        <a:lnSpc>
+                          <a:spcPct val="100000"/>
+                        </a:lnSpc>
+                        <a:spcBef>
+                          <a:spcPts val="0"/>
+                        </a:spcBef>
+                        <a:spcAft>
+                          <a:spcPts val="0"/>
+                        </a:spcAft>
+                        <a:buClrTx/>
+                        <a:buSzTx/>
+                        <a:buFontTx/>
+                        <a:buNone/>
+                        <a:tabLst/>
+                        <a:defRPr/>
+                      </a:pPr>
+                      <a:r>
+                        <a:rPr lang="pt-BR" dirty="0" smtClean="0"/>
+                        <a:t>Funcional</a:t>
+                      </a:r>
+                      <a:endParaRPr lang="pt-BR" dirty="0"/>
+                    </a:p>
+                  </a:txBody>
+                  <a:tcPr/>
+                </a:tc>
+                <a:extLst>
+                  <a:ext uri="{0D108BD9-81ED-4DB2-BD59-A6C34878D82A}">
+                    <a16:rowId xmlns:a16="http://schemas.microsoft.com/office/drawing/2014/main" val="1603481063"/>
+                  </a:ext>
+                </a:extLst>
+              </a:tr>
+              <a:tr h="382796">
+                <a:tc>
+                  <a:txBody>
+                    <a:bodyPr/>
+                    <a:lstStyle/>
+                    <a:p>
+                      <a:r>
+                        <a:rPr lang="pt-BR" b="1" dirty="0" smtClean="0"/>
+                        <a:t>RF4</a:t>
+                      </a:r>
+                      <a:endParaRPr lang="pt-BR" b="1" dirty="0"/>
+                    </a:p>
+                  </a:txBody>
+                  <a:tcPr/>
+                </a:tc>
+                <a:tc>
+                  <a:txBody>
+                    <a:bodyPr/>
+                    <a:lstStyle/>
+                    <a:p>
+                      <a:r>
+                        <a:rPr lang="pt-BR" dirty="0" smtClean="0"/>
+                        <a:t>Software gera</a:t>
+                      </a:r>
+                      <a:r>
+                        <a:rPr lang="pt-BR" baseline="0" dirty="0" smtClean="0"/>
+                        <a:t>  gráficos dos dados</a:t>
+                      </a:r>
+                      <a:endParaRPr lang="pt-BR" dirty="0"/>
+                    </a:p>
+                  </a:txBody>
+                  <a:tcPr/>
+                </a:tc>
+                <a:tc>
+                  <a:txBody>
+                    <a:bodyPr/>
+                    <a:lstStyle/>
+                    <a:p>
+                      <a:r>
+                        <a:rPr lang="pt-BR" dirty="0" smtClean="0"/>
+                        <a:t>Essencial</a:t>
+                      </a:r>
+                      <a:endParaRPr lang="pt-BR" dirty="0"/>
+                    </a:p>
+                  </a:txBody>
+                  <a:tcPr/>
+                </a:tc>
+                <a:tc>
+                  <a:txBody>
+                    <a:bodyPr/>
+                    <a:lstStyle/>
+                    <a:p>
+                      <a:pPr marL="0" marR="0" indent="0" algn="l" defTabSz="457200" rtl="0" eaLnBrk="1" fontAlgn="auto" latinLnBrk="0" hangingPunct="1">
+                        <a:lnSpc>
+                          <a:spcPct val="100000"/>
+                        </a:lnSpc>
+                        <a:spcBef>
+                          <a:spcPts val="0"/>
+                        </a:spcBef>
+                        <a:spcAft>
+                          <a:spcPts val="0"/>
+                        </a:spcAft>
+                        <a:buClrTx/>
+                        <a:buSzTx/>
+                        <a:buFontTx/>
+                        <a:buNone/>
+                        <a:tabLst/>
+                        <a:defRPr/>
+                      </a:pPr>
+                      <a:r>
+                        <a:rPr lang="pt-BR" dirty="0" smtClean="0"/>
+                        <a:t>Funcional</a:t>
+                      </a:r>
+                      <a:endParaRPr lang="pt-BR" dirty="0"/>
+                    </a:p>
+                  </a:txBody>
+                  <a:tcPr/>
+                </a:tc>
+                <a:extLst>
+                  <a:ext uri="{0D108BD9-81ED-4DB2-BD59-A6C34878D82A}">
+                    <a16:rowId xmlns:a16="http://schemas.microsoft.com/office/drawing/2014/main" val="982406166"/>
+                  </a:ext>
+                </a:extLst>
+              </a:tr>
+              <a:tr h="382796">
+                <a:tc>
+                  <a:txBody>
+                    <a:bodyPr/>
+                    <a:lstStyle/>
+                    <a:p>
+                      <a:r>
+                        <a:rPr lang="pt-BR" b="1" dirty="0" smtClean="0"/>
+                        <a:t>RF5</a:t>
+                      </a:r>
+                      <a:endParaRPr lang="pt-BR" b="1" dirty="0"/>
+                    </a:p>
+                  </a:txBody>
+                  <a:tcPr/>
+                </a:tc>
+                <a:tc>
+                  <a:txBody>
+                    <a:bodyPr/>
+                    <a:lstStyle/>
+                    <a:p>
+                      <a:r>
+                        <a:rPr lang="pt-BR" dirty="0" smtClean="0"/>
+                        <a:t>Software recebe dados do sensor</a:t>
+                      </a:r>
+                      <a:endParaRPr lang="pt-BR" dirty="0"/>
+                    </a:p>
+                  </a:txBody>
+                  <a:tcPr/>
+                </a:tc>
+                <a:tc>
+                  <a:txBody>
+                    <a:bodyPr/>
+                    <a:lstStyle/>
+                    <a:p>
+                      <a:r>
+                        <a:rPr lang="pt-BR" dirty="0" smtClean="0"/>
+                        <a:t>Essencial</a:t>
+                      </a:r>
+                      <a:endParaRPr lang="pt-BR" dirty="0"/>
+                    </a:p>
+                  </a:txBody>
+                  <a:tcPr/>
+                </a:tc>
+                <a:tc>
+                  <a:txBody>
+                    <a:bodyPr/>
+                    <a:lstStyle/>
+                    <a:p>
+                      <a:r>
+                        <a:rPr lang="pt-BR" dirty="0" smtClean="0"/>
+                        <a:t>Não funcional</a:t>
+                      </a:r>
+                      <a:endParaRPr lang="pt-BR" dirty="0"/>
+                    </a:p>
+                  </a:txBody>
+                  <a:tcPr/>
+                </a:tc>
+                <a:extLst>
+                  <a:ext uri="{0D108BD9-81ED-4DB2-BD59-A6C34878D82A}">
+                    <a16:rowId xmlns:a16="http://schemas.microsoft.com/office/drawing/2014/main" val="1222381454"/>
+                  </a:ext>
+                </a:extLst>
+              </a:tr>
+              <a:tr h="382796">
+                <a:tc>
+                  <a:txBody>
+                    <a:bodyPr/>
+                    <a:lstStyle/>
+                    <a:p>
+                      <a:r>
+                        <a:rPr lang="pt-BR" b="1" dirty="0" smtClean="0"/>
+                        <a:t>RF6</a:t>
+                      </a:r>
+                      <a:endParaRPr lang="pt-BR" b="1" dirty="0"/>
+                    </a:p>
+                  </a:txBody>
+                  <a:tcPr/>
+                </a:tc>
+                <a:tc>
+                  <a:txBody>
+                    <a:bodyPr/>
+                    <a:lstStyle/>
+                    <a:p>
+                      <a:r>
+                        <a:rPr lang="pt-BR" dirty="0" err="1" smtClean="0"/>
+                        <a:t>Arduino</a:t>
+                      </a:r>
+                      <a:r>
+                        <a:rPr lang="pt-BR" dirty="0" smtClean="0"/>
+                        <a:t> deve possuir sensor de </a:t>
+                      </a:r>
+                      <a:r>
+                        <a:rPr lang="pt-BR" dirty="0" err="1" smtClean="0"/>
+                        <a:t>obstaculo</a:t>
+                      </a:r>
+                      <a:endParaRPr lang="pt-BR" dirty="0"/>
+                    </a:p>
+                  </a:txBody>
+                  <a:tcPr/>
+                </a:tc>
+                <a:tc>
+                  <a:txBody>
+                    <a:bodyPr/>
+                    <a:lstStyle/>
+                    <a:p>
+                      <a:r>
+                        <a:rPr lang="pt-BR" dirty="0" smtClean="0"/>
+                        <a:t>Essencial</a:t>
+                      </a:r>
+                      <a:endParaRPr lang="pt-BR" dirty="0"/>
+                    </a:p>
+                  </a:txBody>
+                  <a:tcPr/>
+                </a:tc>
+                <a:tc>
+                  <a:txBody>
+                    <a:bodyPr/>
+                    <a:lstStyle/>
+                    <a:p>
+                      <a:pPr marL="0" marR="0" indent="0" algn="l" defTabSz="457200" rtl="0" eaLnBrk="1" fontAlgn="auto" latinLnBrk="0" hangingPunct="1">
+                        <a:lnSpc>
+                          <a:spcPct val="100000"/>
+                        </a:lnSpc>
+                        <a:spcBef>
+                          <a:spcPts val="0"/>
+                        </a:spcBef>
+                        <a:spcAft>
+                          <a:spcPts val="0"/>
+                        </a:spcAft>
+                        <a:buClrTx/>
+                        <a:buSzTx/>
+                        <a:buFontTx/>
+                        <a:buNone/>
+                        <a:tabLst/>
+                        <a:defRPr/>
+                      </a:pPr>
+                      <a:r>
+                        <a:rPr lang="pt-BR" dirty="0" smtClean="0"/>
+                        <a:t>Funcional</a:t>
+                      </a:r>
+                      <a:endParaRPr lang="pt-BR" dirty="0"/>
+                    </a:p>
+                  </a:txBody>
+                  <a:tcPr/>
+                </a:tc>
+                <a:extLst>
+                  <a:ext uri="{0D108BD9-81ED-4DB2-BD59-A6C34878D82A}">
+                    <a16:rowId xmlns:a16="http://schemas.microsoft.com/office/drawing/2014/main" val="913964874"/>
+                  </a:ext>
+                </a:extLst>
+              </a:tr>
+              <a:tr h="382796">
+                <a:tc>
+                  <a:txBody>
+                    <a:bodyPr/>
+                    <a:lstStyle/>
+                    <a:p>
+                      <a:r>
+                        <a:rPr lang="pt-BR" b="1" dirty="0" smtClean="0"/>
+                        <a:t>RF7</a:t>
+                      </a:r>
+                      <a:endParaRPr lang="pt-BR" b="1" dirty="0"/>
+                    </a:p>
+                  </a:txBody>
+                  <a:tcPr/>
+                </a:tc>
+                <a:tc>
+                  <a:txBody>
+                    <a:bodyPr/>
+                    <a:lstStyle/>
+                    <a:p>
+                      <a:r>
+                        <a:rPr lang="pt-BR" dirty="0" smtClean="0"/>
+                        <a:t>Adm. Gera</a:t>
+                      </a:r>
+                      <a:r>
+                        <a:rPr lang="pt-BR" baseline="0" dirty="0" smtClean="0"/>
+                        <a:t> relatório dos dados</a:t>
+                      </a:r>
+                      <a:endParaRPr lang="pt-BR" dirty="0"/>
+                    </a:p>
+                  </a:txBody>
+                  <a:tcPr/>
+                </a:tc>
+                <a:tc>
+                  <a:txBody>
+                    <a:bodyPr/>
+                    <a:lstStyle/>
+                    <a:p>
+                      <a:r>
+                        <a:rPr lang="pt-BR" dirty="0" smtClean="0"/>
+                        <a:t>Importante</a:t>
+                      </a:r>
+                      <a:endParaRPr lang="pt-BR" dirty="0"/>
+                    </a:p>
+                  </a:txBody>
+                  <a:tcPr/>
+                </a:tc>
+                <a:tc>
+                  <a:txBody>
+                    <a:bodyPr/>
+                    <a:lstStyle/>
+                    <a:p>
+                      <a:pPr marL="0" marR="0" indent="0" algn="l" defTabSz="457200" rtl="0" eaLnBrk="1" fontAlgn="auto" latinLnBrk="0" hangingPunct="1">
+                        <a:lnSpc>
+                          <a:spcPct val="100000"/>
+                        </a:lnSpc>
+                        <a:spcBef>
+                          <a:spcPts val="0"/>
+                        </a:spcBef>
+                        <a:spcAft>
+                          <a:spcPts val="0"/>
+                        </a:spcAft>
+                        <a:buClrTx/>
+                        <a:buSzTx/>
+                        <a:buFontTx/>
+                        <a:buNone/>
+                        <a:tabLst/>
+                        <a:defRPr/>
+                      </a:pPr>
+                      <a:r>
+                        <a:rPr lang="pt-BR" dirty="0" smtClean="0"/>
+                        <a:t>Funcional</a:t>
+                      </a:r>
+                      <a:endParaRPr lang="pt-BR" dirty="0"/>
+                    </a:p>
+                  </a:txBody>
+                  <a:tcPr/>
+                </a:tc>
+                <a:extLst>
+                  <a:ext uri="{0D108BD9-81ED-4DB2-BD59-A6C34878D82A}">
+                    <a16:rowId xmlns:a16="http://schemas.microsoft.com/office/drawing/2014/main" val="2185975806"/>
+                  </a:ext>
+                </a:extLst>
+              </a:tr>
+              <a:tr h="382796">
+                <a:tc>
+                  <a:txBody>
+                    <a:bodyPr/>
+                    <a:lstStyle/>
+                    <a:p>
+                      <a:r>
+                        <a:rPr lang="pt-BR" b="1" dirty="0" smtClean="0"/>
+                        <a:t>RF8</a:t>
+                      </a:r>
+                      <a:endParaRPr lang="pt-BR" b="1" dirty="0"/>
+                    </a:p>
+                  </a:txBody>
+                  <a:tcPr/>
+                </a:tc>
+                <a:tc>
+                  <a:txBody>
+                    <a:bodyPr/>
+                    <a:lstStyle/>
+                    <a:p>
+                      <a:r>
+                        <a:rPr lang="pt-BR" dirty="0" smtClean="0"/>
+                        <a:t>Usuário comum consulta</a:t>
+                      </a:r>
+                      <a:r>
+                        <a:rPr lang="pt-BR" baseline="0" dirty="0" smtClean="0"/>
+                        <a:t> vagas disponíveis</a:t>
+                      </a:r>
+                      <a:endParaRPr lang="pt-BR" dirty="0"/>
+                    </a:p>
+                  </a:txBody>
+                  <a:tcPr/>
+                </a:tc>
+                <a:tc>
+                  <a:txBody>
+                    <a:bodyPr/>
+                    <a:lstStyle/>
+                    <a:p>
+                      <a:r>
+                        <a:rPr lang="pt-BR" dirty="0" smtClean="0"/>
+                        <a:t>Desejável</a:t>
+                      </a:r>
+                      <a:endParaRPr lang="pt-BR" dirty="0"/>
+                    </a:p>
+                  </a:txBody>
+                  <a:tcPr/>
+                </a:tc>
+                <a:tc>
+                  <a:txBody>
+                    <a:bodyPr/>
+                    <a:lstStyle/>
+                    <a:p>
+                      <a:r>
+                        <a:rPr lang="pt-BR" dirty="0" smtClean="0"/>
+                        <a:t>Não Funcional</a:t>
+                      </a:r>
+                      <a:endParaRPr lang="pt-BR" dirty="0"/>
+                    </a:p>
+                  </a:txBody>
+                  <a:tcPr/>
+                </a:tc>
+                <a:extLst>
+                  <a:ext uri="{0D108BD9-81ED-4DB2-BD59-A6C34878D82A}">
+                    <a16:rowId xmlns:a16="http://schemas.microsoft.com/office/drawing/2014/main" val="2963419676"/>
+                  </a:ext>
+                </a:extLst>
+              </a:tr>
+            </a:tbl>
+          </a:graphicData>
+        </a:graphic>
+      </p:graphicFrame>
+    </p:spTree>
+    <p:extLst>
+      <p:ext uri="{BB962C8B-B14F-4D97-AF65-F5344CB8AC3E}">
+        <p14:creationId xmlns:p14="http://schemas.microsoft.com/office/powerpoint/2010/main" val="934412554"/>
+      </p:ext>
+    </p:extLst>
+  </p:cSld>
+  <p:clrMapOvr>
+    <a:masterClrMapping/>
+  </p:clrMapOvr>
+  <mc:AlternateContent xmlns:mc="http://schemas.openxmlformats.org/markup-compatibility/2006" xmlns:p14="http://schemas.microsoft.com/office/powerpoint/2010/main">
+    <mc:Choice Requires="p14">
+      <p:transition spd="med" p14:dur="700">
+        <p:fade/>
+      </p:transition>
+    </mc:Choice>
+    <mc:Fallback xmlns="">
+      <p:transition spd="med">
+        <p:fade/>
+      </p:transition>
+    </mc:Fallback>
+  </mc:AlternateContent>
+  <p:timing>
+    <p:tnLst>
+      <p:par>
+        <p:cTn id="1" dur="indefinite" restart="never" nodeType="tmRoot">
+          <p:childTnLst>
+            <p:seq concurrent="1" nextAc="seek">
+              <p:cTn id="2" dur="indefinite" nodeType="mainSeq">
+                <p:childTnLst>
+                  <p:par>
+                    <p:cTn id="3" fill="hold">
+                      <p:stCondLst>
+                        <p:cond delay="indefinite"/>
+                        <p:cond evt="onBegin" delay="0">
+                          <p:tn val="2"/>
+                        </p:cond>
+                      </p:stCondLst>
+                      <p:childTnLst>
+                        <p:par>
+                          <p:cTn id="4" fill="hold">
+                            <p:stCondLst>
+                              <p:cond delay="0"/>
+                            </p:stCondLst>
+                            <p:childTnLst>
+                              <p:par>
+                                <p:cTn id="5" presetID="10" presetClass="entr" presetSubtype="0" fill="hold" nodeType="afterEffect">
+                                  <p:stCondLst>
+                                    <p:cond delay="0"/>
+                                  </p:stCondLst>
+                                  <p:childTnLst>
+                                    <p:set>
+                                      <p:cBhvr>
+                                        <p:cTn id="6" dur="1" fill="hold">
+                                          <p:stCondLst>
+                                            <p:cond delay="0"/>
+                                          </p:stCondLst>
+                                        </p:cTn>
+                                        <p:tgtEl>
+                                          <p:spTgt spid="3">
+                                            <p:txEl>
+                                              <p:pRg st="0" end="0"/>
+                                            </p:txEl>
+                                          </p:spTgt>
+                                        </p:tgtEl>
+                                        <p:attrNameLst>
+                                          <p:attrName>style.visibility</p:attrName>
+                                        </p:attrNameLst>
+                                      </p:cBhvr>
+                                      <p:to>
+                                        <p:strVal val="visible"/>
+                                      </p:to>
+                                    </p:set>
+                                    <p:animEffect transition="in" filter="fade">
+                                      <p:cBhvr>
+                                        <p:cTn id="7" dur="500"/>
+                                        <p:tgtEl>
+                                          <p:spTgt spid="3">
+                                            <p:txEl>
+                                              <p:pRg st="0" end="0"/>
+                                            </p:txEl>
+                                          </p:spTgt>
+                                        </p:tgtEl>
+                                      </p:cBhvr>
+                                    </p:animEffect>
+                                  </p:childTnLst>
+                                </p:cTn>
+                              </p:par>
+                            </p:childTnLst>
+                          </p:cTn>
+                        </p:par>
+                        <p:par>
+                          <p:cTn id="8" fill="hold">
+                            <p:stCondLst>
+                              <p:cond delay="500"/>
+                            </p:stCondLst>
+                            <p:childTnLst>
+                              <p:par>
+                                <p:cTn id="9" presetID="10" presetClass="entr" presetSubtype="0" fill="hold" nodeType="afterEffect" nodePh="1">
+                                  <p:stCondLst>
+                                    <p:cond delay="0"/>
+                                  </p:stCondLst>
+                                  <p:endCondLst>
+                                    <p:cond evt="begin" delay="0">
+                                      <p:tn val="9"/>
+                                    </p:cond>
+                                  </p:endCondLst>
+                                  <p:childTnLst>
+                                    <p:set>
+                                      <p:cBhvr>
+                                        <p:cTn id="10" dur="1" fill="hold">
+                                          <p:stCondLst>
+                                            <p:cond delay="0"/>
+                                          </p:stCondLst>
+                                        </p:cTn>
+                                        <p:tgtEl>
+                                          <p:spTgt spid="7">
+                                            <p:txEl>
+                                              <p:pRg st="0" end="0"/>
+                                            </p:txEl>
+                                          </p:spTgt>
+                                        </p:tgtEl>
+                                        <p:attrNameLst>
+                                          <p:attrName>style.visibility</p:attrName>
+                                        </p:attrNameLst>
+                                      </p:cBhvr>
+                                      <p:to>
+                                        <p:strVal val="visible"/>
+                                      </p:to>
+                                    </p:set>
+                                    <p:animEffect transition="in" filter="fade">
+                                      <p:cBhvr>
+                                        <p:cTn id="11" dur="500"/>
+                                        <p:tgtEl>
+                                          <p:spTgt spid="7">
+                                            <p:txEl>
+                                              <p:pRg st="0" end="0"/>
+                                            </p:txEl>
+                                          </p:spTgt>
+                                        </p:tgtEl>
+                                      </p:cBhvr>
+                                    </p:animEffect>
+                                  </p:childTnLst>
+                                </p:cTn>
+                              </p:par>
+                              <p:par>
+                                <p:cTn id="12" presetID="10" presetClass="entr" presetSubtype="0" fill="hold" nodeType="withEffect">
+                                  <p:stCondLst>
+                                    <p:cond delay="0"/>
+                                  </p:stCondLst>
+                                  <p:childTnLst>
+                                    <p:set>
+                                      <p:cBhvr>
+                                        <p:cTn id="13" dur="1" fill="hold">
+                                          <p:stCondLst>
+                                            <p:cond delay="0"/>
+                                          </p:stCondLst>
+                                        </p:cTn>
+                                        <p:tgtEl>
+                                          <p:spTgt spid="4"/>
+                                        </p:tgtEl>
+                                        <p:attrNameLst>
+                                          <p:attrName>style.visibility</p:attrName>
+                                        </p:attrNameLst>
+                                      </p:cBhvr>
+                                      <p:to>
+                                        <p:strVal val="visible"/>
+                                      </p:to>
+                                    </p:set>
+                                    <p:animEffect transition="in" filter="fade">
+                                      <p:cBhvr>
+                                        <p:cTn id="14" dur="1000"/>
+                                        <p:tgtEl>
+                                          <p:spTgt spid="4"/>
+                                        </p:tgtEl>
+                                      </p:cBhvr>
+                                    </p:animEffect>
+                                  </p:childTnLst>
+                                </p:cTn>
+                              </p:par>
+                            </p:childTnLst>
+                          </p:cTn>
+                        </p:par>
+                      </p:childTnLst>
+                    </p:cTn>
+                  </p:par>
+                </p:childTnLst>
+              </p:cTn>
+              <p:prevCondLst>
+                <p:cond evt="onPrev" delay="0">
+                  <p:tgtEl>
+                    <p:sldTgt/>
+                  </p:tgtEl>
+                </p:cond>
+              </p:prevCondLst>
+              <p:nextCondLst>
+                <p:cond evt="onNext" delay="0">
+                  <p:tgtEl>
+                    <p:sldTgt/>
+                  </p:tgtEl>
+                </p:cond>
+              </p:nextCondLst>
+            </p:seq>
+          </p:childTnLst>
+        </p:cTn>
+      </p:par>
+    </p:tnLst>
   </p:timing>
 </p:sld>
 </file>
@@ -16016,14 +16546,14 @@
   <p:clrMapOvr>
     <a:masterClrMapping/>
   </p:clrMapOvr>
-  <mc:AlternateContent xmlns:mc="http://schemas.openxmlformats.org/markup-compatibility/2006" xmlns:p14="http://schemas.microsoft.com/office/powerpoint/2010/main">
-    <mc:Choice Requires="p14">
-      <p:transition spd="med" p14:dur="700">
+  <mc:AlternateContent xmlns:mc="http://schemas.openxmlformats.org/markup-compatibility/2006">
+    <mc:Choice xmlns:p14="http://schemas.microsoft.com/office/powerpoint/2010/main" Requires="p14">
+      <p:transition spd="med" p14:dur="700" advTm="2000">
         <p:fade/>
       </p:transition>
     </mc:Choice>
-    <mc:Fallback xmlns="">
-      <p:transition spd="med">
+    <mc:Fallback>
+      <p:transition spd="med" advTm="2000">
         <p:fade/>
       </p:transition>
     </mc:Fallback>
@@ -16861,18 +17391,18 @@
 </file>
 
 <file path=customXml/item2.xml><?xml version="1.0" encoding="utf-8"?>
+<p:properties xmlns:p="http://schemas.microsoft.com/office/2006/metadata/properties" xmlns:xsi="http://www.w3.org/2001/XMLSchema-instance" xmlns:pc="http://schemas.microsoft.com/office/infopath/2007/PartnerControls">
+  <documentManagement/>
+</p:properties>
+</file>
+
+<file path=customXml/item3.xml><?xml version="1.0" encoding="utf-8"?>
 <?mso-contentType ?>
 <FormTemplates xmlns="http://schemas.microsoft.com/sharepoint/v3/contenttype/forms">
   <Display>DocumentLibraryForm</Display>
   <Edit>DocumentLibraryForm</Edit>
   <New>DocumentLibraryForm</New>
 </FormTemplates>
-</file>
-
-<file path=customXml/item3.xml><?xml version="1.0" encoding="utf-8"?>
-<p:properties xmlns:p="http://schemas.microsoft.com/office/2006/metadata/properties" xmlns:xsi="http://www.w3.org/2001/XMLSchema-instance" xmlns:pc="http://schemas.microsoft.com/office/infopath/2007/PartnerControls">
-  <documentManagement/>
-</p:properties>
 </file>
 
 <file path=customXml/itemProps1.xml><?xml version="1.0" encoding="utf-8"?>
@@ -16895,18 +17425,26 @@
 </file>
 
 <file path=customXml/itemProps2.xml><?xml version="1.0" encoding="utf-8"?>
+<ds:datastoreItem xmlns:ds="http://schemas.openxmlformats.org/officeDocument/2006/customXml" ds:itemID="{B318411D-BC21-4F40-8EF7-7A2F50F4DF56}">
+  <ds:schemaRefs>
+    <ds:schemaRef ds:uri="http://schemas.microsoft.com/office/infopath/2007/PartnerControls"/>
+    <ds:schemaRef ds:uri="http://schemas.microsoft.com/office/2006/documentManagement/types"/>
+    <ds:schemaRef ds:uri="http://purl.org/dc/terms/"/>
+    <ds:schemaRef ds:uri="http://purl.org/dc/dcmitype/"/>
+    <ds:schemaRef ds:uri="http://www.w3.org/XML/1998/namespace"/>
+    <ds:schemaRef ds:uri="http://schemas.microsoft.com/office/2006/metadata/properties"/>
+    <ds:schemaRef ds:uri="1f168f81-3f83-4b33-9f0c-ec152bce3f98"/>
+    <ds:schemaRef ds:uri="http://purl.org/dc/elements/1.1/"/>
+    <ds:schemaRef ds:uri="http://schemas.openxmlformats.org/package/2006/metadata/core-properties"/>
+    <ds:schemaRef ds:uri="86822d51-02f5-488a-80f3-0b621e7c317a"/>
+  </ds:schemaRefs>
+</ds:datastoreItem>
+</file>
+
+<file path=customXml/itemProps3.xml><?xml version="1.0" encoding="utf-8"?>
 <ds:datastoreItem xmlns:ds="http://schemas.openxmlformats.org/officeDocument/2006/customXml" ds:itemID="{4B7B7FC5-2280-4773-AF50-B19731B702FC}">
   <ds:schemaRefs>
     <ds:schemaRef ds:uri="http://schemas.microsoft.com/sharepoint/v3/contenttype/forms"/>
   </ds:schemaRefs>
 </ds:datastoreItem>
-</file>
-
-<file path=customXml/itemProps3.xml><?xml version="1.0" encoding="utf-8"?>
-<ds:datastoreItem xmlns:ds="http://schemas.openxmlformats.org/officeDocument/2006/customXml" ds:itemID="{B318411D-BC21-4F40-8EF7-7A2F50F4DF56}">
-  <ds:schemaRefs>
-    <ds:schemaRef ds:uri="http://schemas.microsoft.com/office/2006/metadata/properties"/>
-    <ds:schemaRef ds:uri="http://schemas.microsoft.com/office/infopath/2007/PartnerControls"/>
-  </ds:schemaRefs>
-</ds:datastoreItem>
 </file>